--- a/SamplePoster.pptx
+++ b/SamplePoster.pptx
@@ -1466,14 +1466,14 @@
           <p:cNvSpPr txBox="1"/>
           <p:nvPr>
             <p:custDataLst>
-              <p:tags r:id="rId2"/>
+              <p:tags r:id="rId1"/>
             </p:custDataLst>
           </p:nvPr>
         </p:nvSpPr>
         <p:spPr>
           <a:xfrm>
-            <a:off x="6172200" y="381000"/>
-            <a:ext cx="24079200" cy="2246769"/>
+            <a:off x="5046282" y="700863"/>
+            <a:ext cx="27285695" cy="1323439"/>
           </a:xfrm>
           <a:prstGeom prst="rect">
             <a:avLst/>
@@ -1491,64 +1491,59 @@
           <a:p>
             <a:pPr algn="ctr"/>
             <a:r>
-              <a:rPr lang="en-US" sz="7000" i="1" dirty="0">
+              <a:rPr lang="en-US" sz="8000" b="0" dirty="0" smtClean="0">
                 <a:solidFill>
-                  <a:srgbClr val="22228A"/>
+                  <a:schemeClr val="tx1">
+                    <a:lumMod val="95000"/>
+                    <a:lumOff val="5000"/>
+                  </a:schemeClr>
                 </a:solidFill>
                 <a:effectLst>
                   <a:outerShdw blurRad="38100" dist="38100" dir="2700000" algn="tl">
                     <a:srgbClr val="DDDDDD"/>
                   </a:outerShdw>
                 </a:effectLst>
-                <a:latin typeface="Calibri" charset="0"/>
-              </a:rPr>
-              <a:t>Efficient Mapping and Management </a:t>
-            </a:r>
-            <a:r>
-              <a:rPr lang="en-US" sz="7000" i="1" dirty="0" smtClean="0">
+                <a:latin typeface="Helvetica Neue" charset="0"/>
+                <a:ea typeface="Helvetica Neue" charset="0"/>
+                <a:cs typeface="Helvetica Neue" charset="0"/>
+              </a:rPr>
+              <a:t>Solving</a:t>
+            </a:r>
+            <a:r>
+              <a:rPr lang="en-US" sz="7000" b="0" dirty="0" smtClean="0">
                 <a:solidFill>
-                  <a:srgbClr val="22228A"/>
+                  <a:schemeClr val="tx1">
+                    <a:lumMod val="95000"/>
+                    <a:lumOff val="5000"/>
+                  </a:schemeClr>
                 </a:solidFill>
                 <a:effectLst>
                   <a:outerShdw blurRad="38100" dist="38100" dir="2700000" algn="tl">
                     <a:srgbClr val="DDDDDD"/>
                   </a:outerShdw>
                 </a:effectLst>
-                <a:latin typeface="Calibri" charset="0"/>
-              </a:rPr>
-              <a:t>of</a:t>
-            </a:r>
-          </a:p>
-          <a:p>
-            <a:pPr algn="ctr"/>
-            <a:r>
-              <a:rPr lang="en-US" sz="7000" i="1" dirty="0" smtClean="0">
-                <a:solidFill>
-                  <a:srgbClr val="22228A"/>
-                </a:solidFill>
-                <a:effectLst>
-                  <a:outerShdw blurRad="38100" dist="38100" dir="2700000" algn="tl">
-                    <a:srgbClr val="DDDDDD"/>
-                  </a:outerShdw>
-                </a:effectLst>
-                <a:latin typeface="Calibri" charset="0"/>
-              </a:rPr>
-              <a:t>Applications onto Cyber</a:t>
-            </a:r>
-            <a:r>
-              <a:rPr lang="en-US" sz="7000" i="1" dirty="0">
-                <a:solidFill>
-                  <a:srgbClr val="22228A"/>
-                </a:solidFill>
-                <a:effectLst>
-                  <a:outerShdw blurRad="38100" dist="38100" dir="2700000" algn="tl">
-                    <a:srgbClr val="DDDDDD"/>
-                  </a:outerShdw>
-                </a:effectLst>
-                <a:latin typeface="Calibri" charset="0"/>
-              </a:rPr>
-              <a:t>-Physical Systems</a:t>
-            </a:r>
+                <a:latin typeface="Helvetica Neue" charset="0"/>
+                <a:ea typeface="Helvetica Neue" charset="0"/>
+                <a:cs typeface="Helvetica Neue" charset="0"/>
+              </a:rPr>
+              <a:t> the Generalized Form of the Game of Set Efficiently</a:t>
+            </a:r>
+            <a:endParaRPr lang="en-US" sz="7000" b="0" dirty="0">
+              <a:solidFill>
+                <a:schemeClr val="tx1">
+                  <a:lumMod val="95000"/>
+                  <a:lumOff val="5000"/>
+                </a:schemeClr>
+              </a:solidFill>
+              <a:effectLst>
+                <a:outerShdw blurRad="38100" dist="38100" dir="2700000" algn="tl">
+                  <a:srgbClr val="DDDDDD"/>
+                </a:outerShdw>
+              </a:effectLst>
+              <a:latin typeface="Helvetica Neue" charset="0"/>
+              <a:ea typeface="Helvetica Neue" charset="0"/>
+              <a:cs typeface="Helvetica Neue" charset="0"/>
+            </a:endParaRPr>
           </a:p>
         </p:txBody>
       </p:sp>
@@ -1560,14 +1555,14 @@
           </p:cNvSpPr>
           <p:nvPr>
             <p:custDataLst>
-              <p:tags r:id="rId3"/>
+              <p:tags r:id="rId2"/>
             </p:custDataLst>
           </p:nvPr>
         </p:nvSpPr>
         <p:spPr bwMode="auto">
           <a:xfrm>
-            <a:off x="7510463" y="2635250"/>
-            <a:ext cx="20408151" cy="707886"/>
+            <a:off x="15595584" y="2037104"/>
+            <a:ext cx="5377434" cy="1323439"/>
           </a:xfrm>
           <a:prstGeom prst="rect">
             <a:avLst/>
@@ -1590,29 +1585,31 @@
           <a:lstStyle/>
           <a:p>
             <a:r>
-              <a:rPr lang="en-US" sz="4000" dirty="0" smtClean="0">
+              <a:rPr lang="en-US" sz="4000" b="0" dirty="0" smtClean="0">
                 <a:latin typeface="Calibri" charset="0"/>
               </a:rPr>
-              <a:t>Prof. Margaret </a:t>
-            </a:r>
-            <a:r>
-              <a:rPr lang="en-US" sz="4000" dirty="0">
+              <a:t>Steven </a:t>
+            </a:r>
+            <a:r>
+              <a:rPr lang="en-US" sz="4000" b="0" dirty="0" err="1" smtClean="0">
                 <a:latin typeface="Calibri" charset="0"/>
               </a:rPr>
-              <a:t>Martonosi, </a:t>
-            </a:r>
-            <a:r>
-              <a:rPr lang="en-US" sz="4000" dirty="0" smtClean="0">
+              <a:t>Takeshita</a:t>
+            </a:r>
+            <a:endParaRPr lang="en-US" sz="4000" b="0" dirty="0" smtClean="0">
+              <a:latin typeface="Calibri" charset="0"/>
+            </a:endParaRPr>
+          </a:p>
+          <a:p>
+            <a:r>
+              <a:rPr lang="en-US" sz="4000" b="0" dirty="0" smtClean="0">
                 <a:latin typeface="Calibri" charset="0"/>
               </a:rPr>
-              <a:t>Princeton University and Prof. </a:t>
-            </a:r>
-            <a:r>
-              <a:rPr lang="en-US" sz="4000" dirty="0">
-                <a:latin typeface="Calibri" charset="0"/>
-              </a:rPr>
-              <a:t>Pei Zhang, Carnegie Mellon University</a:t>
-            </a:r>
+              <a:t>Adviser: Zachary Kincaid</a:t>
+            </a:r>
+            <a:endParaRPr lang="en-US" sz="4000" b="0" dirty="0">
+              <a:latin typeface="Calibri" charset="0"/>
+            </a:endParaRPr>
           </a:p>
         </p:txBody>
       </p:sp>
@@ -1624,7 +1621,7 @@
           </p:cNvGrpSpPr>
           <p:nvPr>
             <p:custDataLst>
-              <p:tags r:id="rId4"/>
+              <p:tags r:id="rId3"/>
             </p:custDataLst>
           </p:nvPr>
         </p:nvGrpSpPr>
@@ -1680,99 +1677,9 @@
             <a:lstStyle/>
             <a:p>
               <a:pPr marL="742950" indent="-742950">
-                <a:buFont typeface="Wingdings" charset="2"/>
-                <a:buChar char="§"/>
                 <a:defRPr/>
               </a:pPr>
-              <a:r>
-                <a:rPr lang="en-US" sz="3200" dirty="0">
-                  <a:solidFill>
-                    <a:schemeClr val="tx1"/>
-                  </a:solidFill>
-                  <a:latin typeface="Calibri" charset="0"/>
-                </a:rPr>
-                <a:t>Cyber-Physical </a:t>
-              </a:r>
-              <a:r>
-                <a:rPr lang="en-US" sz="3200" dirty="0" smtClean="0">
-                  <a:solidFill>
-                    <a:schemeClr val="tx1"/>
-                  </a:solidFill>
-                  <a:latin typeface="Calibri" charset="0"/>
-                </a:rPr>
-                <a:t>Systems:  richly </a:t>
-              </a:r>
-              <a:r>
-                <a:rPr lang="en-US" sz="3200" dirty="0">
-                  <a:solidFill>
-                    <a:schemeClr val="tx1"/>
-                  </a:solidFill>
-                  <a:latin typeface="Calibri" charset="0"/>
-                </a:rPr>
-                <a:t>heterogeneous devices </a:t>
-              </a:r>
-              <a:r>
-                <a:rPr lang="en-US" sz="3200" dirty="0" smtClean="0">
-                  <a:solidFill>
-                    <a:schemeClr val="tx1"/>
-                  </a:solidFill>
-                  <a:latin typeface="Calibri" charset="0"/>
-                </a:rPr>
-                <a:t>(mobile</a:t>
-              </a:r>
-              <a:r>
-                <a:rPr lang="en-US" sz="3200" dirty="0">
-                  <a:solidFill>
-                    <a:schemeClr val="tx1"/>
-                  </a:solidFill>
-                  <a:latin typeface="Calibri" charset="0"/>
-                </a:rPr>
-                <a:t> devices, home electronics, taxis, robotic drones, etc.) that together</a:t>
-              </a:r>
-              <a:r>
-                <a:rPr lang="en-US" sz="3200" dirty="0" smtClean="0">
-                  <a:solidFill>
-                    <a:schemeClr val="tx1"/>
-                  </a:solidFill>
-                  <a:latin typeface="Calibri" charset="0"/>
-                </a:rPr>
-                <a:t> gather sensor data, analyze it, and coordinate large-scale actions in response to it.</a:t>
-              </a:r>
-            </a:p>
-            <a:p>
-              <a:pPr marL="742950" indent="-742950">
-                <a:buFont typeface="Wingdings" charset="2"/>
-                <a:buChar char="§"/>
-                <a:defRPr/>
-              </a:pPr>
-              <a:endParaRPr lang="en-US" sz="2800" dirty="0" smtClean="0">
-                <a:solidFill>
-                  <a:schemeClr val="tx1"/>
-                </a:solidFill>
-                <a:latin typeface="Calibri" charset="0"/>
-              </a:endParaRPr>
-            </a:p>
-            <a:p>
-              <a:pPr marL="742950" indent="-742950">
-                <a:buFont typeface="Wingdings" charset="2"/>
-                <a:buChar char="§"/>
-                <a:defRPr/>
-              </a:pPr>
-              <a:r>
-                <a:rPr lang="en-US" sz="3200" dirty="0" smtClean="0">
-                  <a:solidFill>
-                    <a:schemeClr val="tx1"/>
-                  </a:solidFill>
-                  <a:latin typeface="Calibri" charset="0"/>
-                </a:rPr>
-                <a:t>Challenge: How to program CP Systems?</a:t>
-              </a:r>
-            </a:p>
-            <a:p>
-              <a:pPr marL="742950" indent="-742950">
-                <a:defRPr/>
-              </a:pPr>
-              <a:endParaRPr lang="en-US" sz="3200" dirty="0" smtClean="0">
+              <a:endParaRPr lang="en-US" sz="3200" b="0" dirty="0" smtClean="0">
                 <a:solidFill>
                   <a:schemeClr val="tx1"/>
                 </a:solidFill>
@@ -1785,7 +1692,7 @@
                 <a:buChar char="§"/>
                 <a:defRPr/>
               </a:pPr>
-              <a:endParaRPr lang="en-US" sz="2800" dirty="0" smtClean="0">
+              <a:endParaRPr lang="en-US" sz="2800" b="0" dirty="0" smtClean="0">
                 <a:solidFill>
                   <a:schemeClr val="tx1"/>
                 </a:solidFill>
@@ -1842,7 +1749,7 @@
             <a:lstStyle/>
             <a:p>
               <a:r>
-                <a:rPr lang="en-US" sz="4000" dirty="0">
+                <a:rPr lang="en-US" sz="4000" b="0" dirty="0">
                   <a:solidFill>
                     <a:schemeClr val="bg1"/>
                   </a:solidFill>
@@ -1852,7 +1759,7 @@
                 </a:rPr>
                 <a:t>Motivation</a:t>
               </a:r>
-              <a:endParaRPr lang="en-US" sz="4400" dirty="0">
+              <a:endParaRPr lang="en-US" sz="4400" b="0" dirty="0">
                 <a:solidFill>
                   <a:schemeClr val="bg1"/>
                 </a:solidFill>
@@ -1872,16 +1779,16 @@
           </p:cNvGrpSpPr>
           <p:nvPr>
             <p:custDataLst>
-              <p:tags r:id="rId5"/>
+              <p:tags r:id="rId4"/>
             </p:custDataLst>
           </p:nvPr>
         </p:nvGrpSpPr>
         <p:grpSpPr bwMode="auto">
           <a:xfrm>
-            <a:off x="685800" y="17983200"/>
-            <a:ext cx="11125200" cy="6400800"/>
-            <a:chOff x="990600" y="3962400"/>
-            <a:chExt cx="9601200" cy="4950865"/>
+            <a:off x="723900" y="22671609"/>
+            <a:ext cx="11163300" cy="4138963"/>
+            <a:chOff x="990600" y="3502167"/>
+            <a:chExt cx="9634081" cy="5411098"/>
           </a:xfrm>
         </p:grpSpPr>
         <p:sp>
@@ -1932,136 +1839,12 @@
                 <a:buAutoNum type="arabicPeriod"/>
                 <a:defRPr/>
               </a:pPr>
-              <a:r>
-                <a:rPr lang="en-US" sz="3200" dirty="0">
-                  <a:solidFill>
-                    <a:schemeClr val="tx1"/>
-                  </a:solidFill>
-                  <a:latin typeface="Calibri" pitchFamily="34" charset="0"/>
-                </a:rPr>
-                <a:t>Abstraction layer to allow CPS applications to express application needs</a:t>
-              </a:r>
-            </a:p>
-            <a:p>
-              <a:pPr marL="1200150" lvl="1" indent="-742950">
-                <a:buFont typeface="Wingdings" pitchFamily="2" charset="2"/>
-                <a:buChar char="§"/>
-                <a:defRPr/>
-              </a:pPr>
-              <a:r>
-                <a:rPr lang="en-US" sz="2800" dirty="0">
-                  <a:solidFill>
-                    <a:schemeClr val="tx1"/>
-                  </a:solidFill>
-                  <a:latin typeface="Calibri" pitchFamily="34" charset="0"/>
-                </a:rPr>
-                <a:t>Coverage and sensing requirements</a:t>
-              </a:r>
-            </a:p>
-            <a:p>
-              <a:pPr marL="1200150" lvl="1" indent="-742950">
-                <a:buFont typeface="Wingdings" pitchFamily="2" charset="2"/>
-                <a:buChar char="§"/>
-                <a:defRPr/>
-              </a:pPr>
-              <a:endParaRPr lang="en-US" sz="2800" dirty="0">
+              <a:endParaRPr lang="en-US" sz="2800" b="0" dirty="0">
                 <a:solidFill>
                   <a:schemeClr val="tx1"/>
                 </a:solidFill>
                 <a:latin typeface="Calibri" pitchFamily="34" charset="0"/>
               </a:endParaRPr>
-            </a:p>
-            <a:p>
-              <a:pPr marL="742950" indent="-742950">
-                <a:buFontTx/>
-                <a:buAutoNum type="arabicPeriod" startAt="2"/>
-                <a:defRPr/>
-              </a:pPr>
-              <a:r>
-                <a:rPr lang="en-US" sz="3200" dirty="0">
-                  <a:solidFill>
-                    <a:schemeClr val="tx1"/>
-                  </a:solidFill>
-                  <a:latin typeface="Calibri" pitchFamily="34" charset="0"/>
-                </a:rPr>
-                <a:t>Device attribute catalog to summarize local nodes and their </a:t>
-              </a:r>
-              <a:r>
-                <a:rPr lang="en-US" sz="3200" dirty="0" smtClean="0">
-                  <a:solidFill>
-                    <a:schemeClr val="tx1"/>
-                  </a:solidFill>
-                  <a:latin typeface="Calibri" pitchFamily="34" charset="0"/>
-                </a:rPr>
-                <a:t>capabilities</a:t>
-              </a:r>
-              <a:endParaRPr lang="en-US" sz="3200" dirty="0">
-                <a:solidFill>
-                  <a:schemeClr val="tx1"/>
-                </a:solidFill>
-                <a:latin typeface="Calibri" pitchFamily="34" charset="0"/>
-              </a:endParaRPr>
-            </a:p>
-            <a:p>
-              <a:pPr marL="1200150" lvl="1" indent="-742950">
-                <a:buFont typeface="Wingdings" pitchFamily="2" charset="2"/>
-                <a:buChar char="§"/>
-                <a:defRPr/>
-              </a:pPr>
-              <a:r>
-                <a:rPr lang="en-US" sz="2800" dirty="0">
-                  <a:solidFill>
-                    <a:schemeClr val="tx1"/>
-                  </a:solidFill>
-                  <a:latin typeface="Calibri" pitchFamily="34" charset="0"/>
-                </a:rPr>
-                <a:t>Sensing capabilities, probability of success, accuracy, etc.</a:t>
-              </a:r>
-            </a:p>
-            <a:p>
-              <a:pPr marL="1200150" lvl="1" indent="-742950">
-                <a:buFont typeface="Wingdings" pitchFamily="2" charset="2"/>
-                <a:buChar char="§"/>
-                <a:defRPr/>
-              </a:pPr>
-              <a:endParaRPr lang="en-US" sz="2800" dirty="0">
-                <a:solidFill>
-                  <a:schemeClr val="tx1"/>
-                </a:solidFill>
-                <a:latin typeface="Calibri" pitchFamily="34" charset="0"/>
-              </a:endParaRPr>
-            </a:p>
-            <a:p>
-              <a:pPr marL="742950" indent="-742950">
-                <a:buFontTx/>
-                <a:buAutoNum type="arabicPeriod" startAt="3"/>
-                <a:defRPr/>
-              </a:pPr>
-              <a:r>
-                <a:rPr lang="en-US" sz="3200" dirty="0">
-                  <a:solidFill>
-                    <a:schemeClr val="tx1"/>
-                  </a:solidFill>
-                  <a:latin typeface="Calibri" pitchFamily="34" charset="0"/>
-                </a:rPr>
-                <a:t>Model, Prediction and Control mobility of nodes</a:t>
-              </a:r>
-            </a:p>
-            <a:p>
-              <a:pPr marL="1200150" lvl="1" indent="-742950">
-                <a:buFont typeface="Wingdings" pitchFamily="2" charset="2"/>
-                <a:buChar char="§"/>
-                <a:defRPr/>
-              </a:pPr>
-              <a:r>
-                <a:rPr lang="en-US" sz="2800" dirty="0">
-                  <a:solidFill>
-                    <a:schemeClr val="tx1"/>
-                  </a:solidFill>
-                  <a:latin typeface="Calibri" pitchFamily="34" charset="0"/>
-                </a:rPr>
-                <a:t>Different types of motion (people, fixed sensors, robot, etc.)</a:t>
-              </a:r>
             </a:p>
           </p:txBody>
         </p:sp>
@@ -2073,8 +1856,8 @@
           </p:nvSpPr>
           <p:spPr>
             <a:xfrm>
-              <a:off x="990600" y="3962400"/>
-              <a:ext cx="9601200" cy="686036"/>
+              <a:off x="990600" y="3502167"/>
+              <a:ext cx="9634081" cy="1146270"/>
             </a:xfrm>
             <a:prstGeom prst="rect">
               <a:avLst/>
@@ -2113,7 +1896,7 @@
             <a:lstStyle/>
             <a:p>
               <a:r>
-                <a:rPr lang="en-US" sz="4000" dirty="0" smtClean="0">
+                <a:rPr lang="en-US" sz="4400" b="0" dirty="0" smtClean="0">
                   <a:solidFill>
                     <a:srgbClr val="FFFFFF"/>
                   </a:solidFill>
@@ -2121,9 +1904,9 @@
                   <a:ea typeface="ＭＳ Ｐゴシック" charset="-128"/>
                   <a:cs typeface="ＭＳ Ｐゴシック" charset="-128"/>
                 </a:rPr>
-                <a:t>Our Project</a:t>
+                <a:t>Problem Definition</a:t>
               </a:r>
-              <a:endParaRPr lang="en-US" sz="4400" dirty="0">
+              <a:endParaRPr lang="en-US" sz="4400" b="0" dirty="0">
                 <a:solidFill>
                   <a:srgbClr val="FFFFFF"/>
                 </a:solidFill>
@@ -2143,14 +1926,14 @@
           </p:cNvGrpSpPr>
           <p:nvPr>
             <p:custDataLst>
-              <p:tags r:id="rId6"/>
+              <p:tags r:id="rId5"/>
             </p:custDataLst>
           </p:nvPr>
         </p:nvGrpSpPr>
         <p:grpSpPr bwMode="auto">
           <a:xfrm>
-            <a:off x="24765000" y="3925545"/>
-            <a:ext cx="11125200" cy="8160110"/>
+            <a:off x="24764999" y="3925545"/>
+            <a:ext cx="11358325" cy="12232342"/>
             <a:chOff x="990600" y="3962400"/>
             <a:chExt cx="9601200" cy="4332485"/>
           </a:xfrm>
@@ -2198,78 +1981,12 @@
             <a:bodyPr anchor="t"/>
             <a:lstStyle/>
             <a:p>
-              <a:pPr marL="742950" indent="-742950">
-                <a:buFont typeface="Wingdings" pitchFamily="2" charset="2"/>
-                <a:buChar char="§"/>
-                <a:defRPr/>
-              </a:pPr>
-              <a:r>
-                <a:rPr lang="en-US" sz="3200" dirty="0" smtClean="0">
-                  <a:solidFill>
-                    <a:schemeClr val="tx1"/>
-                  </a:solidFill>
-                  <a:latin typeface="Calibri" pitchFamily="34" charset="0"/>
-                </a:rPr>
-                <a:t>Model Human Mobility based on cellphone Call Detail Records (CDRs) or similar aggregate info:</a:t>
-              </a:r>
-            </a:p>
-            <a:p>
               <a:pPr marL="1200150" lvl="1" indent="-742950">
                 <a:buFont typeface="Wingdings" pitchFamily="2" charset="2"/>
                 <a:buChar char="§"/>
                 <a:defRPr/>
               </a:pPr>
-              <a:r>
-                <a:rPr lang="en-US" sz="2800" dirty="0" smtClean="0">
-                  <a:solidFill>
-                    <a:schemeClr val="tx1"/>
-                  </a:solidFill>
-                  <a:latin typeface="Calibri" pitchFamily="34" charset="0"/>
-                </a:rPr>
-                <a:t>Sparse in time: Only when phone call in/out</a:t>
-              </a:r>
-            </a:p>
-            <a:p>
-              <a:pPr marL="1200150" lvl="1" indent="-742950">
-                <a:buFont typeface="Wingdings" pitchFamily="2" charset="2"/>
-                <a:buChar char="§"/>
-                <a:defRPr/>
-              </a:pPr>
-              <a:r>
-                <a:rPr lang="en-US" sz="2800" dirty="0" smtClean="0">
-                  <a:solidFill>
-                    <a:schemeClr val="tx1"/>
-                  </a:solidFill>
-                  <a:latin typeface="Calibri" pitchFamily="34" charset="0"/>
-                </a:rPr>
-                <a:t>Coarse in space: Only to granularity of cell </a:t>
-              </a:r>
-              <a:r>
-                <a:rPr lang="en-US" sz="2800" smtClean="0">
-                  <a:solidFill>
-                    <a:schemeClr val="tx1"/>
-                  </a:solidFill>
-                  <a:latin typeface="Calibri" pitchFamily="34" charset="0"/>
-                </a:rPr>
-                <a:t>tower spacing. </a:t>
-              </a:r>
-              <a:r>
-                <a:rPr lang="en-US" sz="2800" dirty="0" smtClean="0">
-                  <a:solidFill>
-                    <a:schemeClr val="tx1"/>
-                  </a:solidFill>
-                  <a:latin typeface="Calibri" pitchFamily="34" charset="0"/>
-                </a:rPr>
-                <a:t>(Not GPS)</a:t>
-              </a:r>
-            </a:p>
-            <a:p>
-              <a:pPr marL="1200150" lvl="1" indent="-742950">
-                <a:buFont typeface="Wingdings" pitchFamily="2" charset="2"/>
-                <a:buChar char="§"/>
-                <a:defRPr/>
-              </a:pPr>
-              <a:endParaRPr lang="en-US" sz="2800" dirty="0" smtClean="0">
+              <a:endParaRPr lang="en-US" sz="2800" b="0" dirty="0" smtClean="0">
                 <a:solidFill>
                   <a:schemeClr val="tx1"/>
                 </a:solidFill>
@@ -2282,7 +1999,7 @@
                 <a:buChar char="§"/>
                 <a:defRPr/>
               </a:pPr>
-              <a:endParaRPr lang="en-US" sz="2800" dirty="0" smtClean="0">
+              <a:endParaRPr lang="en-US" sz="2800" b="0" dirty="0" smtClean="0">
                 <a:solidFill>
                   <a:schemeClr val="tx1"/>
                 </a:solidFill>
@@ -2295,7 +2012,7 @@
                 <a:buChar char="§"/>
                 <a:defRPr/>
               </a:pPr>
-              <a:endParaRPr lang="en-US" sz="2800" dirty="0" smtClean="0">
+              <a:endParaRPr lang="en-US" sz="2800" b="0" dirty="0" smtClean="0">
                 <a:solidFill>
                   <a:schemeClr val="tx1"/>
                 </a:solidFill>
@@ -2308,7 +2025,7 @@
                 <a:buChar char="§"/>
                 <a:defRPr/>
               </a:pPr>
-              <a:endParaRPr lang="en-US" sz="2800" dirty="0" smtClean="0">
+              <a:endParaRPr lang="en-US" sz="2800" b="0" dirty="0" smtClean="0">
                 <a:solidFill>
                   <a:schemeClr val="tx1"/>
                 </a:solidFill>
@@ -2321,7 +2038,7 @@
                 <a:buChar char="§"/>
                 <a:defRPr/>
               </a:pPr>
-              <a:endParaRPr lang="en-US" sz="2800" dirty="0" smtClean="0">
+              <a:endParaRPr lang="en-US" sz="2800" b="0" dirty="0" smtClean="0">
                 <a:solidFill>
                   <a:schemeClr val="tx1"/>
                 </a:solidFill>
@@ -2334,138 +2051,7 @@
                 <a:buChar char="§"/>
                 <a:defRPr/>
               </a:pPr>
-              <a:endParaRPr lang="en-US" sz="2800" dirty="0" smtClean="0">
-                <a:solidFill>
-                  <a:schemeClr val="tx1"/>
-                </a:solidFill>
-                <a:latin typeface="Calibri" pitchFamily="34" charset="0"/>
-              </a:endParaRPr>
-            </a:p>
-            <a:p>
-              <a:pPr marL="1200150" lvl="1" indent="-742950">
-                <a:buFont typeface="Wingdings" pitchFamily="2" charset="2"/>
-                <a:buChar char="§"/>
-                <a:defRPr/>
-              </a:pPr>
-              <a:endParaRPr lang="en-US" sz="2800" dirty="0" smtClean="0">
-                <a:solidFill>
-                  <a:schemeClr val="tx1"/>
-                </a:solidFill>
-                <a:latin typeface="Calibri" pitchFamily="34" charset="0"/>
-              </a:endParaRPr>
-            </a:p>
-            <a:p>
-              <a:pPr marL="1200150" lvl="1" indent="-742950">
-                <a:buFont typeface="Wingdings" pitchFamily="2" charset="2"/>
-                <a:buChar char="§"/>
-                <a:defRPr/>
-              </a:pPr>
-              <a:endParaRPr lang="en-US" sz="2800" dirty="0" smtClean="0">
-                <a:solidFill>
-                  <a:schemeClr val="tx1"/>
-                </a:solidFill>
-                <a:latin typeface="Calibri" pitchFamily="34" charset="0"/>
-              </a:endParaRPr>
-            </a:p>
-            <a:p>
-              <a:pPr marL="1200150" lvl="1" indent="-742950">
-                <a:defRPr/>
-              </a:pPr>
-              <a:endParaRPr lang="en-US" sz="2800" dirty="0" smtClean="0">
-                <a:solidFill>
-                  <a:schemeClr val="tx1"/>
-                </a:solidFill>
-                <a:latin typeface="Calibri" pitchFamily="34" charset="0"/>
-              </a:endParaRPr>
-            </a:p>
-            <a:p>
-              <a:pPr marL="1200150" lvl="1" indent="-742950">
-                <a:buFont typeface="Wingdings" pitchFamily="2" charset="2"/>
-                <a:buChar char="§"/>
-                <a:defRPr/>
-              </a:pPr>
-              <a:r>
-                <a:rPr lang="en-US" sz="2800" dirty="0" smtClean="0">
-                  <a:solidFill>
-                    <a:schemeClr val="tx1"/>
-                  </a:solidFill>
-                  <a:latin typeface="Calibri" pitchFamily="34" charset="0"/>
-                </a:rPr>
-                <a:t>Our Approach offers accuracy sufficient for detailed regional studies of human and vehicular movements.</a:t>
-              </a:r>
-            </a:p>
-            <a:p>
-              <a:pPr marL="1200150" lvl="1" indent="-742950">
-                <a:buFont typeface="Wingdings" pitchFamily="2" charset="2"/>
-                <a:buChar char="§"/>
-                <a:defRPr/>
-              </a:pPr>
-              <a:endParaRPr lang="en-US" sz="2800" dirty="0" smtClean="0">
-                <a:solidFill>
-                  <a:schemeClr val="tx1"/>
-                </a:solidFill>
-                <a:latin typeface="Calibri" pitchFamily="34" charset="0"/>
-              </a:endParaRPr>
-            </a:p>
-            <a:p>
-              <a:pPr marL="1200150" lvl="1" indent="-742950">
-                <a:buFont typeface="Wingdings" pitchFamily="2" charset="2"/>
-                <a:buChar char="§"/>
-                <a:defRPr/>
-              </a:pPr>
-              <a:endParaRPr lang="en-US" sz="2800" dirty="0" smtClean="0">
-                <a:solidFill>
-                  <a:schemeClr val="tx1"/>
-                </a:solidFill>
-                <a:latin typeface="Calibri" pitchFamily="34" charset="0"/>
-              </a:endParaRPr>
-            </a:p>
-            <a:p>
-              <a:pPr marL="1200150" lvl="1" indent="-742950">
-                <a:buFont typeface="Wingdings" pitchFamily="2" charset="2"/>
-                <a:buChar char="§"/>
-                <a:defRPr/>
-              </a:pPr>
-              <a:endParaRPr lang="en-US" sz="2800" dirty="0" smtClean="0">
-                <a:solidFill>
-                  <a:schemeClr val="tx1"/>
-                </a:solidFill>
-                <a:latin typeface="Calibri" pitchFamily="34" charset="0"/>
-              </a:endParaRPr>
-            </a:p>
-            <a:p>
-              <a:pPr marL="1200150" lvl="1" indent="-742950">
-                <a:buFont typeface="Wingdings" pitchFamily="2" charset="2"/>
-                <a:buChar char="§"/>
-                <a:defRPr/>
-              </a:pPr>
-              <a:endParaRPr lang="en-US" sz="2800" dirty="0" smtClean="0">
-                <a:solidFill>
-                  <a:schemeClr val="tx1"/>
-                </a:solidFill>
-                <a:latin typeface="Calibri" pitchFamily="34" charset="0"/>
-              </a:endParaRPr>
-            </a:p>
-            <a:p>
-              <a:pPr marL="1200150" lvl="1" indent="-742950">
-                <a:buFont typeface="Wingdings" pitchFamily="2" charset="2"/>
-                <a:buChar char="§"/>
-                <a:defRPr/>
-              </a:pPr>
-              <a:endParaRPr lang="en-US" sz="2800" dirty="0" smtClean="0">
-                <a:solidFill>
-                  <a:schemeClr val="tx1"/>
-                </a:solidFill>
-                <a:latin typeface="Calibri" pitchFamily="34" charset="0"/>
-              </a:endParaRPr>
-            </a:p>
-            <a:p>
-              <a:pPr marL="1200150" lvl="1" indent="-742950">
-                <a:buFont typeface="Wingdings" pitchFamily="2" charset="2"/>
-                <a:buChar char="§"/>
-                <a:defRPr/>
-              </a:pPr>
-              <a:endParaRPr lang="en-US" sz="2800" dirty="0" smtClean="0">
+              <a:endParaRPr lang="en-US" sz="2800" b="0" dirty="0" smtClean="0">
                 <a:solidFill>
                   <a:schemeClr val="tx1"/>
                 </a:solidFill>
@@ -2476,7 +2062,7 @@
               <a:pPr marL="742950" indent="-742950">
                 <a:defRPr/>
               </a:pPr>
-              <a:endParaRPr lang="en-US" sz="3600" dirty="0">
+              <a:endParaRPr lang="en-US" sz="3600" b="0" dirty="0">
                 <a:solidFill>
                   <a:schemeClr val="tx1"/>
                 </a:solidFill>
@@ -2533,7 +2119,7 @@
             <a:lstStyle/>
             <a:p>
               <a:r>
-                <a:rPr lang="en-US" sz="4000" dirty="0" smtClean="0">
+                <a:rPr lang="en-US" sz="4400" b="0" dirty="0" smtClean="0">
                   <a:solidFill>
                     <a:srgbClr val="FFFFFF"/>
                   </a:solidFill>
@@ -2541,9 +2127,9 @@
                   <a:ea typeface="ＭＳ Ｐゴシック" charset="-128"/>
                   <a:cs typeface="ＭＳ Ｐゴシック" charset="-128"/>
                 </a:rPr>
-                <a:t>Region-Scale Mobility Modeling</a:t>
+                <a:t>Results</a:t>
               </a:r>
-              <a:endParaRPr lang="en-US" sz="4400" dirty="0">
+              <a:endParaRPr lang="en-US" sz="4400" b="0" dirty="0">
                 <a:solidFill>
                   <a:srgbClr val="FFFFFF"/>
                 </a:solidFill>
@@ -2563,16 +2149,16 @@
           </p:cNvGrpSpPr>
           <p:nvPr>
             <p:custDataLst>
-              <p:tags r:id="rId7"/>
+              <p:tags r:id="rId6"/>
             </p:custDataLst>
           </p:nvPr>
         </p:nvGrpSpPr>
         <p:grpSpPr bwMode="auto">
           <a:xfrm>
-            <a:off x="24765000" y="12198100"/>
-            <a:ext cx="11049000" cy="8680312"/>
-            <a:chOff x="990600" y="3962400"/>
-            <a:chExt cx="9601201" cy="3761707"/>
+            <a:off x="24743175" y="16319877"/>
+            <a:ext cx="11380149" cy="2522178"/>
+            <a:chOff x="990600" y="3787496"/>
+            <a:chExt cx="9601201" cy="3936611"/>
           </a:xfrm>
         </p:grpSpPr>
         <p:sp>
@@ -2626,388 +2212,7 @@
                 <a:buFont typeface="Wingdings" charset="2"/>
                 <a:buChar char="§"/>
               </a:pPr>
-              <a:r>
-                <a:rPr lang="en-US" sz="2800" dirty="0" smtClean="0">
-                  <a:solidFill>
-                    <a:schemeClr val="tx1"/>
-                  </a:solidFill>
-                  <a:latin typeface="Calibri" charset="0"/>
-                  <a:ea typeface="ＭＳ Ｐゴシック" charset="-128"/>
-                  <a:cs typeface="ＭＳ Ｐゴシック" charset="-128"/>
-                  <a:sym typeface="Wingdings" charset="2"/>
-                </a:rPr>
-                <a:t>Select when to use 3G and when to use WiFi based on:</a:t>
-              </a:r>
-            </a:p>
-            <a:p>
-              <a:pPr marL="1200150" lvl="1" indent="-742950">
-                <a:buFont typeface="Wingdings" charset="2"/>
-                <a:buChar char="§"/>
-              </a:pPr>
-              <a:r>
-                <a:rPr lang="en-US" sz="2800" dirty="0" smtClean="0">
-                  <a:solidFill>
-                    <a:schemeClr val="tx1"/>
-                  </a:solidFill>
-                  <a:latin typeface="Calibri" charset="0"/>
-                  <a:ea typeface="ＭＳ Ｐゴシック" charset="-128"/>
-                  <a:cs typeface="ＭＳ Ｐゴシック" charset="-128"/>
-                  <a:sym typeface="Wingdings" charset="2"/>
-                </a:rPr>
-                <a:t>Availability and bandwidth of 3G and WiFi</a:t>
-              </a:r>
-            </a:p>
-            <a:p>
-              <a:pPr marL="1200150" lvl="1" indent="-742950">
-                <a:buFont typeface="Wingdings" charset="2"/>
-                <a:buChar char="§"/>
-              </a:pPr>
-              <a:r>
-                <a:rPr lang="en-US" sz="2800" dirty="0" smtClean="0">
-                  <a:solidFill>
-                    <a:schemeClr val="tx1"/>
-                  </a:solidFill>
-                  <a:latin typeface="Calibri" charset="0"/>
-                  <a:ea typeface="ＭＳ Ｐゴシック" charset="-128"/>
-                  <a:cs typeface="ＭＳ Ｐゴシック" charset="-128"/>
-                  <a:sym typeface="Wingdings" charset="2"/>
-                </a:rPr>
-                <a:t>Delay tolerance of application</a:t>
-              </a:r>
-            </a:p>
-            <a:p>
-              <a:pPr marL="1200150" lvl="1" indent="-742950">
-                <a:buFont typeface="Wingdings" charset="2"/>
-                <a:buChar char="§"/>
-              </a:pPr>
-              <a:r>
-                <a:rPr lang="en-US" sz="2800" dirty="0" smtClean="0">
-                  <a:solidFill>
-                    <a:schemeClr val="tx1"/>
-                  </a:solidFill>
-                  <a:latin typeface="Calibri" charset="0"/>
-                  <a:ea typeface="ＭＳ Ｐゴシック" charset="-128"/>
-                  <a:cs typeface="ＭＳ Ｐゴシック" charset="-128"/>
-                  <a:sym typeface="Wingdings" charset="2"/>
-                </a:rPr>
-                <a:t>Cost of data transfers on each network</a:t>
-              </a:r>
-            </a:p>
-            <a:p>
-              <a:pPr marL="1200150" lvl="1" indent="-742950">
-                <a:buFont typeface="Wingdings" charset="2"/>
-                <a:buChar char="§"/>
-              </a:pPr>
-              <a:r>
-                <a:rPr lang="en-US" sz="2800" dirty="0" smtClean="0">
-                  <a:solidFill>
-                    <a:schemeClr val="tx1"/>
-                  </a:solidFill>
-                  <a:latin typeface="Calibri" charset="0"/>
-                  <a:ea typeface="ＭＳ Ｐゴシック" charset="-128"/>
-                  <a:cs typeface="ＭＳ Ｐゴシック" charset="-128"/>
-                  <a:sym typeface="Wingdings" charset="2"/>
-                </a:rPr>
-                <a:t>Mobility prediction of device</a:t>
-              </a:r>
-            </a:p>
-            <a:p>
-              <a:pPr marL="742950" indent="-742950">
-                <a:buFont typeface="Wingdings" charset="2"/>
-                <a:buChar char="§"/>
-              </a:pPr>
-              <a:r>
-                <a:rPr lang="en-US" sz="2800" dirty="0" smtClean="0">
-                  <a:solidFill>
-                    <a:schemeClr val="tx1"/>
-                  </a:solidFill>
-                  <a:latin typeface="Calibri" charset="0"/>
-                  <a:ea typeface="ＭＳ Ｐゴシック" charset="-128"/>
-                  <a:cs typeface="ＭＳ Ｐゴシック" charset="-128"/>
-                  <a:sym typeface="Wingdings" charset="2"/>
-                </a:rPr>
-                <a:t>Optimal MILP Scheduler Formulation</a:t>
-              </a:r>
-            </a:p>
-            <a:p>
-              <a:pPr marL="742950" indent="-742950">
-                <a:buFont typeface="Wingdings" charset="2"/>
-                <a:buChar char="§"/>
-              </a:pPr>
-              <a:endParaRPr lang="en-US" sz="2800" dirty="0" smtClean="0">
-                <a:solidFill>
-                  <a:schemeClr val="tx1"/>
-                </a:solidFill>
-                <a:latin typeface="Calibri" charset="0"/>
-                <a:ea typeface="ＭＳ Ｐゴシック" charset="-128"/>
-                <a:cs typeface="ＭＳ Ｐゴシック" charset="-128"/>
-                <a:sym typeface="Wingdings" charset="2"/>
-              </a:endParaRPr>
-            </a:p>
-            <a:p>
-              <a:pPr marL="742950" indent="-742950">
-                <a:buFont typeface="Wingdings" charset="2"/>
-                <a:buChar char="§"/>
-              </a:pPr>
-              <a:endParaRPr lang="en-US" sz="2800" dirty="0" smtClean="0">
-                <a:solidFill>
-                  <a:schemeClr val="tx1"/>
-                </a:solidFill>
-                <a:latin typeface="Calibri" charset="0"/>
-                <a:ea typeface="ＭＳ Ｐゴシック" charset="-128"/>
-                <a:cs typeface="ＭＳ Ｐゴシック" charset="-128"/>
-                <a:sym typeface="Wingdings" charset="2"/>
-              </a:endParaRPr>
-            </a:p>
-            <a:p>
-              <a:pPr marL="742950" indent="-742950">
-                <a:buFont typeface="Wingdings" charset="2"/>
-                <a:buChar char="§"/>
-              </a:pPr>
-              <a:endParaRPr lang="en-US" sz="2800" dirty="0" smtClean="0">
-                <a:solidFill>
-                  <a:schemeClr val="tx1"/>
-                </a:solidFill>
-                <a:latin typeface="Calibri" charset="0"/>
-                <a:ea typeface="ＭＳ Ｐゴシック" charset="-128"/>
-                <a:cs typeface="ＭＳ Ｐゴシック" charset="-128"/>
-                <a:sym typeface="Wingdings" charset="2"/>
-              </a:endParaRPr>
-            </a:p>
-            <a:p>
-              <a:pPr marL="742950" indent="-742950">
-                <a:buFont typeface="Wingdings" charset="2"/>
-                <a:buChar char="§"/>
-              </a:pPr>
-              <a:endParaRPr lang="en-US" sz="2800" dirty="0" smtClean="0">
-                <a:solidFill>
-                  <a:schemeClr val="tx1"/>
-                </a:solidFill>
-                <a:latin typeface="Calibri" charset="0"/>
-                <a:ea typeface="ＭＳ Ｐゴシック" charset="-128"/>
-                <a:cs typeface="ＭＳ Ｐゴシック" charset="-128"/>
-                <a:sym typeface="Wingdings" charset="2"/>
-              </a:endParaRPr>
-            </a:p>
-            <a:p>
-              <a:pPr marL="742950" indent="-742950">
-                <a:buFont typeface="Wingdings" charset="2"/>
-                <a:buChar char="§"/>
-              </a:pPr>
-              <a:endParaRPr lang="en-US" sz="2800" dirty="0" smtClean="0">
-                <a:solidFill>
-                  <a:schemeClr val="tx1"/>
-                </a:solidFill>
-                <a:latin typeface="Calibri" charset="0"/>
-                <a:ea typeface="ＭＳ Ｐゴシック" charset="-128"/>
-                <a:cs typeface="ＭＳ Ｐゴシック" charset="-128"/>
-                <a:sym typeface="Wingdings" charset="2"/>
-              </a:endParaRPr>
-            </a:p>
-            <a:p>
-              <a:pPr marL="742950" indent="-742950">
-                <a:buFont typeface="Wingdings" charset="2"/>
-                <a:buChar char="§"/>
-              </a:pPr>
-              <a:endParaRPr lang="en-US" sz="2800" dirty="0" smtClean="0">
-                <a:solidFill>
-                  <a:schemeClr val="tx1"/>
-                </a:solidFill>
-                <a:latin typeface="Calibri" charset="0"/>
-                <a:ea typeface="ＭＳ Ｐゴシック" charset="-128"/>
-                <a:cs typeface="ＭＳ Ｐゴシック" charset="-128"/>
-                <a:sym typeface="Wingdings" charset="2"/>
-              </a:endParaRPr>
-            </a:p>
-            <a:p>
-              <a:pPr marL="742950" indent="-742950">
-                <a:buFont typeface="Wingdings" charset="2"/>
-                <a:buChar char="§"/>
-              </a:pPr>
-              <a:endParaRPr lang="en-US" sz="2800" dirty="0" smtClean="0">
-                <a:solidFill>
-                  <a:schemeClr val="tx1"/>
-                </a:solidFill>
-                <a:latin typeface="Calibri" charset="0"/>
-                <a:ea typeface="ＭＳ Ｐゴシック" charset="-128"/>
-                <a:cs typeface="ＭＳ Ｐゴシック" charset="-128"/>
-                <a:sym typeface="Wingdings" charset="2"/>
-              </a:endParaRPr>
-            </a:p>
-            <a:p>
-              <a:pPr marL="742950" indent="-742950">
-                <a:buFont typeface="Wingdings" charset="2"/>
-                <a:buChar char="§"/>
-              </a:pPr>
-              <a:endParaRPr lang="en-US" sz="2800" dirty="0" smtClean="0">
-                <a:solidFill>
-                  <a:schemeClr val="tx1"/>
-                </a:solidFill>
-                <a:latin typeface="Calibri" charset="0"/>
-                <a:ea typeface="ＭＳ Ｐゴシック" charset="-128"/>
-                <a:cs typeface="ＭＳ Ｐゴシック" charset="-128"/>
-                <a:sym typeface="Wingdings" charset="2"/>
-              </a:endParaRPr>
-            </a:p>
-            <a:p>
-              <a:pPr marL="742950" indent="-742950">
-                <a:buFont typeface="Wingdings" charset="2"/>
-                <a:buChar char="§"/>
-              </a:pPr>
-              <a:endParaRPr lang="en-US" sz="2800" dirty="0" smtClean="0">
-                <a:solidFill>
-                  <a:schemeClr val="tx1"/>
-                </a:solidFill>
-                <a:latin typeface="Calibri" charset="0"/>
-                <a:ea typeface="ＭＳ Ｐゴシック" charset="-128"/>
-                <a:cs typeface="ＭＳ Ｐゴシック" charset="-128"/>
-                <a:sym typeface="Wingdings" charset="2"/>
-              </a:endParaRPr>
-            </a:p>
-            <a:p>
-              <a:pPr marL="742950" indent="-742950">
-                <a:buFont typeface="Wingdings" charset="2"/>
-                <a:buChar char="§"/>
-              </a:pPr>
-              <a:endParaRPr lang="en-US" sz="2800" dirty="0" smtClean="0">
-                <a:solidFill>
-                  <a:schemeClr val="tx1"/>
-                </a:solidFill>
-                <a:latin typeface="Calibri" charset="0"/>
-                <a:ea typeface="ＭＳ Ｐゴシック" charset="-128"/>
-                <a:cs typeface="ＭＳ Ｐゴシック" charset="-128"/>
-                <a:sym typeface="Wingdings" charset="2"/>
-              </a:endParaRPr>
-            </a:p>
-            <a:p>
-              <a:pPr marL="742950" indent="-742950">
-                <a:buFont typeface="Wingdings" charset="2"/>
-                <a:buChar char="§"/>
-              </a:pPr>
-              <a:r>
-                <a:rPr lang="en-US" sz="2800" dirty="0" smtClean="0">
-                  <a:solidFill>
-                    <a:schemeClr val="tx1"/>
-                  </a:solidFill>
-                  <a:latin typeface="Calibri" charset="0"/>
-                  <a:ea typeface="ＭＳ Ｐゴシック" charset="-128"/>
-                  <a:cs typeface="ＭＳ Ｐゴシック" charset="-128"/>
-                  <a:sym typeface="Wingdings" charset="2"/>
-                </a:rPr>
-                <a:t>8-10X cost reduction due to optimization and delay tolerance</a:t>
-              </a:r>
-            </a:p>
-            <a:p>
-              <a:pPr marL="742950" indent="-742950">
-                <a:buFont typeface="Wingdings" charset="2"/>
-                <a:buChar char="§"/>
-              </a:pPr>
-              <a:endParaRPr lang="en-US" sz="2800" dirty="0" smtClean="0">
-                <a:solidFill>
-                  <a:schemeClr val="tx1"/>
-                </a:solidFill>
-                <a:latin typeface="Calibri" charset="0"/>
-                <a:ea typeface="ＭＳ Ｐゴシック" charset="-128"/>
-                <a:cs typeface="ＭＳ Ｐゴシック" charset="-128"/>
-                <a:sym typeface="Wingdings" charset="2"/>
-              </a:endParaRPr>
-            </a:p>
-            <a:p>
-              <a:pPr marL="742950" indent="-742950">
-                <a:buFont typeface="Wingdings" charset="2"/>
-                <a:buChar char="§"/>
-              </a:pPr>
-              <a:endParaRPr lang="en-US" sz="3200" dirty="0" smtClean="0">
-                <a:solidFill>
-                  <a:schemeClr val="tx1"/>
-                </a:solidFill>
-                <a:latin typeface="Calibri" charset="0"/>
-                <a:ea typeface="ＭＳ Ｐゴシック" charset="-128"/>
-                <a:cs typeface="ＭＳ Ｐゴシック" charset="-128"/>
-                <a:sym typeface="Wingdings" charset="2"/>
-              </a:endParaRPr>
-            </a:p>
-            <a:p>
-              <a:pPr marL="742950" indent="-742950">
-                <a:buFont typeface="Wingdings" charset="2"/>
-                <a:buChar char="§"/>
-              </a:pPr>
-              <a:endParaRPr lang="en-US" sz="3600" dirty="0">
-                <a:solidFill>
-                  <a:schemeClr val="tx1"/>
-                </a:solidFill>
-                <a:latin typeface="Calibri" charset="0"/>
-                <a:ea typeface="ＭＳ Ｐゴシック" charset="-128"/>
-                <a:cs typeface="ＭＳ Ｐゴシック" charset="-128"/>
-                <a:sym typeface="Wingdings" charset="2"/>
-              </a:endParaRPr>
-            </a:p>
-            <a:p>
-              <a:pPr marL="742950" indent="-742950">
-                <a:buFont typeface="Wingdings" charset="2"/>
-                <a:buChar char="§"/>
-              </a:pPr>
-              <a:endParaRPr lang="en-US" sz="3600" dirty="0">
-                <a:solidFill>
-                  <a:schemeClr val="tx1"/>
-                </a:solidFill>
-                <a:latin typeface="Calibri" charset="0"/>
-                <a:ea typeface="ＭＳ Ｐゴシック" charset="-128"/>
-                <a:cs typeface="ＭＳ Ｐゴシック" charset="-128"/>
-                <a:sym typeface="Wingdings" charset="2"/>
-              </a:endParaRPr>
-            </a:p>
-            <a:p>
-              <a:pPr marL="742950" indent="-742950">
-                <a:buFont typeface="Wingdings" charset="2"/>
-                <a:buChar char="§"/>
-              </a:pPr>
-              <a:endParaRPr lang="en-US" sz="3600" dirty="0">
-                <a:solidFill>
-                  <a:schemeClr val="tx1"/>
-                </a:solidFill>
-                <a:latin typeface="Calibri" charset="0"/>
-                <a:ea typeface="ＭＳ Ｐゴシック" charset="-128"/>
-                <a:cs typeface="ＭＳ Ｐゴシック" charset="-128"/>
-                <a:sym typeface="Wingdings" charset="2"/>
-              </a:endParaRPr>
-            </a:p>
-            <a:p>
-              <a:pPr marL="742950" indent="-742950">
-                <a:buFont typeface="Wingdings" charset="2"/>
-                <a:buChar char="§"/>
-              </a:pPr>
-              <a:endParaRPr lang="en-US" sz="3600" dirty="0">
-                <a:solidFill>
-                  <a:schemeClr val="tx1"/>
-                </a:solidFill>
-                <a:latin typeface="Calibri" charset="0"/>
-                <a:ea typeface="ＭＳ Ｐゴシック" charset="-128"/>
-                <a:cs typeface="ＭＳ Ｐゴシック" charset="-128"/>
-                <a:sym typeface="Wingdings" charset="2"/>
-              </a:endParaRPr>
-            </a:p>
-            <a:p>
-              <a:pPr marL="742950" indent="-742950">
-                <a:buFont typeface="Wingdings" charset="2"/>
-                <a:buChar char="§"/>
-              </a:pPr>
-              <a:endParaRPr lang="en-US" sz="3600" dirty="0">
-                <a:solidFill>
-                  <a:schemeClr val="tx1"/>
-                </a:solidFill>
-                <a:latin typeface="Calibri" charset="0"/>
-                <a:ea typeface="ＭＳ Ｐゴシック" charset="-128"/>
-                <a:cs typeface="ＭＳ Ｐゴシック" charset="-128"/>
-                <a:sym typeface="Wingdings" charset="2"/>
-              </a:endParaRPr>
-            </a:p>
-            <a:p>
-              <a:pPr marL="742950" indent="-742950">
-                <a:buFont typeface="Wingdings" charset="2"/>
-                <a:buChar char="§"/>
-              </a:pPr>
-              <a:endParaRPr lang="en-US" sz="3600" dirty="0">
+              <a:endParaRPr lang="en-US" sz="3600" b="0" dirty="0">
                 <a:solidFill>
                   <a:schemeClr val="tx1"/>
                 </a:solidFill>
@@ -3027,8 +2232,8 @@
           </p:nvSpPr>
           <p:spPr>
             <a:xfrm>
-              <a:off x="990600" y="3962400"/>
-              <a:ext cx="9601201" cy="394679"/>
+              <a:off x="990600" y="3787496"/>
+              <a:ext cx="9601201" cy="674146"/>
             </a:xfrm>
             <a:prstGeom prst="rect">
               <a:avLst/>
@@ -3067,7 +2272,7 @@
             <a:lstStyle/>
             <a:p>
               <a:r>
-                <a:rPr lang="en-US" sz="4000" dirty="0" smtClean="0">
+                <a:rPr lang="en-US" sz="4400" b="0" dirty="0" smtClean="0">
                   <a:solidFill>
                     <a:srgbClr val="FFFFFF"/>
                   </a:solidFill>
@@ -3075,9 +2280,9 @@
                   <a:ea typeface="ＭＳ Ｐゴシック" charset="-128"/>
                   <a:cs typeface="ＭＳ Ｐゴシック" charset="-128"/>
                 </a:rPr>
-                <a:t>Mobile Offloading: An Initial Example</a:t>
+                <a:t>Conclusion</a:t>
               </a:r>
-              <a:endParaRPr lang="en-US" sz="4400" dirty="0">
+              <a:endParaRPr lang="en-US" sz="4400" b="0" dirty="0">
                 <a:solidFill>
                   <a:srgbClr val="FFFFFF"/>
                 </a:solidFill>
@@ -3091,298 +2296,34 @@
       </p:grpSp>
       <p:grpSp>
         <p:nvGrpSpPr>
-          <p:cNvPr id="5161" name="Group 22"/>
+          <p:cNvPr id="5210" name="Group 14"/>
           <p:cNvGrpSpPr>
             <a:grpSpLocks/>
           </p:cNvGrpSpPr>
-          <p:nvPr/>
+          <p:nvPr>
+            <p:custDataLst>
+              <p:tags r:id="rId7"/>
+            </p:custDataLst>
+          </p:nvPr>
         </p:nvGrpSpPr>
         <p:grpSpPr bwMode="auto">
           <a:xfrm>
-            <a:off x="12241212" y="13716000"/>
+            <a:off x="12169665" y="19114373"/>
             <a:ext cx="12093439" cy="7696200"/>
-            <a:chOff x="685800" y="18623249"/>
-            <a:chExt cx="10744200" cy="8146693"/>
+            <a:chOff x="990600" y="4303101"/>
+            <a:chExt cx="9601201" cy="4571442"/>
           </a:xfrm>
         </p:grpSpPr>
-        <p:grpSp>
-          <p:nvGrpSpPr>
-            <p:cNvPr id="5210" name="Group 14"/>
-            <p:cNvGrpSpPr>
-              <a:grpSpLocks/>
-            </p:cNvGrpSpPr>
-            <p:nvPr>
-              <p:custDataLst>
-                <p:tags r:id="rId12"/>
-              </p:custDataLst>
-            </p:nvPr>
-          </p:nvGrpSpPr>
-          <p:grpSpPr bwMode="auto">
-            <a:xfrm>
-              <a:off x="685800" y="18623249"/>
-              <a:ext cx="10744200" cy="8146693"/>
-              <a:chOff x="990600" y="4303101"/>
-              <a:chExt cx="9601201" cy="4571442"/>
-            </a:xfrm>
-          </p:grpSpPr>
-          <p:sp>
-            <p:nvSpPr>
-              <p:cNvPr id="16" name="Rectangle 15"/>
-              <p:cNvSpPr/>
-              <p:nvPr/>
-            </p:nvSpPr>
-            <p:spPr>
-              <a:xfrm>
-                <a:off x="990600" y="4648721"/>
-                <a:ext cx="9601071" cy="4225822"/>
-              </a:xfrm>
-              <a:prstGeom prst="rect">
-                <a:avLst/>
-              </a:prstGeom>
-              <a:solidFill>
-                <a:schemeClr val="bg1"/>
-              </a:solidFill>
-              <a:ln>
-                <a:solidFill>
-                  <a:srgbClr val="A23027"/>
-                </a:solidFill>
-              </a:ln>
-            </p:spPr>
-            <p:style>
-              <a:lnRef idx="2">
-                <a:schemeClr val="accent1">
-                  <a:shade val="50000"/>
-                </a:schemeClr>
-              </a:lnRef>
-              <a:fillRef idx="1">
-                <a:schemeClr val="accent1"/>
-              </a:fillRef>
-              <a:effectRef idx="0">
-                <a:schemeClr val="accent1"/>
-              </a:effectRef>
-              <a:fontRef idx="minor">
-                <a:schemeClr val="lt1"/>
-              </a:fontRef>
-            </p:style>
-            <p:txBody>
-              <a:bodyPr anchor="ctr"/>
-              <a:lstStyle/>
-              <a:p>
-                <a:pPr marL="742950" indent="-742950">
-                  <a:buFont typeface="Wingdings" pitchFamily="2" charset="2"/>
-                  <a:buChar char="§"/>
-                  <a:defRPr/>
-                </a:pPr>
-                <a:endParaRPr lang="en-US" sz="2800" dirty="0">
-                  <a:solidFill>
-                    <a:schemeClr val="tx1"/>
-                  </a:solidFill>
-                  <a:latin typeface="Calibri" pitchFamily="34" charset="0"/>
-                </a:endParaRPr>
-              </a:p>
-            </p:txBody>
-          </p:sp>
-          <p:sp>
-            <p:nvSpPr>
-              <p:cNvPr id="17" name="Rectangle 16"/>
-              <p:cNvSpPr/>
-              <p:nvPr/>
-            </p:nvSpPr>
-            <p:spPr>
-              <a:xfrm>
-                <a:off x="990600" y="4303101"/>
-                <a:ext cx="9601071" cy="355418"/>
-              </a:xfrm>
-              <a:prstGeom prst="rect">
-                <a:avLst/>
-              </a:prstGeom>
-              <a:solidFill>
-                <a:srgbClr val="A23027"/>
-              </a:solidFill>
-              <a:ln>
-                <a:solidFill>
-                  <a:srgbClr val="A23027"/>
-                </a:solidFill>
-              </a:ln>
-            </p:spPr>
-            <p:style>
-              <a:lnRef idx="2">
-                <a:schemeClr val="accent1">
-                  <a:shade val="50000"/>
-                </a:schemeClr>
-              </a:lnRef>
-              <a:fillRef idx="1">
-                <a:schemeClr val="accent1"/>
-              </a:fillRef>
-              <a:effectRef idx="0">
-                <a:schemeClr val="accent1"/>
-              </a:effectRef>
-              <a:fontRef idx="minor">
-                <a:schemeClr val="lt1"/>
-              </a:fontRef>
-            </p:style>
-            <p:txBody>
-              <a:bodyPr anchor="ctr">
-                <a:prstTxWarp prst="textNoShape">
-                  <a:avLst/>
-                </a:prstTxWarp>
-              </a:bodyPr>
-              <a:lstStyle/>
-              <a:p>
-                <a:r>
-                  <a:rPr lang="en-US" sz="4000" dirty="0">
-                    <a:solidFill>
-                      <a:srgbClr val="FFFFFF"/>
-                    </a:solidFill>
-                    <a:latin typeface="Calibri" charset="0"/>
-                    <a:ea typeface="ＭＳ Ｐゴシック" charset="-128"/>
-                    <a:cs typeface="ＭＳ Ｐゴシック" charset="-128"/>
-                  </a:rPr>
-                  <a:t>Collaborative Coverage Without Location</a:t>
-                </a:r>
-                <a:endParaRPr lang="en-US" sz="4400" dirty="0">
-                  <a:solidFill>
-                    <a:srgbClr val="FFFFFF"/>
-                  </a:solidFill>
-                  <a:latin typeface="Calibri" charset="0"/>
-                  <a:ea typeface="ＭＳ Ｐゴシック" charset="-128"/>
-                  <a:cs typeface="ＭＳ Ｐゴシック" charset="-128"/>
-                </a:endParaRPr>
-              </a:p>
-            </p:txBody>
-          </p:sp>
-        </p:grpSp>
-        <p:pic>
-          <p:nvPicPr>
-            <p:cNvPr id="5211" name="Picture 174"/>
-            <p:cNvPicPr>
-              <a:picLocks noChangeAspect="1" noChangeArrowheads="1"/>
-            </p:cNvPicPr>
-            <p:nvPr/>
-          </p:nvPicPr>
-          <p:blipFill>
-            <a:blip r:embed="rId15"/>
-            <a:srcRect/>
-            <a:stretch>
-              <a:fillRect/>
-            </a:stretch>
-          </p:blipFill>
-          <p:spPr bwMode="auto">
-            <a:xfrm>
-              <a:off x="832150" y="19647070"/>
-              <a:ext cx="6108700" cy="6667500"/>
-            </a:xfrm>
-            <a:prstGeom prst="rect">
-              <a:avLst/>
-            </a:prstGeom>
-            <a:noFill/>
-            <a:ln w="9525">
-              <a:noFill/>
-              <a:round/>
-              <a:headEnd/>
-              <a:tailEnd/>
-            </a:ln>
-          </p:spPr>
-        </p:pic>
         <p:sp>
           <p:nvSpPr>
-            <p:cNvPr id="22" name="Rectangle 21"/>
+            <p:cNvPr id="16" name="Rectangle 15"/>
             <p:cNvSpPr/>
             <p:nvPr/>
           </p:nvSpPr>
           <p:spPr>
             <a:xfrm>
-              <a:off x="6827755" y="19483636"/>
-              <a:ext cx="4354700" cy="6939373"/>
-            </a:xfrm>
-            <a:prstGeom prst="rect">
-              <a:avLst/>
-            </a:prstGeom>
-          </p:spPr>
-          <p:txBody>
-            <a:bodyPr wrap="square">
-              <a:spAutoFit/>
-            </a:bodyPr>
-            <a:lstStyle/>
-            <a:p>
-              <a:pPr marL="496888" indent="-457200">
-                <a:buFont typeface="Arial"/>
-                <a:buChar char="•"/>
-                <a:defRPr/>
-              </a:pPr>
-              <a:r>
-                <a:rPr lang="en-US" sz="2800" dirty="0">
-                  <a:latin typeface="Calibri"/>
-                  <a:ea typeface="ＭＳ Ｐゴシック" charset="0"/>
-                  <a:cs typeface="Calibri"/>
-                  <a:sym typeface="Franklin Gothic Medium" charset="0"/>
-                </a:rPr>
-                <a:t>Sensing coverage for mobile nodes in many environments is hard to determine due to lack of known infrastructure or references for locations.</a:t>
-              </a:r>
-            </a:p>
-            <a:p>
-              <a:pPr marL="39688">
-                <a:defRPr/>
-              </a:pPr>
-              <a:r>
-                <a:rPr lang="en-US" sz="2800" dirty="0">
-                  <a:latin typeface="Calibri"/>
-                  <a:ea typeface="ＭＳ Ｐゴシック" charset="0"/>
-                  <a:cs typeface="Calibri"/>
-                  <a:sym typeface="Franklin Gothic Medium" charset="0"/>
-                </a:rPr>
-                <a:t> </a:t>
-              </a:r>
-            </a:p>
-            <a:p>
-              <a:pPr marL="496888" indent="-457200">
-                <a:buFont typeface="Arial"/>
-                <a:buChar char="•"/>
-                <a:defRPr/>
-              </a:pPr>
-              <a:r>
-                <a:rPr lang="en-US" sz="2800" dirty="0">
-                  <a:latin typeface="Calibri"/>
-                  <a:ea typeface="ＭＳ Ｐゴシック" charset="0"/>
-                  <a:cs typeface="Calibri"/>
-                  <a:sym typeface="Franklin Gothic Medium" charset="0"/>
-                </a:rPr>
-                <a:t>Sensing coverage estimation by obtaining relative motion path signatures. Dynamic task allocation allow nodes to more efficiently coordinate and predict the current sensing coverage of an area.</a:t>
-              </a:r>
-            </a:p>
-          </p:txBody>
-        </p:sp>
-      </p:grpSp>
-      <p:grpSp>
-        <p:nvGrpSpPr>
-          <p:cNvPr id="5162" name="Group 24"/>
-          <p:cNvGrpSpPr>
-            <a:grpSpLocks/>
-          </p:cNvGrpSpPr>
-          <p:nvPr>
-            <p:custDataLst>
-              <p:tags r:id="rId8"/>
-            </p:custDataLst>
-          </p:nvPr>
-        </p:nvGrpSpPr>
-        <p:grpSpPr bwMode="auto">
-          <a:xfrm>
-            <a:off x="685800" y="24765000"/>
-            <a:ext cx="11125200" cy="2057400"/>
-            <a:chOff x="990600" y="4251349"/>
-            <a:chExt cx="9601201" cy="1386957"/>
-          </a:xfrm>
-        </p:grpSpPr>
-        <p:sp>
-          <p:nvSpPr>
-            <p:cNvPr id="212" name="Rectangle 211"/>
-            <p:cNvSpPr/>
-            <p:nvPr/>
-          </p:nvSpPr>
-          <p:spPr>
-            <a:xfrm>
-              <a:off x="990600" y="4648654"/>
-              <a:ext cx="9601201" cy="989652"/>
+              <a:off x="990600" y="4648721"/>
+              <a:ext cx="9601071" cy="4225822"/>
             </a:xfrm>
             <a:prstGeom prst="rect">
               <a:avLst/>
@@ -3416,69 +2357,30 @@
             <a:bodyPr anchor="ctr"/>
             <a:lstStyle/>
             <a:p>
-              <a:pPr marL="742950" indent="-742950" algn="ctr">
+              <a:pPr marL="742950" indent="-742950">
+                <a:buFont typeface="Wingdings" pitchFamily="2" charset="2"/>
+                <a:buChar char="§"/>
                 <a:defRPr/>
               </a:pPr>
-              <a:r>
-                <a:rPr lang="en-US" sz="2800" dirty="0">
-                  <a:solidFill>
-                    <a:schemeClr val="tx1"/>
-                  </a:solidFill>
-                  <a:latin typeface="Calibri" pitchFamily="34" charset="0"/>
-                  <a:sym typeface="Wingdings" pitchFamily="2" charset="2"/>
-                </a:rPr>
-                <a:t>This work was supported by the National Science Foundation </a:t>
-              </a:r>
-              <a:r>
-                <a:rPr lang="en-US" sz="2800" dirty="0" smtClean="0">
-                  <a:solidFill>
-                    <a:schemeClr val="tx1"/>
-                  </a:solidFill>
-                  <a:latin typeface="Calibri" pitchFamily="34" charset="0"/>
-                  <a:sym typeface="Wingdings" pitchFamily="2" charset="2"/>
-                </a:rPr>
-                <a:t>under collaborative grants </a:t>
-              </a:r>
-              <a:r>
-                <a:rPr lang="en-US" sz="2800" dirty="0">
-                  <a:solidFill>
-                    <a:schemeClr val="tx1"/>
-                  </a:solidFill>
-                  <a:latin typeface="Calibri" pitchFamily="34" charset="0"/>
-                  <a:sym typeface="Wingdings" pitchFamily="2" charset="2"/>
-                </a:rPr>
-                <a:t>CPS-</a:t>
-              </a:r>
-              <a:r>
-                <a:rPr lang="en-US" sz="2800" dirty="0" smtClean="0">
-                  <a:solidFill>
-                    <a:schemeClr val="tx1"/>
-                  </a:solidFill>
-                  <a:latin typeface="Calibri" pitchFamily="34" charset="0"/>
-                  <a:sym typeface="Wingdings" pitchFamily="2" charset="2"/>
-                </a:rPr>
-                <a:t>1135874 and CPS-1135953. </a:t>
-              </a:r>
-              <a:endParaRPr lang="en-US" sz="2800" dirty="0">
+              <a:endParaRPr lang="en-US" sz="2800" b="0" dirty="0">
                 <a:solidFill>
                   <a:schemeClr val="tx1"/>
                 </a:solidFill>
                 <a:latin typeface="Calibri" pitchFamily="34" charset="0"/>
-                <a:sym typeface="Wingdings" pitchFamily="2" charset="2"/>
               </a:endParaRPr>
             </a:p>
           </p:txBody>
         </p:sp>
         <p:sp>
           <p:nvSpPr>
-            <p:cNvPr id="213" name="Rectangle 212"/>
+            <p:cNvPr id="17" name="Rectangle 16"/>
             <p:cNvSpPr/>
             <p:nvPr/>
           </p:nvSpPr>
           <p:spPr>
             <a:xfrm>
-              <a:off x="990600" y="4251349"/>
-              <a:ext cx="9601201" cy="397305"/>
+              <a:off x="990600" y="4303101"/>
+              <a:ext cx="9601071" cy="355418"/>
             </a:xfrm>
             <a:prstGeom prst="rect">
               <a:avLst/>
@@ -3509,26 +2411,31 @@
             </a:fontRef>
           </p:style>
           <p:txBody>
-            <a:bodyPr anchor="ctr"/>
+            <a:bodyPr anchor="ctr">
+              <a:prstTxWarp prst="textNoShape">
+                <a:avLst/>
+              </a:prstTxWarp>
+            </a:bodyPr>
             <a:lstStyle/>
             <a:p>
-              <a:pPr>
-                <a:defRPr/>
-              </a:pPr>
               <a:r>
-                <a:rPr lang="en-US" sz="3000" dirty="0" smtClean="0">
+                <a:rPr lang="en-US" sz="4400" b="0" dirty="0" smtClean="0">
                   <a:solidFill>
                     <a:srgbClr val="FFFFFF"/>
                   </a:solidFill>
-                  <a:latin typeface="Calibri" pitchFamily="34" charset="0"/>
+                  <a:latin typeface="Calibri" charset="0"/>
+                  <a:ea typeface="ＭＳ Ｐゴシック" charset="-128"/>
+                  <a:cs typeface="ＭＳ Ｐゴシック" charset="-128"/>
                 </a:rPr>
-                <a:t>Acknowledgments</a:t>
+                <a:t>Implementation</a:t>
               </a:r>
-              <a:endParaRPr lang="en-US" sz="3000" dirty="0">
+              <a:endParaRPr lang="en-US" sz="4400" b="0" dirty="0">
                 <a:solidFill>
                   <a:srgbClr val="FFFFFF"/>
                 </a:solidFill>
-                <a:latin typeface="Calibri" pitchFamily="34" charset="0"/>
+                <a:latin typeface="Calibri" charset="0"/>
+                <a:ea typeface="ＭＳ Ｐゴシック" charset="-128"/>
+                <a:cs typeface="ＭＳ Ｐゴシック" charset="-128"/>
               </a:endParaRPr>
             </a:p>
           </p:txBody>
@@ -3581,7 +2488,7 @@
           </a:bodyPr>
           <a:lstStyle/>
           <a:p>
-            <a:endParaRPr lang="en-US" sz="3600" dirty="0">
+            <a:endParaRPr lang="en-US" sz="3600" b="0" dirty="0">
               <a:solidFill>
                 <a:schemeClr val="tx1"/>
               </a:solidFill>
@@ -3595,7 +2502,7 @@
               <a:buFont typeface="Wingdings" charset="2"/>
               <a:buChar char="§"/>
             </a:pPr>
-            <a:endParaRPr lang="en-US" sz="3600" dirty="0">
+            <a:endParaRPr lang="en-US" sz="3600" b="0" dirty="0">
               <a:solidFill>
                 <a:schemeClr val="tx1"/>
               </a:solidFill>
@@ -3609,7 +2516,7 @@
               <a:buFont typeface="Arial" charset="0"/>
               <a:buChar char="•"/>
             </a:pPr>
-            <a:endParaRPr lang="en-US" sz="2800" dirty="0">
+            <a:endParaRPr lang="en-US" sz="2800" b="0" dirty="0">
               <a:solidFill>
                 <a:schemeClr val="tx1"/>
               </a:solidFill>
@@ -3668,7 +2575,7 @@
           <a:lstStyle/>
           <a:p>
             <a:r>
-              <a:rPr lang="en-US" sz="4000" dirty="0" smtClean="0">
+              <a:rPr lang="en-US" sz="4400" b="0" dirty="0" smtClean="0">
                 <a:solidFill>
                   <a:srgbClr val="FFFFFF"/>
                 </a:solidFill>
@@ -3676,1249 +2583,15 @@
                 <a:ea typeface="ＭＳ Ｐゴシック" charset="-128"/>
                 <a:cs typeface="ＭＳ Ｐゴシック" charset="-128"/>
               </a:rPr>
-              <a:t>Testbed</a:t>
-            </a:r>
-            <a:r>
-              <a:rPr lang="en-US" sz="4000" dirty="0">
-                <a:solidFill>
-                  <a:srgbClr val="FFFFFF"/>
-                </a:solidFill>
-                <a:latin typeface="Calibri" charset="0"/>
-                <a:ea typeface="ＭＳ Ｐゴシック" charset="-128"/>
-                <a:cs typeface="ＭＳ Ｐゴシック" charset="-128"/>
-              </a:rPr>
-              <a:t>: Minimalistic Controlled Mobile Sensor</a:t>
-            </a:r>
-            <a:endParaRPr lang="en-US" sz="4400" dirty="0">
+              <a:t>Approach</a:t>
+            </a:r>
+            <a:endParaRPr lang="en-US" sz="4400" b="0" dirty="0">
               <a:solidFill>
                 <a:srgbClr val="FFFFFF"/>
               </a:solidFill>
               <a:latin typeface="Calibri" charset="0"/>
               <a:ea typeface="ＭＳ Ｐゴシック" charset="-128"/>
               <a:cs typeface="ＭＳ Ｐゴシック" charset="-128"/>
-            </a:endParaRPr>
-          </a:p>
-        </p:txBody>
-      </p:sp>
-      <p:grpSp>
-        <p:nvGrpSpPr>
-          <p:cNvPr id="5166" name="Group 45"/>
-          <p:cNvGrpSpPr>
-            <a:grpSpLocks/>
-          </p:cNvGrpSpPr>
-          <p:nvPr/>
-        </p:nvGrpSpPr>
-        <p:grpSpPr bwMode="auto">
-          <a:xfrm flipH="1">
-            <a:off x="15479884" y="1066190"/>
-            <a:ext cx="9970916" cy="9917590"/>
-            <a:chOff x="-77" y="221"/>
-            <a:chExt cx="11120" cy="10256"/>
-          </a:xfrm>
-        </p:grpSpPr>
-        <p:sp>
-          <p:nvSpPr>
-            <p:cNvPr id="5175" name="Oval 13"/>
-            <p:cNvSpPr>
-              <a:spLocks/>
-            </p:cNvSpPr>
-            <p:nvPr/>
-          </p:nvSpPr>
-          <p:spPr bwMode="auto">
-            <a:xfrm>
-              <a:off x="2165" y="7703"/>
-              <a:ext cx="1673" cy="1673"/>
-            </a:xfrm>
-            <a:prstGeom prst="ellipse">
-              <a:avLst/>
-            </a:prstGeom>
-            <a:solidFill>
-              <a:srgbClr val="80FF00">
-                <a:alpha val="7843"/>
-              </a:srgbClr>
-            </a:solidFill>
-            <a:ln w="38100">
-              <a:solidFill>
-                <a:srgbClr val="558E28"/>
-              </a:solidFill>
-              <a:miter lim="800000"/>
-              <a:headEnd/>
-              <a:tailEnd/>
-            </a:ln>
-          </p:spPr>
-          <p:txBody>
-            <a:bodyPr lIns="0" tIns="0" rIns="0" bIns="0">
-              <a:prstTxWarp prst="textNoShape">
-                <a:avLst/>
-              </a:prstTxWarp>
-            </a:bodyPr>
-            <a:lstStyle/>
-            <a:p>
-              <a:endParaRPr lang="en-US" dirty="0"/>
-            </a:p>
-          </p:txBody>
-        </p:sp>
-        <p:pic>
-          <p:nvPicPr>
-            <p:cNvPr id="5176" name="Picture 14"/>
-            <p:cNvPicPr>
-              <a:picLocks noChangeArrowheads="1"/>
-            </p:cNvPicPr>
-            <p:nvPr/>
-          </p:nvPicPr>
-          <p:blipFill>
-            <a:blip r:embed="rId16"/>
-            <a:srcRect/>
-            <a:stretch>
-              <a:fillRect/>
-            </a:stretch>
-          </p:blipFill>
-          <p:spPr bwMode="auto">
-            <a:xfrm>
-              <a:off x="5289" y="5078"/>
-              <a:ext cx="528" cy="360"/>
-            </a:xfrm>
-            <a:prstGeom prst="rect">
-              <a:avLst/>
-            </a:prstGeom>
-            <a:noFill/>
-            <a:ln w="9525">
-              <a:noFill/>
-              <a:round/>
-              <a:headEnd/>
-              <a:tailEnd/>
-            </a:ln>
-          </p:spPr>
-        </p:pic>
-        <p:sp>
-          <p:nvSpPr>
-            <p:cNvPr id="5177" name="Line 15"/>
-            <p:cNvSpPr>
-              <a:spLocks noChangeShapeType="1"/>
-            </p:cNvSpPr>
-            <p:nvPr/>
-          </p:nvSpPr>
-          <p:spPr bwMode="auto">
-            <a:xfrm rot="10800000">
-              <a:off x="5424" y="5078"/>
-              <a:ext cx="250" cy="250"/>
-            </a:xfrm>
-            <a:prstGeom prst="line">
-              <a:avLst/>
-            </a:prstGeom>
-            <a:noFill/>
-            <a:ln w="38100">
-              <a:solidFill>
-                <a:srgbClr val="FD9A00"/>
-              </a:solidFill>
-              <a:prstDash val="sysDot"/>
-              <a:miter lim="800000"/>
-              <a:headEnd type="triangle" w="med" len="med"/>
-              <a:tailEnd/>
-            </a:ln>
-          </p:spPr>
-          <p:txBody>
-            <a:bodyPr lIns="0" tIns="0" rIns="0" bIns="0">
-              <a:prstTxWarp prst="textNoShape">
-                <a:avLst/>
-              </a:prstTxWarp>
-            </a:bodyPr>
-            <a:lstStyle/>
-            <a:p>
-              <a:endParaRPr lang="en-US" dirty="0"/>
-            </a:p>
-          </p:txBody>
-        </p:sp>
-        <p:grpSp>
-          <p:nvGrpSpPr>
-            <p:cNvPr id="5178" name="Group 44"/>
-            <p:cNvGrpSpPr>
-              <a:grpSpLocks/>
-            </p:cNvGrpSpPr>
-            <p:nvPr/>
-          </p:nvGrpSpPr>
-          <p:grpSpPr bwMode="auto">
-            <a:xfrm>
-              <a:off x="-77" y="221"/>
-              <a:ext cx="11120" cy="10256"/>
-              <a:chOff x="-77" y="221"/>
-              <a:chExt cx="11120" cy="10256"/>
-            </a:xfrm>
-          </p:grpSpPr>
-          <p:pic>
-            <p:nvPicPr>
-              <p:cNvPr id="5179" name="Picture 16"/>
-              <p:cNvPicPr>
-                <a:picLocks noChangeArrowheads="1"/>
-              </p:cNvPicPr>
-              <p:nvPr/>
-            </p:nvPicPr>
-            <p:blipFill>
-              <a:blip r:embed="rId17"/>
-              <a:srcRect/>
-              <a:stretch>
-                <a:fillRect/>
-              </a:stretch>
-            </p:blipFill>
-            <p:spPr bwMode="auto">
-              <a:xfrm>
-                <a:off x="-77" y="221"/>
-                <a:ext cx="11120" cy="10256"/>
-              </a:xfrm>
-              <a:prstGeom prst="rect">
-                <a:avLst/>
-              </a:prstGeom>
-              <a:noFill/>
-              <a:ln w="9525">
-                <a:noFill/>
-                <a:round/>
-                <a:headEnd/>
-                <a:tailEnd/>
-              </a:ln>
-            </p:spPr>
-          </p:pic>
-          <p:grpSp>
-            <p:nvGrpSpPr>
-              <p:cNvPr id="5180" name="Group 21"/>
-              <p:cNvGrpSpPr>
-                <a:grpSpLocks/>
-              </p:cNvGrpSpPr>
-              <p:nvPr/>
-            </p:nvGrpSpPr>
-            <p:grpSpPr bwMode="auto">
-              <a:xfrm>
-                <a:off x="5542" y="4508"/>
-                <a:ext cx="5117" cy="2000"/>
-                <a:chOff x="32" y="1035"/>
-                <a:chExt cx="5116" cy="2000"/>
-              </a:xfrm>
-            </p:grpSpPr>
-            <p:sp>
-              <p:nvSpPr>
-                <p:cNvPr id="5202" name="AutoShape 17"/>
-                <p:cNvSpPr>
-                  <a:spLocks/>
-                </p:cNvSpPr>
-                <p:nvPr/>
-              </p:nvSpPr>
-              <p:spPr bwMode="auto">
-                <a:xfrm rot="-5400000">
-                  <a:off x="1533" y="-390"/>
-                  <a:ext cx="1924" cy="4926"/>
-                </a:xfrm>
-                <a:custGeom>
-                  <a:avLst/>
-                  <a:gdLst>
-                    <a:gd name="T0" fmla="*/ 0 w 21600"/>
-                    <a:gd name="T1" fmla="*/ 1123 h 21600"/>
-                    <a:gd name="T2" fmla="*/ 171 w 21600"/>
-                    <a:gd name="T3" fmla="*/ 1123 h 21600"/>
-                    <a:gd name="T4" fmla="*/ 86 w 21600"/>
-                    <a:gd name="T5" fmla="*/ 0 h 21600"/>
-                    <a:gd name="T6" fmla="*/ 0 w 21600"/>
-                    <a:gd name="T7" fmla="*/ 1123 h 21600"/>
-                    <a:gd name="T8" fmla="*/ 0 w 21600"/>
-                    <a:gd name="T9" fmla="*/ 1123 h 21600"/>
-                    <a:gd name="T10" fmla="*/ 0 60000 65536"/>
-                    <a:gd name="T11" fmla="*/ 0 60000 65536"/>
-                    <a:gd name="T12" fmla="*/ 0 60000 65536"/>
-                    <a:gd name="T13" fmla="*/ 0 60000 65536"/>
-                    <a:gd name="T14" fmla="*/ 0 60000 65536"/>
-                  </a:gdLst>
-                  <a:ahLst/>
-                  <a:cxnLst>
-                    <a:cxn ang="T10">
-                      <a:pos x="T0" y="T1"/>
-                    </a:cxn>
-                    <a:cxn ang="T11">
-                      <a:pos x="T2" y="T3"/>
-                    </a:cxn>
-                    <a:cxn ang="T12">
-                      <a:pos x="T4" y="T5"/>
-                    </a:cxn>
-                    <a:cxn ang="T13">
-                      <a:pos x="T6" y="T7"/>
-                    </a:cxn>
-                    <a:cxn ang="T14">
-                      <a:pos x="T8" y="T9"/>
-                    </a:cxn>
-                  </a:cxnLst>
-                  <a:rect l="0" t="0" r="r" b="b"/>
-                  <a:pathLst>
-                    <a:path w="21600" h="21600">
-                      <a:moveTo>
-                        <a:pt x="0" y="21600"/>
-                      </a:moveTo>
-                      <a:lnTo>
-                        <a:pt x="21600" y="21600"/>
-                      </a:lnTo>
-                      <a:lnTo>
-                        <a:pt x="10800" y="0"/>
-                      </a:lnTo>
-                      <a:lnTo>
-                        <a:pt x="0" y="21600"/>
-                      </a:lnTo>
-                      <a:close/>
-                      <a:moveTo>
-                        <a:pt x="0" y="21600"/>
-                      </a:moveTo>
-                    </a:path>
-                  </a:pathLst>
-                </a:custGeom>
-                <a:solidFill>
-                  <a:srgbClr val="FFFFFF">
-                    <a:alpha val="70195"/>
-                  </a:srgbClr>
-                </a:solidFill>
-                <a:ln w="25400" cap="flat">
-                  <a:solidFill>
-                    <a:srgbClr val="FFFFFF">
-                      <a:alpha val="70195"/>
-                    </a:srgbClr>
-                  </a:solidFill>
-                  <a:prstDash val="solid"/>
-                  <a:miter lim="800000"/>
-                  <a:headEnd type="none" w="med" len="med"/>
-                  <a:tailEnd type="none" w="med" len="med"/>
-                </a:ln>
-              </p:spPr>
-              <p:txBody>
-                <a:bodyPr lIns="0" tIns="0" rIns="0" bIns="0">
-                  <a:prstTxWarp prst="textNoShape">
-                    <a:avLst/>
-                  </a:prstTxWarp>
-                </a:bodyPr>
-                <a:lstStyle/>
-                <a:p>
-                  <a:endParaRPr lang="en-US" dirty="0"/>
-                </a:p>
-              </p:txBody>
-            </p:sp>
-            <p:grpSp>
-              <p:nvGrpSpPr>
-                <p:cNvPr id="5203" name="Group 20"/>
-                <p:cNvGrpSpPr>
-                  <a:grpSpLocks/>
-                </p:cNvGrpSpPr>
-                <p:nvPr/>
-              </p:nvGrpSpPr>
-              <p:grpSpPr bwMode="auto">
-                <a:xfrm>
-                  <a:off x="2264" y="1035"/>
-                  <a:ext cx="2884" cy="1951"/>
-                  <a:chOff x="-514" y="564"/>
-                  <a:chExt cx="2884" cy="1951"/>
-                </a:xfrm>
-              </p:grpSpPr>
-              <p:pic>
-                <p:nvPicPr>
-                  <p:cNvPr id="5204" name="Picture 18"/>
-                  <p:cNvPicPr>
-                    <a:picLocks noChangeAspect="1" noChangeArrowheads="1"/>
-                  </p:cNvPicPr>
-                  <p:nvPr/>
-                </p:nvPicPr>
-                <p:blipFill>
-                  <a:blip r:embed="rId18"/>
-                  <a:srcRect l="39874" t="2861" r="19202" b="55649"/>
-                  <a:stretch>
-                    <a:fillRect/>
-                  </a:stretch>
-                </p:blipFill>
-                <p:spPr bwMode="auto">
-                  <a:xfrm>
-                    <a:off x="-514" y="564"/>
-                    <a:ext cx="2884" cy="1951"/>
-                  </a:xfrm>
-                  <a:prstGeom prst="rect">
-                    <a:avLst/>
-                  </a:prstGeom>
-                  <a:noFill/>
-                  <a:ln w="38100">
-                    <a:solidFill>
-                      <a:srgbClr val="FFFFFF"/>
-                    </a:solidFill>
-                    <a:miter lim="800000"/>
-                    <a:headEnd/>
-                    <a:tailEnd/>
-                  </a:ln>
-                </p:spPr>
-              </p:pic>
-              <p:pic>
-                <p:nvPicPr>
-                  <p:cNvPr id="5205" name="Picture 19"/>
-                  <p:cNvPicPr>
-                    <a:picLocks noChangeAspect="1" noChangeArrowheads="1"/>
-                  </p:cNvPicPr>
-                  <p:nvPr/>
-                </p:nvPicPr>
-                <p:blipFill>
-                  <a:blip r:embed="rId19"/>
-                  <a:srcRect l="9947" t="63463" r="72707" b="19115"/>
-                  <a:stretch>
-                    <a:fillRect/>
-                  </a:stretch>
-                </p:blipFill>
-                <p:spPr bwMode="auto">
-                  <a:xfrm rot="-678595">
-                    <a:off x="1185" y="1565"/>
-                    <a:ext cx="358" cy="231"/>
-                  </a:xfrm>
-                  <a:prstGeom prst="rect">
-                    <a:avLst/>
-                  </a:prstGeom>
-                  <a:noFill/>
-                  <a:ln w="25400">
-                    <a:solidFill>
-                      <a:srgbClr val="80FF00"/>
-                    </a:solidFill>
-                    <a:miter lim="800000"/>
-                    <a:headEnd/>
-                    <a:tailEnd/>
-                  </a:ln>
-                </p:spPr>
-              </p:pic>
-            </p:grpSp>
-          </p:grpSp>
-          <p:grpSp>
-            <p:nvGrpSpPr>
-              <p:cNvPr id="5181" name="Group 43"/>
-              <p:cNvGrpSpPr>
-                <a:grpSpLocks/>
-              </p:cNvGrpSpPr>
-              <p:nvPr/>
-            </p:nvGrpSpPr>
-            <p:grpSpPr bwMode="auto">
-              <a:xfrm>
-                <a:off x="2271" y="5117"/>
-                <a:ext cx="6720" cy="4259"/>
-                <a:chOff x="0" y="0"/>
-                <a:chExt cx="6720" cy="4259"/>
-              </a:xfrm>
-            </p:grpSpPr>
-            <p:grpSp>
-              <p:nvGrpSpPr>
-                <p:cNvPr id="5182" name="Group 27"/>
-                <p:cNvGrpSpPr>
-                  <a:grpSpLocks/>
-                </p:cNvGrpSpPr>
-                <p:nvPr/>
-              </p:nvGrpSpPr>
-              <p:grpSpPr bwMode="auto">
-                <a:xfrm>
-                  <a:off x="0" y="701"/>
-                  <a:ext cx="6720" cy="3558"/>
-                  <a:chOff x="0" y="0"/>
-                  <a:chExt cx="6720" cy="3557"/>
-                </a:xfrm>
-              </p:grpSpPr>
-              <p:sp>
-                <p:nvSpPr>
-                  <p:cNvPr id="5198" name="Oval 23"/>
-                  <p:cNvSpPr>
-                    <a:spLocks/>
-                  </p:cNvSpPr>
-                  <p:nvPr/>
-                </p:nvSpPr>
-                <p:spPr bwMode="auto">
-                  <a:xfrm>
-                    <a:off x="4585" y="0"/>
-                    <a:ext cx="279" cy="278"/>
-                  </a:xfrm>
-                  <a:prstGeom prst="ellipse">
-                    <a:avLst/>
-                  </a:prstGeom>
-                  <a:noFill/>
-                  <a:ln w="38100">
-                    <a:solidFill>
-                      <a:srgbClr val="FF0000"/>
-                    </a:solidFill>
-                    <a:miter lim="800000"/>
-                    <a:headEnd/>
-                    <a:tailEnd/>
-                  </a:ln>
-                </p:spPr>
-                <p:txBody>
-                  <a:bodyPr lIns="0" tIns="0" rIns="0" bIns="0">
-                    <a:prstTxWarp prst="textNoShape">
-                      <a:avLst/>
-                    </a:prstTxWarp>
-                  </a:bodyPr>
-                  <a:lstStyle/>
-                  <a:p>
-                    <a:endParaRPr lang="en-US" dirty="0"/>
-                  </a:p>
-                </p:txBody>
-              </p:sp>
-              <p:sp>
-                <p:nvSpPr>
-                  <p:cNvPr id="5199" name="Oval 24"/>
-                  <p:cNvSpPr>
-                    <a:spLocks/>
-                  </p:cNvSpPr>
-                  <p:nvPr/>
-                </p:nvSpPr>
-                <p:spPr bwMode="auto">
-                  <a:xfrm>
-                    <a:off x="6268" y="3105"/>
-                    <a:ext cx="452" cy="452"/>
-                  </a:xfrm>
-                  <a:prstGeom prst="ellipse">
-                    <a:avLst/>
-                  </a:prstGeom>
-                  <a:noFill/>
-                  <a:ln w="38100">
-                    <a:solidFill>
-                      <a:srgbClr val="FF0000"/>
-                    </a:solidFill>
-                    <a:miter lim="800000"/>
-                    <a:headEnd/>
-                    <a:tailEnd/>
-                  </a:ln>
-                </p:spPr>
-                <p:txBody>
-                  <a:bodyPr lIns="0" tIns="0" rIns="0" bIns="0">
-                    <a:prstTxWarp prst="textNoShape">
-                      <a:avLst/>
-                    </a:prstTxWarp>
-                  </a:bodyPr>
-                  <a:lstStyle/>
-                  <a:p>
-                    <a:endParaRPr lang="en-US" dirty="0"/>
-                  </a:p>
-                </p:txBody>
-              </p:sp>
-              <p:sp>
-                <p:nvSpPr>
-                  <p:cNvPr id="5200" name="Oval 25"/>
-                  <p:cNvSpPr>
-                    <a:spLocks/>
-                  </p:cNvSpPr>
-                  <p:nvPr/>
-                </p:nvSpPr>
-                <p:spPr bwMode="auto">
-                  <a:xfrm>
-                    <a:off x="2403" y="365"/>
-                    <a:ext cx="240" cy="240"/>
-                  </a:xfrm>
-                  <a:prstGeom prst="ellipse">
-                    <a:avLst/>
-                  </a:prstGeom>
-                  <a:noFill/>
-                  <a:ln w="38100">
-                    <a:solidFill>
-                      <a:srgbClr val="FF0000"/>
-                    </a:solidFill>
-                    <a:miter lim="800000"/>
-                    <a:headEnd/>
-                    <a:tailEnd/>
-                  </a:ln>
-                </p:spPr>
-                <p:txBody>
-                  <a:bodyPr lIns="0" tIns="0" rIns="0" bIns="0">
-                    <a:prstTxWarp prst="textNoShape">
-                      <a:avLst/>
-                    </a:prstTxWarp>
-                  </a:bodyPr>
-                  <a:lstStyle/>
-                  <a:p>
-                    <a:endParaRPr lang="en-US" dirty="0"/>
-                  </a:p>
-                </p:txBody>
-              </p:sp>
-              <p:sp>
-                <p:nvSpPr>
-                  <p:cNvPr id="5201" name="Oval 26"/>
-                  <p:cNvSpPr>
-                    <a:spLocks/>
-                  </p:cNvSpPr>
-                  <p:nvPr/>
-                </p:nvSpPr>
-                <p:spPr bwMode="auto">
-                  <a:xfrm>
-                    <a:off x="0" y="740"/>
-                    <a:ext cx="240" cy="240"/>
-                  </a:xfrm>
-                  <a:prstGeom prst="ellipse">
-                    <a:avLst/>
-                  </a:prstGeom>
-                  <a:noFill/>
-                  <a:ln w="38100">
-                    <a:solidFill>
-                      <a:srgbClr val="FF0000"/>
-                    </a:solidFill>
-                    <a:miter lim="800000"/>
-                    <a:headEnd/>
-                    <a:tailEnd/>
-                  </a:ln>
-                </p:spPr>
-                <p:txBody>
-                  <a:bodyPr lIns="0" tIns="0" rIns="0" bIns="0">
-                    <a:prstTxWarp prst="textNoShape">
-                      <a:avLst/>
-                    </a:prstTxWarp>
-                  </a:bodyPr>
-                  <a:lstStyle/>
-                  <a:p>
-                    <a:endParaRPr lang="en-US" dirty="0"/>
-                  </a:p>
-                </p:txBody>
-              </p:sp>
-            </p:grpSp>
-            <p:grpSp>
-              <p:nvGrpSpPr>
-                <p:cNvPr id="5183" name="Group 32"/>
-                <p:cNvGrpSpPr>
-                  <a:grpSpLocks/>
-                </p:cNvGrpSpPr>
-                <p:nvPr/>
-              </p:nvGrpSpPr>
-              <p:grpSpPr bwMode="auto">
-                <a:xfrm>
-                  <a:off x="221" y="903"/>
-                  <a:ext cx="6220" cy="3115"/>
-                  <a:chOff x="0" y="0"/>
-                  <a:chExt cx="6220" cy="3114"/>
-                </a:xfrm>
-              </p:grpSpPr>
-              <p:sp>
-                <p:nvSpPr>
-                  <p:cNvPr id="5194" name="Line 28"/>
-                  <p:cNvSpPr>
-                    <a:spLocks noChangeShapeType="1"/>
-                  </p:cNvSpPr>
-                  <p:nvPr/>
-                </p:nvSpPr>
-                <p:spPr bwMode="auto">
-                  <a:xfrm flipH="1">
-                    <a:off x="19" y="269"/>
-                    <a:ext cx="2153" cy="384"/>
-                  </a:xfrm>
-                  <a:prstGeom prst="line">
-                    <a:avLst/>
-                  </a:prstGeom>
-                  <a:noFill/>
-                  <a:ln w="50800" cap="rnd">
-                    <a:solidFill>
-                      <a:srgbClr val="FFFFFF">
-                        <a:alpha val="76077"/>
-                      </a:srgbClr>
-                    </a:solidFill>
-                    <a:prstDash val="sysDot"/>
-                    <a:miter lim="800000"/>
-                    <a:headEnd/>
-                    <a:tailEnd/>
-                  </a:ln>
-                </p:spPr>
-                <p:txBody>
-                  <a:bodyPr lIns="0" tIns="0" rIns="0" bIns="0">
-                    <a:prstTxWarp prst="textNoShape">
-                      <a:avLst/>
-                    </a:prstTxWarp>
-                  </a:bodyPr>
-                  <a:lstStyle/>
-                  <a:p>
-                    <a:endParaRPr lang="en-US" dirty="0"/>
-                  </a:p>
-                </p:txBody>
-              </p:sp>
-              <p:sp>
-                <p:nvSpPr>
-                  <p:cNvPr id="5195" name="Line 29"/>
-                  <p:cNvSpPr>
-                    <a:spLocks noChangeShapeType="1"/>
-                  </p:cNvSpPr>
-                  <p:nvPr/>
-                </p:nvSpPr>
-                <p:spPr bwMode="auto">
-                  <a:xfrm flipH="1">
-                    <a:off x="2403" y="0"/>
-                    <a:ext cx="1904" cy="269"/>
-                  </a:xfrm>
-                  <a:prstGeom prst="line">
-                    <a:avLst/>
-                  </a:prstGeom>
-                  <a:noFill/>
-                  <a:ln w="50800" cap="rnd">
-                    <a:solidFill>
-                      <a:srgbClr val="FFFFFF">
-                        <a:alpha val="76077"/>
-                      </a:srgbClr>
-                    </a:solidFill>
-                    <a:prstDash val="sysDot"/>
-                    <a:miter lim="800000"/>
-                    <a:headEnd/>
-                    <a:tailEnd/>
-                  </a:ln>
-                </p:spPr>
-                <p:txBody>
-                  <a:bodyPr lIns="0" tIns="0" rIns="0" bIns="0">
-                    <a:prstTxWarp prst="textNoShape">
-                      <a:avLst/>
-                    </a:prstTxWarp>
-                  </a:bodyPr>
-                  <a:lstStyle/>
-                  <a:p>
-                    <a:endParaRPr lang="en-US" dirty="0"/>
-                  </a:p>
-                </p:txBody>
-              </p:sp>
-              <p:sp>
-                <p:nvSpPr>
-                  <p:cNvPr id="5196" name="Line 30"/>
-                  <p:cNvSpPr>
-                    <a:spLocks noChangeShapeType="1"/>
-                  </p:cNvSpPr>
-                  <p:nvPr/>
-                </p:nvSpPr>
-                <p:spPr bwMode="auto">
-                  <a:xfrm>
-                    <a:off x="4585" y="67"/>
-                    <a:ext cx="1635" cy="2865"/>
-                  </a:xfrm>
-                  <a:prstGeom prst="line">
-                    <a:avLst/>
-                  </a:prstGeom>
-                  <a:noFill/>
-                  <a:ln w="50800" cap="rnd">
-                    <a:solidFill>
-                      <a:srgbClr val="FFFFFF">
-                        <a:alpha val="76077"/>
-                      </a:srgbClr>
-                    </a:solidFill>
-                    <a:prstDash val="sysDot"/>
-                    <a:miter lim="800000"/>
-                    <a:headEnd/>
-                    <a:tailEnd/>
-                  </a:ln>
-                </p:spPr>
-                <p:txBody>
-                  <a:bodyPr lIns="0" tIns="0" rIns="0" bIns="0">
-                    <a:prstTxWarp prst="textNoShape">
-                      <a:avLst/>
-                    </a:prstTxWarp>
-                  </a:bodyPr>
-                  <a:lstStyle/>
-                  <a:p>
-                    <a:endParaRPr lang="en-US" dirty="0"/>
-                  </a:p>
-                </p:txBody>
-              </p:sp>
-              <p:sp>
-                <p:nvSpPr>
-                  <p:cNvPr id="5197" name="Line 31"/>
-                  <p:cNvSpPr>
-                    <a:spLocks noChangeShapeType="1"/>
-                  </p:cNvSpPr>
-                  <p:nvPr/>
-                </p:nvSpPr>
-                <p:spPr bwMode="auto">
-                  <a:xfrm rot="10800000">
-                    <a:off x="0" y="749"/>
-                    <a:ext cx="6066" cy="2365"/>
-                  </a:xfrm>
-                  <a:prstGeom prst="line">
-                    <a:avLst/>
-                  </a:prstGeom>
-                  <a:noFill/>
-                  <a:ln w="50800" cap="rnd">
-                    <a:solidFill>
-                      <a:srgbClr val="FFFFFF">
-                        <a:alpha val="76077"/>
-                      </a:srgbClr>
-                    </a:solidFill>
-                    <a:prstDash val="sysDot"/>
-                    <a:miter lim="800000"/>
-                    <a:headEnd/>
-                    <a:tailEnd/>
-                  </a:ln>
-                </p:spPr>
-                <p:txBody>
-                  <a:bodyPr lIns="0" tIns="0" rIns="0" bIns="0">
-                    <a:prstTxWarp prst="textNoShape">
-                      <a:avLst/>
-                    </a:prstTxWarp>
-                  </a:bodyPr>
-                  <a:lstStyle/>
-                  <a:p>
-                    <a:endParaRPr lang="en-US" dirty="0"/>
-                  </a:p>
-                </p:txBody>
-              </p:sp>
-            </p:grpSp>
-            <p:grpSp>
-              <p:nvGrpSpPr>
-                <p:cNvPr id="5184" name="Group 42"/>
-                <p:cNvGrpSpPr>
-                  <a:grpSpLocks/>
-                </p:cNvGrpSpPr>
-                <p:nvPr/>
-              </p:nvGrpSpPr>
-              <p:grpSpPr bwMode="auto">
-                <a:xfrm>
-                  <a:off x="230" y="0"/>
-                  <a:ext cx="4240" cy="4190"/>
-                  <a:chOff x="48" y="0"/>
-                  <a:chExt cx="4240" cy="4190"/>
-                </a:xfrm>
-              </p:grpSpPr>
-              <p:sp>
-                <p:nvSpPr>
-                  <p:cNvPr id="5185" name="Line 33"/>
-                  <p:cNvSpPr>
-                    <a:spLocks noChangeShapeType="1"/>
-                  </p:cNvSpPr>
-                  <p:nvPr/>
-                </p:nvSpPr>
-                <p:spPr bwMode="auto">
-                  <a:xfrm flipH="1">
-                    <a:off x="2278" y="1278"/>
-                    <a:ext cx="29" cy="173"/>
-                  </a:xfrm>
-                  <a:prstGeom prst="line">
-                    <a:avLst/>
-                  </a:prstGeom>
-                  <a:noFill/>
-                  <a:ln w="38100">
-                    <a:solidFill>
-                      <a:srgbClr val="FCBD00"/>
-                    </a:solidFill>
-                    <a:prstDash val="sysDot"/>
-                    <a:miter lim="800000"/>
-                    <a:headEnd type="triangle" w="med" len="med"/>
-                    <a:tailEnd/>
-                  </a:ln>
-                </p:spPr>
-                <p:txBody>
-                  <a:bodyPr lIns="0" tIns="0" rIns="0" bIns="0">
-                    <a:prstTxWarp prst="textNoShape">
-                      <a:avLst/>
-                    </a:prstTxWarp>
-                  </a:bodyPr>
-                  <a:lstStyle/>
-                  <a:p>
-                    <a:endParaRPr lang="en-US" dirty="0"/>
-                  </a:p>
-                </p:txBody>
-              </p:sp>
-              <p:grpSp>
-                <p:nvGrpSpPr>
-                  <p:cNvPr id="5186" name="Group 41"/>
-                  <p:cNvGrpSpPr>
-                    <a:grpSpLocks/>
-                  </p:cNvGrpSpPr>
-                  <p:nvPr/>
-                </p:nvGrpSpPr>
-                <p:grpSpPr bwMode="auto">
-                  <a:xfrm>
-                    <a:off x="48" y="0"/>
-                    <a:ext cx="4240" cy="4190"/>
-                    <a:chOff x="48" y="0"/>
-                    <a:chExt cx="4240" cy="4190"/>
-                  </a:xfrm>
-                </p:grpSpPr>
-                <p:sp>
-                  <p:nvSpPr>
-                    <p:cNvPr id="5187" name="AutoShape 34"/>
-                    <p:cNvSpPr>
-                      <a:spLocks/>
-                    </p:cNvSpPr>
-                    <p:nvPr/>
-                  </p:nvSpPr>
-                  <p:spPr bwMode="auto">
-                    <a:xfrm rot="4799525">
-                      <a:off x="558" y="2353"/>
-                      <a:ext cx="961" cy="1942"/>
-                    </a:xfrm>
-                    <a:prstGeom prst="triangle">
-                      <a:avLst>
-                        <a:gd name="adj" fmla="val 50000"/>
-                      </a:avLst>
-                    </a:prstGeom>
-                    <a:solidFill>
-                      <a:srgbClr val="FFFFFF">
-                        <a:alpha val="49019"/>
-                      </a:srgbClr>
-                    </a:solidFill>
-                    <a:ln w="25400">
-                      <a:noFill/>
-                      <a:miter lim="800000"/>
-                      <a:headEnd/>
-                      <a:tailEnd/>
-                    </a:ln>
-                  </p:spPr>
-                  <p:txBody>
-                    <a:bodyPr lIns="0" tIns="0" rIns="0" bIns="0">
-                      <a:prstTxWarp prst="textNoShape">
-                        <a:avLst/>
-                      </a:prstTxWarp>
-                    </a:bodyPr>
-                    <a:lstStyle/>
-                    <a:p>
-                      <a:endParaRPr lang="en-US" dirty="0"/>
-                    </a:p>
-                  </p:txBody>
-                </p:sp>
-                <p:grpSp>
-                  <p:nvGrpSpPr>
-                    <p:cNvPr id="5188" name="Group 40"/>
-                    <p:cNvGrpSpPr>
-                      <a:grpSpLocks/>
-                    </p:cNvGrpSpPr>
-                    <p:nvPr/>
-                  </p:nvGrpSpPr>
-                  <p:grpSpPr bwMode="auto">
-                    <a:xfrm>
-                      <a:off x="48" y="0"/>
-                      <a:ext cx="4240" cy="4190"/>
-                      <a:chOff x="0" y="0"/>
-                      <a:chExt cx="4240" cy="4190"/>
-                    </a:xfrm>
-                  </p:grpSpPr>
-                  <p:sp>
-                    <p:nvSpPr>
-                      <p:cNvPr id="239" name="AutoShape 35"/>
-                      <p:cNvSpPr>
-                        <a:spLocks/>
-                      </p:cNvSpPr>
-                      <p:nvPr/>
-                    </p:nvSpPr>
-                    <p:spPr bwMode="auto">
-                      <a:xfrm rot="-4850259">
-                        <a:off x="1384" y="2013"/>
-                        <a:ext cx="1470" cy="277"/>
-                      </a:xfrm>
-                      <a:custGeom>
-                        <a:avLst/>
-                        <a:gdLst/>
-                        <a:ahLst/>
-                        <a:cxnLst/>
-                        <a:rect l="0" t="0" r="r" b="b"/>
-                        <a:pathLst>
-                          <a:path w="21600" h="21600">
-                            <a:moveTo>
-                              <a:pt x="0" y="0"/>
-                            </a:moveTo>
-                            <a:lnTo>
-                              <a:pt x="21600" y="0"/>
-                            </a:lnTo>
-                            <a:lnTo>
-                              <a:pt x="21600" y="21600"/>
-                            </a:lnTo>
-                            <a:lnTo>
-                              <a:pt x="0" y="21600"/>
-                            </a:lnTo>
-                            <a:close/>
-                            <a:moveTo>
-                              <a:pt x="0" y="0"/>
-                            </a:moveTo>
-                          </a:path>
-                        </a:pathLst>
-                      </a:custGeom>
-                      <a:noFill/>
-                      <a:ln>
-                        <a:noFill/>
-                      </a:ln>
-                      <a:effectLst>
-                        <a:outerShdw blurRad="38100" dist="12699" dir="5400000" algn="ctr" rotWithShape="0">
-                          <a:schemeClr val="bg2">
-                            <a:alpha val="50000"/>
-                          </a:schemeClr>
-                        </a:outerShdw>
-                      </a:effectLst>
-                      <a:extLst>
-                        <a:ext uri="{909E8E84-426E-40dd-AFC4-6F175D3DCCD1}">
-                          <a14:hiddenFill xmlns:mc="http://schemas.openxmlformats.org/markup-compatibility/2006" xmlns:mv="urn:schemas-microsoft-com:mac:vml" xmlns:a14="http://schemas.microsoft.com/office/drawing/2010/main" xmlns="">
-                            <a:solidFill>
-                              <a:srgbClr val="FFFFFF"/>
-                            </a:solidFill>
-                          </a14:hiddenFill>
-                        </a:ext>
-                        <a:ext uri="{91240B29-F687-4f45-9708-019B960494DF}">
-                          <a14:hiddenLine xmlns:mc="http://schemas.openxmlformats.org/markup-compatibility/2006" xmlns:mv="urn:schemas-microsoft-com:mac:vml" xmlns:a14="http://schemas.microsoft.com/office/drawing/2010/main" xmlns="" w="12700" cap="flat">
-                            <a:solidFill>
-                              <a:schemeClr val="tx1"/>
-                            </a:solidFill>
-                            <a:miter lim="800000"/>
-                            <a:headEnd type="none" w="med" len="med"/>
-                            <a:tailEnd type="none" w="med" len="med"/>
-                          </a14:hiddenLine>
-                        </a:ext>
-                      </a:extLst>
-                    </p:spPr>
-                    <p:txBody>
-                      <a:bodyPr lIns="0" tIns="0" rIns="0" bIns="0" anchor="ctr"/>
-                      <a:lstStyle/>
-                      <a:p>
-                        <a:pPr algn="ctr">
-                          <a:defRPr/>
-                        </a:pPr>
-                        <a:r>
-                          <a:rPr lang="en-US" sz="1800" dirty="0">
-                            <a:solidFill>
-                              <a:srgbClr val="FCBD00"/>
-                            </a:solidFill>
-                            <a:latin typeface="Gill Sans" charset="0"/>
-                            <a:ea typeface="ＭＳ Ｐゴシック" charset="0"/>
-                            <a:cs typeface="Gill Sans" charset="0"/>
-                            <a:sym typeface="Gill Sans" charset="0"/>
-                          </a:rPr>
-                          <a:t>0101010010101010</a:t>
-                        </a:r>
-                      </a:p>
-                    </p:txBody>
-                  </p:sp>
-                  <p:grpSp>
-                    <p:nvGrpSpPr>
-                      <p:cNvPr id="5190" name="Group 38"/>
-                      <p:cNvGrpSpPr>
-                        <a:grpSpLocks/>
-                      </p:cNvGrpSpPr>
-                      <p:nvPr/>
-                    </p:nvGrpSpPr>
-                    <p:grpSpPr bwMode="auto">
-                      <a:xfrm>
-                        <a:off x="2288" y="0"/>
-                        <a:ext cx="536" cy="1094"/>
-                        <a:chOff x="0" y="0"/>
-                        <a:chExt cx="536" cy="1094"/>
-                      </a:xfrm>
-                    </p:grpSpPr>
-                    <p:sp>
-                      <p:nvSpPr>
-                        <p:cNvPr id="5192" name="Line 36"/>
-                        <p:cNvSpPr>
-                          <a:spLocks noChangeShapeType="1"/>
-                        </p:cNvSpPr>
-                        <p:nvPr/>
-                      </p:nvSpPr>
-                      <p:spPr bwMode="auto">
-                        <a:xfrm flipH="1">
-                          <a:off x="397" y="0"/>
-                          <a:ext cx="67" cy="211"/>
-                        </a:xfrm>
-                        <a:prstGeom prst="line">
-                          <a:avLst/>
-                        </a:prstGeom>
-                        <a:noFill/>
-                        <a:ln w="38100">
-                          <a:solidFill>
-                            <a:srgbClr val="FCBD00"/>
-                          </a:solidFill>
-                          <a:prstDash val="sysDot"/>
-                          <a:miter lim="800000"/>
-                          <a:headEnd type="triangle" w="med" len="med"/>
-                          <a:tailEnd/>
-                        </a:ln>
-                      </p:spPr>
-                      <p:txBody>
-                        <a:bodyPr lIns="0" tIns="0" rIns="0" bIns="0">
-                          <a:prstTxWarp prst="textNoShape">
-                            <a:avLst/>
-                          </a:prstTxWarp>
-                        </a:bodyPr>
-                        <a:lstStyle/>
-                        <a:p>
-                          <a:endParaRPr lang="en-US" dirty="0"/>
-                        </a:p>
-                      </p:txBody>
-                    </p:sp>
-                    <p:sp>
-                      <p:nvSpPr>
-                        <p:cNvPr id="244" name="AutoShape 37"/>
-                        <p:cNvSpPr>
-                          <a:spLocks/>
-                        </p:cNvSpPr>
-                        <p:nvPr/>
-                      </p:nvSpPr>
-                      <p:spPr bwMode="auto">
-                        <a:xfrm rot="-4416628">
-                          <a:off x="-209" y="459"/>
-                          <a:ext cx="951" cy="279"/>
-                        </a:xfrm>
-                        <a:custGeom>
-                          <a:avLst/>
-                          <a:gdLst/>
-                          <a:ahLst/>
-                          <a:cxnLst/>
-                          <a:rect l="0" t="0" r="r" b="b"/>
-                          <a:pathLst>
-                            <a:path w="21600" h="21600">
-                              <a:moveTo>
-                                <a:pt x="0" y="0"/>
-                              </a:moveTo>
-                              <a:lnTo>
-                                <a:pt x="21600" y="0"/>
-                              </a:lnTo>
-                              <a:lnTo>
-                                <a:pt x="21600" y="21600"/>
-                              </a:lnTo>
-                              <a:lnTo>
-                                <a:pt x="0" y="21600"/>
-                              </a:lnTo>
-                              <a:close/>
-                              <a:moveTo>
-                                <a:pt x="0" y="0"/>
-                              </a:moveTo>
-                            </a:path>
-                          </a:pathLst>
-                        </a:custGeom>
-                        <a:noFill/>
-                        <a:ln>
-                          <a:noFill/>
-                        </a:ln>
-                        <a:effectLst>
-                          <a:outerShdw blurRad="38100" dist="12699" dir="5400000" algn="ctr" rotWithShape="0">
-                            <a:schemeClr val="bg2">
-                              <a:alpha val="50000"/>
-                            </a:schemeClr>
-                          </a:outerShdw>
-                        </a:effectLst>
-                        <a:extLst>
-                          <a:ext uri="{909E8E84-426E-40dd-AFC4-6F175D3DCCD1}">
-                            <a14:hiddenFill xmlns:mc="http://schemas.openxmlformats.org/markup-compatibility/2006" xmlns:mv="urn:schemas-microsoft-com:mac:vml" xmlns:a14="http://schemas.microsoft.com/office/drawing/2010/main" xmlns="">
-                              <a:solidFill>
-                                <a:srgbClr val="FFFFFF"/>
-                              </a:solidFill>
-                            </a14:hiddenFill>
-                          </a:ext>
-                          <a:ext uri="{91240B29-F687-4f45-9708-019B960494DF}">
-                            <a14:hiddenLine xmlns:mc="http://schemas.openxmlformats.org/markup-compatibility/2006" xmlns:mv="urn:schemas-microsoft-com:mac:vml" xmlns:a14="http://schemas.microsoft.com/office/drawing/2010/main" xmlns="" w="12700" cap="flat">
-                              <a:solidFill>
-                                <a:schemeClr val="tx1"/>
-                              </a:solidFill>
-                              <a:miter lim="800000"/>
-                              <a:headEnd type="none" w="med" len="med"/>
-                              <a:tailEnd type="none" w="med" len="med"/>
-                            </a14:hiddenLine>
-                          </a:ext>
-                        </a:extLst>
-                      </p:spPr>
-                      <p:txBody>
-                        <a:bodyPr lIns="0" tIns="0" rIns="0" bIns="0" anchor="ctr"/>
-                        <a:lstStyle/>
-                        <a:p>
-                          <a:pPr algn="ctr">
-                            <a:defRPr/>
-                          </a:pPr>
-                          <a:r>
-                            <a:rPr lang="en-US" sz="1800" dirty="0">
-                              <a:solidFill>
-                                <a:srgbClr val="FCBD00"/>
-                              </a:solidFill>
-                              <a:latin typeface="Gill Sans" charset="0"/>
-                              <a:ea typeface="ＭＳ Ｐゴシック" charset="0"/>
-                              <a:cs typeface="Gill Sans" charset="0"/>
-                              <a:sym typeface="Gill Sans" charset="0"/>
-                            </a:rPr>
-                            <a:t>0101010010</a:t>
-                          </a:r>
-                        </a:p>
-                      </p:txBody>
-                    </p:sp>
-                  </p:grpSp>
-                  <p:pic>
-                    <p:nvPicPr>
-                      <p:cNvPr id="5191" name="Picture 39"/>
-                      <p:cNvPicPr>
-                        <a:picLocks noChangeAspect="1" noChangeArrowheads="1"/>
-                      </p:cNvPicPr>
-                      <p:nvPr/>
-                    </p:nvPicPr>
-                    <p:blipFill>
-                      <a:blip r:embed="rId20"/>
-                      <a:srcRect/>
-                      <a:stretch>
-                        <a:fillRect/>
-                      </a:stretch>
-                    </p:blipFill>
-                    <p:spPr bwMode="auto">
-                      <a:xfrm>
-                        <a:off x="0" y="1374"/>
-                        <a:ext cx="4240" cy="2816"/>
-                      </a:xfrm>
-                      <a:prstGeom prst="rect">
-                        <a:avLst/>
-                      </a:prstGeom>
-                      <a:noFill/>
-                      <a:ln w="12700">
-                        <a:noFill/>
-                        <a:miter lim="800000"/>
-                        <a:headEnd/>
-                        <a:tailEnd/>
-                      </a:ln>
-                    </p:spPr>
-                  </p:pic>
-                </p:grpSp>
-              </p:grpSp>
-            </p:grpSp>
-          </p:grpSp>
-        </p:grpSp>
-      </p:grpSp>
-      <p:sp>
-        <p:nvSpPr>
-          <p:cNvPr id="217" name="Rectangle 216"/>
-          <p:cNvSpPr/>
-          <p:nvPr/>
-        </p:nvSpPr>
-        <p:spPr bwMode="auto">
-          <a:xfrm>
-            <a:off x="12263698" y="5154542"/>
-            <a:ext cx="3281102" cy="2246769"/>
-          </a:xfrm>
-          <a:prstGeom prst="rect">
-            <a:avLst/>
-          </a:prstGeom>
-        </p:spPr>
-        <p:txBody>
-          <a:bodyPr wrap="square">
-            <a:prstTxWarp prst="textNoShape">
-              <a:avLst/>
-            </a:prstTxWarp>
-            <a:spAutoFit/>
-          </a:bodyPr>
-          <a:lstStyle/>
-          <a:p>
-            <a:pPr marL="457200" indent="-457200">
-              <a:buFont typeface="Arial"/>
-              <a:buChar char="•"/>
-            </a:pPr>
-            <a:r>
-              <a:rPr lang="en-US" sz="2800" dirty="0" smtClean="0">
-                <a:latin typeface="Calibri" charset="0"/>
-                <a:ea typeface="Calibri" charset="0"/>
-                <a:cs typeface="Calibri" charset="0"/>
-              </a:rPr>
-              <a:t>Unreliable nodes: expected </a:t>
-            </a:r>
-            <a:r>
-              <a:rPr lang="en-US" sz="2800" dirty="0">
-                <a:latin typeface="Calibri" charset="0"/>
-                <a:ea typeface="Calibri" charset="0"/>
-                <a:cs typeface="Calibri" charset="0"/>
-              </a:rPr>
-              <a:t>to fail, can </a:t>
-            </a:r>
-            <a:r>
-              <a:rPr lang="en-US" sz="2800" dirty="0" smtClean="0">
-                <a:latin typeface="Calibri" charset="0"/>
-                <a:ea typeface="Calibri" charset="0"/>
-                <a:cs typeface="Calibri" charset="0"/>
-              </a:rPr>
-              <a:t>crash or get stuck</a:t>
-            </a:r>
-            <a:endParaRPr lang="en-US" sz="2800" dirty="0">
-              <a:latin typeface="Calibri" charset="0"/>
-              <a:ea typeface="Calibri" charset="0"/>
-              <a:cs typeface="Calibri" charset="0"/>
-            </a:endParaRPr>
-          </a:p>
-          <a:p>
-            <a:pPr marL="457200" indent="-457200"/>
-            <a:endParaRPr lang="en-US" sz="2800" dirty="0">
-              <a:latin typeface="Calibri" charset="0"/>
-              <a:ea typeface="Calibri" charset="0"/>
-              <a:cs typeface="Calibri" charset="0"/>
             </a:endParaRPr>
           </a:p>
         </p:txBody>
@@ -4933,7 +2606,7 @@
         </p:nvSpPr>
         <p:spPr bwMode="auto">
           <a:xfrm>
-            <a:off x="20852185" y="8841896"/>
+            <a:off x="31094603" y="3169003"/>
             <a:ext cx="3424342" cy="593319"/>
           </a:xfrm>
           <a:prstGeom prst="rect">
@@ -4956,580 +2629,12 @@
           </a:bodyPr>
           <a:lstStyle/>
           <a:p>
-            <a:endParaRPr lang="en-US" sz="3200" dirty="0">
+            <a:endParaRPr lang="en-US" sz="3200" b="0" dirty="0">
               <a:latin typeface="Calibri" charset="0"/>
             </a:endParaRPr>
           </a:p>
         </p:txBody>
       </p:sp>
-      <p:sp>
-        <p:nvSpPr>
-          <p:cNvPr id="219" name="Rectangle 218"/>
-          <p:cNvSpPr/>
-          <p:nvPr/>
-        </p:nvSpPr>
-        <p:spPr bwMode="auto">
-          <a:xfrm>
-            <a:off x="12279008" y="7010400"/>
-            <a:ext cx="6847192" cy="968944"/>
-          </a:xfrm>
-          <a:prstGeom prst="rect">
-            <a:avLst/>
-          </a:prstGeom>
-        </p:spPr>
-        <p:txBody>
-          <a:bodyPr wrap="square">
-            <a:spAutoFit/>
-          </a:bodyPr>
-          <a:lstStyle/>
-          <a:p>
-            <a:pPr marL="457200" indent="-457200">
-              <a:buFont typeface="Arial"/>
-              <a:buChar char="•"/>
-              <a:defRPr/>
-            </a:pPr>
-            <a:r>
-              <a:rPr lang="en-US" sz="2800" dirty="0">
-                <a:latin typeface="Calibri"/>
-                <a:ea typeface="ＭＳ Ｐゴシック" charset="0"/>
-                <a:cs typeface="Calibri"/>
-              </a:rPr>
-              <a:t>Low </a:t>
-            </a:r>
-            <a:r>
-              <a:rPr lang="en-US" sz="2800" dirty="0" smtClean="0">
-                <a:latin typeface="Calibri"/>
-                <a:ea typeface="ＭＳ Ｐゴシック" charset="0"/>
-                <a:cs typeface="Calibri"/>
-              </a:rPr>
-              <a:t>weight,</a:t>
-            </a:r>
-          </a:p>
-          <a:p>
-            <a:pPr>
-              <a:defRPr/>
-            </a:pPr>
-            <a:r>
-              <a:rPr lang="en-US" sz="2800" dirty="0" smtClean="0">
-                <a:latin typeface="Calibri"/>
-                <a:ea typeface="ＭＳ Ｐゴシック" charset="0"/>
-                <a:cs typeface="Calibri"/>
-              </a:rPr>
-              <a:t>Low-cost </a:t>
-            </a:r>
-            <a:r>
-              <a:rPr lang="en-US" sz="2800" dirty="0">
-                <a:latin typeface="Calibri"/>
-                <a:ea typeface="ＭＳ Ｐゴシック" charset="0"/>
-                <a:cs typeface="Calibri"/>
-              </a:rPr>
-              <a:t>prototype </a:t>
-            </a:r>
-          </a:p>
-        </p:txBody>
-      </p:sp>
-      <p:sp>
-        <p:nvSpPr>
-          <p:cNvPr id="220" name="Rectangle 219"/>
-          <p:cNvSpPr/>
-          <p:nvPr/>
-        </p:nvSpPr>
-        <p:spPr bwMode="auto">
-          <a:xfrm>
-            <a:off x="12293567" y="8229600"/>
-            <a:ext cx="5539063" cy="4832093"/>
-          </a:xfrm>
-          <a:prstGeom prst="rect">
-            <a:avLst/>
-          </a:prstGeom>
-        </p:spPr>
-        <p:txBody>
-          <a:bodyPr wrap="square">
-            <a:prstTxWarp prst="textNoShape">
-              <a:avLst/>
-            </a:prstTxWarp>
-            <a:spAutoFit/>
-          </a:bodyPr>
-          <a:lstStyle/>
-          <a:p>
-            <a:pPr marL="457200" indent="-457200">
-              <a:buFont typeface="Arial" charset="0"/>
-              <a:buChar char="•"/>
-            </a:pPr>
-            <a:r>
-              <a:rPr lang="en-US" sz="2800" dirty="0">
-                <a:latin typeface="Calibri" charset="0"/>
-                <a:ea typeface="Calibri" charset="0"/>
-                <a:cs typeface="Calibri" charset="0"/>
-                <a:sym typeface="Franklin Gothic Medium" charset="0"/>
-              </a:rPr>
-              <a:t>Adapt to changing </a:t>
-            </a:r>
-          </a:p>
-          <a:p>
-            <a:pPr marL="457200" indent="-457200"/>
-            <a:r>
-              <a:rPr lang="en-US" sz="2800" dirty="0">
-                <a:latin typeface="Calibri" charset="0"/>
-                <a:ea typeface="Calibri" charset="0"/>
-                <a:cs typeface="Calibri" charset="0"/>
-                <a:sym typeface="Franklin Gothic Medium" charset="0"/>
-              </a:rPr>
-              <a:t>environment, reassign </a:t>
-            </a:r>
-          </a:p>
-          <a:p>
-            <a:pPr marL="457200" indent="-457200"/>
-            <a:r>
-              <a:rPr lang="en-US" sz="2800" dirty="0">
-                <a:latin typeface="Calibri" charset="0"/>
-                <a:ea typeface="Calibri" charset="0"/>
-                <a:cs typeface="Calibri" charset="0"/>
-                <a:sym typeface="Franklin Gothic Medium" charset="0"/>
-              </a:rPr>
-              <a:t>task </a:t>
-            </a:r>
-            <a:r>
-              <a:rPr lang="en-US" sz="2800" dirty="0" smtClean="0">
-                <a:latin typeface="Calibri" charset="0"/>
-                <a:ea typeface="Calibri" charset="0"/>
-                <a:cs typeface="Calibri" charset="0"/>
-                <a:sym typeface="Franklin Gothic Medium" charset="0"/>
-              </a:rPr>
-              <a:t>based </a:t>
-            </a:r>
-            <a:r>
-              <a:rPr lang="en-US" sz="2800" dirty="0">
-                <a:latin typeface="Calibri" charset="0"/>
-                <a:ea typeface="Calibri" charset="0"/>
-                <a:cs typeface="Calibri" charset="0"/>
-                <a:sym typeface="Franklin Gothic Medium" charset="0"/>
-              </a:rPr>
-              <a:t>on node </a:t>
-            </a:r>
-          </a:p>
-          <a:p>
-            <a:pPr marL="457200" indent="-457200"/>
-            <a:r>
-              <a:rPr lang="en-US" sz="2800" dirty="0">
-                <a:latin typeface="Calibri" charset="0"/>
-                <a:ea typeface="Calibri" charset="0"/>
-                <a:cs typeface="Calibri" charset="0"/>
-                <a:sym typeface="Franklin Gothic Medium" charset="0"/>
-              </a:rPr>
-              <a:t>capabilities and localized </a:t>
-            </a:r>
-          </a:p>
-          <a:p>
-            <a:pPr marL="457200" indent="-457200"/>
-            <a:r>
-              <a:rPr lang="en-US" sz="2800" dirty="0">
-                <a:latin typeface="Calibri" charset="0"/>
-                <a:ea typeface="Calibri" charset="0"/>
-                <a:cs typeface="Calibri" charset="0"/>
-                <a:sym typeface="Franklin Gothic Medium" charset="0"/>
-              </a:rPr>
-              <a:t>failures </a:t>
-            </a:r>
-          </a:p>
-          <a:p>
-            <a:pPr marL="457200" indent="-457200">
-              <a:buFont typeface="Arial" charset="0"/>
-              <a:buChar char="•"/>
-            </a:pPr>
-            <a:endParaRPr lang="en-US" sz="2800" dirty="0">
-              <a:latin typeface="Calibri" charset="0"/>
-              <a:ea typeface="Calibri" charset="0"/>
-              <a:cs typeface="Calibri" charset="0"/>
-              <a:sym typeface="Franklin Gothic Medium" charset="0"/>
-            </a:endParaRPr>
-          </a:p>
-          <a:p>
-            <a:pPr marL="457200" indent="-457200">
-              <a:buFont typeface="Arial" charset="0"/>
-              <a:buChar char="•"/>
-            </a:pPr>
-            <a:r>
-              <a:rPr lang="en-US" sz="2800" dirty="0">
-                <a:latin typeface="Calibri" charset="0"/>
-                <a:ea typeface="Calibri" charset="0"/>
-                <a:cs typeface="Calibri" charset="0"/>
-                <a:sym typeface="Franklin Gothic Medium" charset="0"/>
-              </a:rPr>
-              <a:t>Dynamic coverage </a:t>
-            </a:r>
-            <a:r>
-              <a:rPr lang="en-US" sz="2800" dirty="0" smtClean="0">
-                <a:latin typeface="Calibri" charset="0"/>
-                <a:ea typeface="Calibri" charset="0"/>
-                <a:cs typeface="Calibri" charset="0"/>
-                <a:sym typeface="Franklin Gothic Medium" charset="0"/>
-              </a:rPr>
-              <a:t>estimation:</a:t>
-            </a:r>
-          </a:p>
-          <a:p>
-            <a:pPr marL="457200" indent="-457200"/>
-            <a:r>
-              <a:rPr lang="en-US" sz="2800" dirty="0" smtClean="0">
-                <a:latin typeface="Calibri" charset="0"/>
-                <a:ea typeface="Calibri" charset="0"/>
-                <a:cs typeface="Calibri" charset="0"/>
-                <a:sym typeface="Franklin Gothic Medium" charset="0"/>
-              </a:rPr>
-              <a:t>by obtaining </a:t>
-            </a:r>
-            <a:r>
-              <a:rPr lang="en-US" sz="2800" dirty="0">
-                <a:latin typeface="Calibri" charset="0"/>
-                <a:ea typeface="Calibri" charset="0"/>
-                <a:cs typeface="Calibri" charset="0"/>
-                <a:sym typeface="Franklin Gothic Medium" charset="0"/>
-              </a:rPr>
-              <a:t>in-network </a:t>
-            </a:r>
-            <a:r>
-              <a:rPr lang="en-US" sz="2800" dirty="0" smtClean="0">
-                <a:latin typeface="Calibri" charset="0"/>
-                <a:ea typeface="Calibri" charset="0"/>
-                <a:cs typeface="Calibri" charset="0"/>
-                <a:sym typeface="Franklin Gothic Medium" charset="0"/>
-              </a:rPr>
-              <a:t>relative </a:t>
-            </a:r>
-          </a:p>
-          <a:p>
-            <a:pPr marL="457200" indent="-457200"/>
-            <a:r>
-              <a:rPr lang="en-US" sz="2800" dirty="0">
-                <a:latin typeface="Calibri" charset="0"/>
-                <a:ea typeface="Calibri" charset="0"/>
-                <a:cs typeface="Calibri" charset="0"/>
-                <a:sym typeface="Franklin Gothic Medium" charset="0"/>
-              </a:rPr>
-              <a:t>p</a:t>
-            </a:r>
-            <a:r>
-              <a:rPr lang="en-US" sz="2800" dirty="0" smtClean="0">
-                <a:latin typeface="Calibri" charset="0"/>
-                <a:ea typeface="Calibri" charset="0"/>
-                <a:cs typeface="Calibri" charset="0"/>
-                <a:sym typeface="Franklin Gothic Medium" charset="0"/>
-              </a:rPr>
-              <a:t>ath signatures, then assign </a:t>
-            </a:r>
-            <a:r>
-              <a:rPr lang="en-US" sz="2800" dirty="0">
-                <a:latin typeface="Calibri" charset="0"/>
-                <a:ea typeface="Calibri" charset="0"/>
-                <a:cs typeface="Calibri" charset="0"/>
-                <a:sym typeface="Franklin Gothic Medium" charset="0"/>
-              </a:rPr>
-              <a:t>task to </a:t>
-            </a:r>
-            <a:endParaRPr lang="en-US" sz="2800" dirty="0" smtClean="0">
-              <a:latin typeface="Calibri" charset="0"/>
-              <a:ea typeface="Calibri" charset="0"/>
-              <a:cs typeface="Calibri" charset="0"/>
-              <a:sym typeface="Franklin Gothic Medium" charset="0"/>
-            </a:endParaRPr>
-          </a:p>
-          <a:p>
-            <a:pPr marL="457200" indent="-457200"/>
-            <a:r>
-              <a:rPr lang="en-US" sz="2800" dirty="0">
-                <a:latin typeface="Calibri" charset="0"/>
-                <a:ea typeface="Calibri" charset="0"/>
-                <a:cs typeface="Calibri" charset="0"/>
-                <a:sym typeface="Franklin Gothic Medium" charset="0"/>
-              </a:rPr>
-              <a:t>m</a:t>
-            </a:r>
-            <a:r>
-              <a:rPr lang="en-US" sz="2800" dirty="0" smtClean="0">
-                <a:latin typeface="Calibri" charset="0"/>
-                <a:ea typeface="Calibri" charset="0"/>
-                <a:cs typeface="Calibri" charset="0"/>
-                <a:sym typeface="Franklin Gothic Medium" charset="0"/>
-              </a:rPr>
-              <a:t>ultiple nodes </a:t>
-            </a:r>
-            <a:r>
-              <a:rPr lang="en-US" sz="2800" dirty="0">
-                <a:latin typeface="Calibri" charset="0"/>
-                <a:ea typeface="Calibri" charset="0"/>
-                <a:cs typeface="Calibri" charset="0"/>
-                <a:sym typeface="Franklin Gothic Medium" charset="0"/>
-              </a:rPr>
-              <a:t>to </a:t>
-            </a:r>
-            <a:r>
-              <a:rPr lang="en-US" sz="2800" dirty="0" smtClean="0">
-                <a:latin typeface="Calibri" charset="0"/>
-                <a:ea typeface="Calibri" charset="0"/>
-                <a:cs typeface="Calibri" charset="0"/>
-                <a:sym typeface="Franklin Gothic Medium" charset="0"/>
-              </a:rPr>
-              <a:t>compute </a:t>
-            </a:r>
-          </a:p>
-          <a:p>
-            <a:pPr marL="457200" indent="-457200"/>
-            <a:r>
-              <a:rPr lang="en-US" sz="2800" dirty="0" smtClean="0">
-                <a:latin typeface="Calibri" charset="0"/>
-                <a:ea typeface="Calibri" charset="0"/>
-                <a:cs typeface="Calibri" charset="0"/>
-                <a:sym typeface="Franklin Gothic Medium" charset="0"/>
-              </a:rPr>
-              <a:t>signature paths</a:t>
-            </a:r>
-            <a:endParaRPr lang="en-US" sz="2800" dirty="0">
-              <a:latin typeface="Calibri" charset="0"/>
-              <a:ea typeface="Calibri" charset="0"/>
-              <a:cs typeface="Calibri" charset="0"/>
-            </a:endParaRPr>
-          </a:p>
-        </p:txBody>
-      </p:sp>
-      <p:sp>
-        <p:nvSpPr>
-          <p:cNvPr id="5171" name="Rectangle 176"/>
-          <p:cNvSpPr>
-            <a:spLocks/>
-          </p:cNvSpPr>
-          <p:nvPr/>
-        </p:nvSpPr>
-        <p:spPr bwMode="auto">
-          <a:xfrm>
-            <a:off x="21488400" y="12175024"/>
-            <a:ext cx="2757379" cy="1380111"/>
-          </a:xfrm>
-          <a:prstGeom prst="rect">
-            <a:avLst/>
-          </a:prstGeom>
-          <a:solidFill>
-            <a:srgbClr val="FFFFFF"/>
-          </a:solidFill>
-          <a:ln w="19050">
-            <a:noFill/>
-            <a:round/>
-            <a:headEnd/>
-            <a:tailEnd/>
-          </a:ln>
-        </p:spPr>
-        <p:txBody>
-          <a:bodyPr lIns="0" tIns="0" rIns="40639" bIns="0" anchor="ctr">
-            <a:prstTxWarp prst="textNoShape">
-              <a:avLst/>
-            </a:prstTxWarp>
-          </a:bodyPr>
-          <a:lstStyle/>
-          <a:p>
-            <a:pPr marL="39688"/>
-            <a:r>
-              <a:rPr lang="en-US" sz="1400" dirty="0">
-                <a:latin typeface="Arial Bold" charset="0"/>
-                <a:sym typeface="Arial Bold" charset="0"/>
-              </a:rPr>
-              <a:t>MAIN BOARD:</a:t>
-            </a:r>
-          </a:p>
-          <a:p>
-            <a:pPr marL="39688"/>
-            <a:r>
-              <a:rPr lang="en-US" sz="1400" dirty="0">
-                <a:latin typeface="Arial Bold" charset="0"/>
-                <a:sym typeface="Arial Bold" charset="0"/>
-              </a:rPr>
-              <a:t>16 MHz AVR AtMega128RFA1</a:t>
-            </a:r>
-          </a:p>
-          <a:p>
-            <a:pPr marL="39688"/>
-            <a:r>
-              <a:rPr lang="en-US" sz="1400" dirty="0">
-                <a:latin typeface="Arial Bold" charset="0"/>
-                <a:sym typeface="Arial Bold" charset="0"/>
-              </a:rPr>
-              <a:t>16Kb SRAM</a:t>
-            </a:r>
-          </a:p>
-          <a:p>
-            <a:pPr marL="39688"/>
-            <a:r>
-              <a:rPr lang="en-US" sz="1400" dirty="0">
-                <a:latin typeface="Arial Bold" charset="0"/>
-                <a:sym typeface="Arial Bold" charset="0"/>
-              </a:rPr>
-              <a:t>128Kb Flash Memory</a:t>
-            </a:r>
-          </a:p>
-          <a:p>
-            <a:pPr marL="39688"/>
-            <a:r>
-              <a:rPr lang="en-US" sz="1400" dirty="0">
-                <a:latin typeface="Arial Bold" charset="0"/>
-                <a:sym typeface="Arial Bold" charset="0"/>
-              </a:rPr>
-              <a:t>2.4GHz 802.15.4 Radio</a:t>
-            </a:r>
-          </a:p>
-          <a:p>
-            <a:pPr marL="39688"/>
-            <a:endParaRPr lang="en-US" sz="1400" dirty="0">
-              <a:latin typeface="Arial Bold" charset="0"/>
-              <a:sym typeface="Arial Bold" charset="0"/>
-            </a:endParaRPr>
-          </a:p>
-        </p:txBody>
-      </p:sp>
-      <p:sp>
-        <p:nvSpPr>
-          <p:cNvPr id="5172" name="Rectangle 178"/>
-          <p:cNvSpPr>
-            <a:spLocks/>
-          </p:cNvSpPr>
-          <p:nvPr/>
-        </p:nvSpPr>
-        <p:spPr bwMode="auto">
-          <a:xfrm>
-            <a:off x="17927692" y="11782303"/>
-            <a:ext cx="2757379" cy="1276925"/>
-          </a:xfrm>
-          <a:prstGeom prst="rect">
-            <a:avLst/>
-          </a:prstGeom>
-          <a:solidFill>
-            <a:srgbClr val="FFFFFF"/>
-          </a:solidFill>
-          <a:ln w="19050">
-            <a:noFill/>
-            <a:round/>
-            <a:headEnd/>
-            <a:tailEnd/>
-          </a:ln>
-        </p:spPr>
-        <p:txBody>
-          <a:bodyPr lIns="0" tIns="0" rIns="40639" bIns="0" anchor="ctr">
-            <a:prstTxWarp prst="textNoShape">
-              <a:avLst/>
-            </a:prstTxWarp>
-          </a:bodyPr>
-          <a:lstStyle/>
-          <a:p>
-            <a:pPr marL="39688"/>
-            <a:r>
-              <a:rPr lang="en-US" sz="1400" dirty="0">
-                <a:latin typeface="Arial Bold" charset="0"/>
-                <a:sym typeface="Arial Bold" charset="0"/>
-              </a:rPr>
-              <a:t>PLUGIN SENSOR MODULE:</a:t>
-            </a:r>
-          </a:p>
-          <a:p>
-            <a:pPr marL="39688"/>
-            <a:r>
-              <a:rPr lang="en-US" sz="1400" dirty="0">
-                <a:latin typeface="Arial Bold" charset="0"/>
-                <a:sym typeface="Arial Bold" charset="0"/>
-              </a:rPr>
-              <a:t>3-Axis Accelerometer</a:t>
-            </a:r>
-          </a:p>
-          <a:p>
-            <a:pPr marL="39688"/>
-            <a:r>
-              <a:rPr lang="en-US" sz="1400" dirty="0">
-                <a:latin typeface="Arial Bold" charset="0"/>
-                <a:sym typeface="Arial Bold" charset="0"/>
-              </a:rPr>
-              <a:t>3-Axis Gyroscope</a:t>
-            </a:r>
-          </a:p>
-          <a:p>
-            <a:pPr marL="39688"/>
-            <a:r>
-              <a:rPr lang="en-US" sz="1400" dirty="0">
-                <a:latin typeface="Arial Bold" charset="0"/>
-                <a:sym typeface="Arial Bold" charset="0"/>
-              </a:rPr>
-              <a:t>3-Axis Magnetometer</a:t>
-            </a:r>
-          </a:p>
-          <a:p>
-            <a:pPr marL="39688"/>
-            <a:endParaRPr lang="en-US" sz="1400" dirty="0">
-              <a:latin typeface="Arial Bold" charset="0"/>
-              <a:sym typeface="Arial Bold" charset="0"/>
-            </a:endParaRPr>
-          </a:p>
-        </p:txBody>
-      </p:sp>
-      <p:pic>
-        <p:nvPicPr>
-          <p:cNvPr id="5173" name="Picture 179"/>
-          <p:cNvPicPr>
-            <a:picLocks noChangeArrowheads="1"/>
-          </p:cNvPicPr>
-          <p:nvPr/>
-        </p:nvPicPr>
-        <p:blipFill>
-          <a:blip r:embed="rId21"/>
-          <a:srcRect/>
-          <a:stretch>
-            <a:fillRect/>
-          </a:stretch>
-        </p:blipFill>
-        <p:spPr bwMode="auto">
-          <a:xfrm>
-            <a:off x="20068838" y="11782303"/>
-            <a:ext cx="1441357" cy="1528441"/>
-          </a:xfrm>
-          <a:prstGeom prst="rect">
-            <a:avLst/>
-          </a:prstGeom>
-          <a:noFill/>
-          <a:ln w="9525">
-            <a:noFill/>
-            <a:round/>
-            <a:headEnd/>
-            <a:tailEnd/>
-          </a:ln>
-        </p:spPr>
-      </p:pic>
-      <p:pic>
-        <p:nvPicPr>
-          <p:cNvPr id="5174" name="Picture 180"/>
-          <p:cNvPicPr>
-            <a:picLocks noChangeArrowheads="1"/>
-          </p:cNvPicPr>
-          <p:nvPr/>
-        </p:nvPicPr>
-        <p:blipFill>
-          <a:blip r:embed="rId22"/>
-          <a:srcRect/>
-          <a:stretch>
-            <a:fillRect/>
-          </a:stretch>
-        </p:blipFill>
-        <p:spPr bwMode="auto">
-          <a:xfrm rot="20094214">
-            <a:off x="21337113" y="10852955"/>
-            <a:ext cx="2837952" cy="970592"/>
-          </a:xfrm>
-          <a:prstGeom prst="rect">
-            <a:avLst/>
-          </a:prstGeom>
-          <a:noFill/>
-          <a:ln w="9525">
-            <a:noFill/>
-            <a:round/>
-            <a:headEnd/>
-            <a:tailEnd/>
-          </a:ln>
-        </p:spPr>
-      </p:pic>
       <p:grpSp>
         <p:nvGrpSpPr>
           <p:cNvPr id="108" name="Group 6"/>
@@ -5538,16 +2643,16 @@
           </p:cNvGrpSpPr>
           <p:nvPr>
             <p:custDataLst>
-              <p:tags r:id="rId9"/>
+              <p:tags r:id="rId8"/>
             </p:custDataLst>
           </p:nvPr>
         </p:nvGrpSpPr>
         <p:grpSpPr bwMode="auto">
           <a:xfrm>
             <a:off x="685800" y="9829800"/>
-            <a:ext cx="11201400" cy="7848600"/>
+            <a:ext cx="11201400" cy="12505395"/>
             <a:chOff x="990600" y="3962400"/>
-            <a:chExt cx="9601200" cy="6092751"/>
+            <a:chExt cx="9601200" cy="5739458"/>
           </a:xfrm>
         </p:grpSpPr>
         <p:sp>
@@ -5558,7 +2663,7 @@
           </p:nvSpPr>
           <p:spPr>
             <a:xfrm>
-              <a:off x="990600" y="4647984"/>
+              <a:off x="990600" y="4294691"/>
               <a:ext cx="9601200" cy="5407167"/>
             </a:xfrm>
             <a:prstGeom prst="rect">
@@ -5593,207 +2698,10 @@
             <a:bodyPr anchor="ctr"/>
             <a:lstStyle/>
             <a:p>
-              <a:pPr marL="742950" indent="-742950">
-                <a:buFont typeface="Wingdings" charset="2"/>
-                <a:buChar char="§"/>
+              <a:pPr lvl="1">
                 <a:defRPr/>
               </a:pPr>
-              <a:r>
-                <a:rPr lang="en-US" sz="3200" dirty="0" smtClean="0">
-                  <a:solidFill>
-                    <a:schemeClr val="tx1"/>
-                  </a:solidFill>
-                  <a:latin typeface="Calibri" charset="0"/>
-                </a:rPr>
-                <a:t>Simplifications to </a:t>
-              </a:r>
-              <a:r>
-                <a:rPr lang="en-US" sz="3200" dirty="0">
-                  <a:solidFill>
-                    <a:schemeClr val="tx1"/>
-                  </a:solidFill>
-                  <a:latin typeface="Calibri" charset="0"/>
-                </a:rPr>
-                <a:t>reduce complexity. </a:t>
-              </a:r>
-            </a:p>
-            <a:p>
-              <a:pPr marL="1200150" lvl="1" indent="-742950">
-                <a:buFont typeface="Wingdings" charset="2"/>
-                <a:buChar char="§"/>
-                <a:defRPr/>
-              </a:pPr>
-              <a:r>
-                <a:rPr lang="en-US" sz="2800" dirty="0">
-                  <a:solidFill>
-                    <a:schemeClr val="tx1"/>
-                  </a:solidFill>
-                  <a:latin typeface="Calibri" charset="0"/>
-                </a:rPr>
-                <a:t>Assume homogeneous systems</a:t>
-              </a:r>
-            </a:p>
-            <a:p>
-              <a:pPr marL="1200150" lvl="1" indent="-742950">
-                <a:buFont typeface="Wingdings" charset="2"/>
-                <a:buChar char="§"/>
-                <a:defRPr/>
-              </a:pPr>
-              <a:r>
-                <a:rPr lang="en-US" sz="2800" dirty="0">
-                  <a:solidFill>
-                    <a:schemeClr val="tx1"/>
-                  </a:solidFill>
-                  <a:latin typeface="Calibri" charset="0"/>
-                </a:rPr>
-                <a:t>Program for one particular deployment</a:t>
-              </a:r>
-              <a:endParaRPr lang="en-US" sz="3200" dirty="0">
-                <a:solidFill>
-                  <a:schemeClr val="tx1"/>
-                </a:solidFill>
-                <a:latin typeface="Calibri" charset="0"/>
-              </a:endParaRPr>
-            </a:p>
-            <a:p>
-              <a:pPr marL="742950" indent="-742950">
-                <a:buFont typeface="Wingdings" charset="2"/>
-                <a:buChar char="§"/>
-                <a:defRPr/>
-              </a:pPr>
-              <a:r>
-                <a:rPr lang="en-US" sz="3200" dirty="0">
-                  <a:solidFill>
-                    <a:schemeClr val="tx1"/>
-                  </a:solidFill>
-                  <a:latin typeface="Calibri" charset="0"/>
-                </a:rPr>
-                <a:t>Current approach leads to “brittle” </a:t>
-              </a:r>
-              <a:r>
-                <a:rPr lang="en-US" sz="3200" dirty="0" smtClean="0">
-                  <a:solidFill>
-                    <a:schemeClr val="tx1"/>
-                  </a:solidFill>
-                  <a:latin typeface="Calibri" charset="0"/>
-                </a:rPr>
-                <a:t>systems.</a:t>
-              </a:r>
-              <a:endParaRPr lang="en-US" sz="3200" dirty="0">
-                <a:solidFill>
-                  <a:schemeClr val="tx1"/>
-                </a:solidFill>
-                <a:latin typeface="Calibri" charset="0"/>
-              </a:endParaRPr>
-            </a:p>
-            <a:p>
-              <a:pPr marL="1200150" lvl="1" indent="-742950">
-                <a:buFont typeface="Wingdings" charset="2"/>
-                <a:buChar char="§"/>
-                <a:defRPr/>
-              </a:pPr>
-              <a:r>
-                <a:rPr lang="en-US" sz="2800" dirty="0">
-                  <a:solidFill>
-                    <a:schemeClr val="tx1"/>
-                  </a:solidFill>
-                  <a:latin typeface="Calibri" charset="0"/>
-                </a:rPr>
-                <a:t>Deployments with multi-generation devices</a:t>
-              </a:r>
-            </a:p>
-            <a:p>
-              <a:pPr marL="1200150" lvl="1" indent="-742950">
-                <a:buFont typeface="Wingdings" charset="2"/>
-                <a:buChar char="§"/>
-                <a:defRPr/>
-              </a:pPr>
-              <a:r>
-                <a:rPr lang="en-US" sz="2800" dirty="0">
-                  <a:solidFill>
-                    <a:schemeClr val="tx1"/>
-                  </a:solidFill>
-                  <a:latin typeface="Calibri" charset="0"/>
-                </a:rPr>
-                <a:t>Multiple scenarios with different mobility </a:t>
-              </a:r>
-              <a:r>
-                <a:rPr lang="en-US" sz="2800" dirty="0" smtClean="0">
-                  <a:solidFill>
-                    <a:schemeClr val="tx1"/>
-                  </a:solidFill>
-                  <a:latin typeface="Calibri" charset="0"/>
-                </a:rPr>
-                <a:t>capabilities</a:t>
-              </a:r>
-            </a:p>
-            <a:p>
-              <a:pPr marL="742950" indent="-742950">
-                <a:buFont typeface="Wingdings" charset="2"/>
-                <a:buChar char="§"/>
-                <a:defRPr/>
-              </a:pPr>
-              <a:endParaRPr lang="en-US" sz="2800" dirty="0" smtClean="0">
-                <a:solidFill>
-                  <a:schemeClr val="tx1"/>
-                </a:solidFill>
-                <a:latin typeface="Calibri" charset="0"/>
-              </a:endParaRPr>
-            </a:p>
-            <a:p>
-              <a:pPr marL="742950" indent="-742950">
-                <a:buFont typeface="+mj-lt"/>
-                <a:buAutoNum type="arabicPeriod"/>
-                <a:defRPr/>
-              </a:pPr>
-              <a:r>
-                <a:rPr lang="en-US" sz="2800" dirty="0" smtClean="0">
-                  <a:solidFill>
-                    <a:schemeClr val="tx1"/>
-                  </a:solidFill>
-                  <a:latin typeface="Calibri" charset="0"/>
-                </a:rPr>
-                <a:t>How to meet performance and accuracy goals while managing power and other scarce resources?</a:t>
-              </a:r>
-            </a:p>
-            <a:p>
-              <a:pPr marL="742950" indent="-742950">
-                <a:buAutoNum type="arabicPeriod"/>
-                <a:defRPr/>
-              </a:pPr>
-              <a:r>
-                <a:rPr lang="en-US" sz="2800" dirty="0" smtClean="0">
-                  <a:solidFill>
-                    <a:schemeClr val="tx1"/>
-                  </a:solidFill>
-                  <a:latin typeface="Calibri" charset="0"/>
-                </a:rPr>
-                <a:t>How to select which devices to use?  From a static or dynamic pool of resources.</a:t>
-              </a:r>
-            </a:p>
-            <a:p>
-              <a:pPr marL="742950" indent="-742950">
-                <a:buFont typeface="+mj-lt"/>
-                <a:buAutoNum type="arabicPeriod"/>
-                <a:defRPr/>
-              </a:pPr>
-              <a:r>
-                <a:rPr lang="en-US" sz="2800" dirty="0" smtClean="0">
-                  <a:solidFill>
-                    <a:schemeClr val="tx1"/>
-                  </a:solidFill>
-                  <a:latin typeface="Calibri" charset="0"/>
-                </a:rPr>
-                <a:t>How to support dynamic adaptivity within a single deployment? How to support portable operation across different deployments?</a:t>
-              </a:r>
-            </a:p>
-            <a:p>
-              <a:pPr marL="1200150" lvl="1" indent="-742950">
-                <a:buFont typeface="Wingdings" charset="2"/>
-                <a:buChar char="§"/>
-                <a:defRPr/>
-              </a:pPr>
-              <a:endParaRPr lang="en-US" sz="2800" dirty="0" smtClean="0">
+              <a:endParaRPr lang="en-US" sz="2800" b="0" dirty="0" smtClean="0">
                 <a:solidFill>
                   <a:schemeClr val="tx1"/>
                 </a:solidFill>
@@ -5811,7 +2719,7 @@
           <p:spPr>
             <a:xfrm>
               <a:off x="990600" y="3962400"/>
-              <a:ext cx="9601200" cy="685584"/>
+              <a:ext cx="9601200" cy="351476"/>
             </a:xfrm>
             <a:prstGeom prst="rect">
               <a:avLst/>
@@ -5850,7 +2758,7 @@
             <a:lstStyle/>
             <a:p>
               <a:r>
-                <a:rPr lang="en-US" sz="4000" dirty="0" smtClean="0">
+                <a:rPr lang="en-US" sz="4000" b="0" dirty="0" smtClean="0">
                   <a:solidFill>
                     <a:srgbClr val="FFFFFF"/>
                   </a:solidFill>
@@ -5858,9 +2766,9 @@
                   <a:ea typeface="ＭＳ Ｐゴシック" charset="-128"/>
                   <a:cs typeface="ＭＳ Ｐゴシック" charset="-128"/>
                 </a:rPr>
-                <a:t>Prior Approaches</a:t>
+                <a:t>Related Work</a:t>
               </a:r>
-              <a:endParaRPr lang="en-US" sz="4400" dirty="0">
+              <a:endParaRPr lang="en-US" sz="4400" b="0" dirty="0">
                 <a:solidFill>
                   <a:srgbClr val="FFFFFF"/>
                 </a:solidFill>
@@ -5880,16 +2788,16 @@
           </p:cNvGrpSpPr>
           <p:nvPr>
             <p:custDataLst>
-              <p:tags r:id="rId10"/>
+              <p:tags r:id="rId9"/>
             </p:custDataLst>
           </p:nvPr>
         </p:nvGrpSpPr>
         <p:grpSpPr bwMode="auto">
           <a:xfrm>
-            <a:off x="12268200" y="21488400"/>
-            <a:ext cx="12039600" cy="5334000"/>
-            <a:chOff x="990600" y="3962400"/>
-            <a:chExt cx="9601201" cy="4185638"/>
+            <a:off x="24765000" y="19040139"/>
+            <a:ext cx="11125200" cy="1687731"/>
+            <a:chOff x="990600" y="2773208"/>
+            <a:chExt cx="9601201" cy="5374830"/>
           </a:xfrm>
         </p:grpSpPr>
         <p:sp>
@@ -5941,114 +2849,17 @@
                 <a:defRPr/>
               </a:pPr>
               <a:r>
-                <a:rPr lang="en-US" sz="3200" dirty="0" smtClean="0">
+                <a:rPr lang="en-US" sz="2800" b="0" dirty="0" smtClean="0">
                   <a:solidFill>
                     <a:schemeClr val="tx1"/>
                   </a:solidFill>
-                  <a:latin typeface="Calibri" charset="0"/>
+                  <a:latin typeface="Helvetica Neue" charset="0"/>
+                  <a:ea typeface="Helvetica Neue" charset="0"/>
+                  <a:cs typeface="Helvetica Neue" charset="0"/>
                   <a:sym typeface="Wingdings" charset="2"/>
                 </a:rPr>
-                <a:t>Integrate WiFi offloading with mobility prediction</a:t>
+                <a:t>Combine the two approaches?</a:t>
               </a:r>
-            </a:p>
-            <a:p>
-              <a:pPr marL="742950" indent="-742950">
-                <a:buFont typeface="Wingdings" charset="2"/>
-                <a:buChar char="§"/>
-                <a:defRPr/>
-              </a:pPr>
-              <a:r>
-                <a:rPr lang="en-US" sz="3200" dirty="0" smtClean="0">
-                  <a:solidFill>
-                    <a:schemeClr val="tx1"/>
-                  </a:solidFill>
-                  <a:latin typeface="Calibri" charset="0"/>
-                  <a:sym typeface="Wingdings" charset="2"/>
-                </a:rPr>
-                <a:t>Broaden mapping problems from two-node offload to multi-node offload</a:t>
-              </a:r>
-            </a:p>
-            <a:p>
-              <a:pPr marL="742950" indent="-742950">
-                <a:buFont typeface="Wingdings" charset="2"/>
-                <a:buChar char="§"/>
-                <a:defRPr/>
-              </a:pPr>
-              <a:r>
-                <a:rPr lang="en-US" sz="3200" dirty="0" smtClean="0">
-                  <a:solidFill>
-                    <a:schemeClr val="tx1"/>
-                  </a:solidFill>
-                  <a:latin typeface="Calibri" charset="0"/>
-                  <a:sym typeface="Wingdings" charset="2"/>
-                </a:rPr>
-                <a:t>Explore use of virtualization for mobile migration</a:t>
-              </a:r>
-            </a:p>
-            <a:p>
-              <a:pPr marL="742950" indent="-742950">
-                <a:buFont typeface="Wingdings" charset="2"/>
-                <a:buChar char="§"/>
-                <a:defRPr/>
-              </a:pPr>
-              <a:r>
-                <a:rPr lang="en-US" sz="3200" dirty="0" smtClean="0">
-                  <a:solidFill>
-                    <a:schemeClr val="tx1"/>
-                  </a:solidFill>
-                  <a:latin typeface="Calibri" charset="0"/>
-                  <a:sym typeface="Wingdings" charset="2"/>
-                </a:rPr>
-                <a:t>Apply programming flow and dynamic adaptation to real-word applications: </a:t>
-              </a:r>
-            </a:p>
-            <a:p>
-              <a:pPr marL="1200150" lvl="1" indent="-742950">
-                <a:buFont typeface="Wingdings" charset="2"/>
-                <a:buChar char="§"/>
-                <a:defRPr/>
-              </a:pPr>
-              <a:r>
-                <a:rPr lang="en-US" sz="3200" dirty="0" smtClean="0">
-                  <a:solidFill>
-                    <a:schemeClr val="tx1"/>
-                  </a:solidFill>
-                  <a:latin typeface="Calibri" charset="0"/>
-                  <a:sym typeface="Wingdings" charset="2"/>
-                </a:rPr>
-                <a:t>First responder support</a:t>
-              </a:r>
-            </a:p>
-            <a:p>
-              <a:pPr marL="1200150" lvl="1" indent="-742950">
-                <a:buFont typeface="Wingdings" charset="2"/>
-                <a:buChar char="§"/>
-                <a:defRPr/>
-              </a:pPr>
-              <a:r>
-                <a:rPr lang="en-US" sz="3200" dirty="0" smtClean="0">
-                  <a:solidFill>
-                    <a:schemeClr val="tx1"/>
-                  </a:solidFill>
-                  <a:latin typeface="Calibri" charset="0"/>
-                  <a:sym typeface="Wingdings" charset="2"/>
-                </a:rPr>
-                <a:t>Regional automotive traffic management</a:t>
-              </a:r>
-            </a:p>
-            <a:p>
-              <a:pPr marL="742950" indent="-742950">
-                <a:buFont typeface="Wingdings" charset="2"/>
-                <a:buChar char="§"/>
-                <a:defRPr/>
-              </a:pPr>
-              <a:endParaRPr lang="en-US" sz="2600" dirty="0" smtClean="0">
-                <a:solidFill>
-                  <a:schemeClr val="tx1"/>
-                </a:solidFill>
-                <a:latin typeface="Calibri" charset="0"/>
-                <a:sym typeface="Wingdings" charset="2"/>
-              </a:endParaRPr>
             </a:p>
           </p:txBody>
         </p:sp>
@@ -6060,8 +2871,8 @@
           </p:nvSpPr>
           <p:spPr>
             <a:xfrm>
-              <a:off x="990600" y="3962400"/>
-              <a:ext cx="9601201" cy="686874"/>
+              <a:off x="990600" y="2773208"/>
+              <a:ext cx="9601201" cy="1889907"/>
             </a:xfrm>
             <a:prstGeom prst="rect">
               <a:avLst/>
@@ -6100,380 +2911,28 @@
             <a:lstStyle/>
             <a:p>
               <a:r>
-                <a:rPr lang="en-US" sz="4000" dirty="0" smtClean="0">
+                <a:rPr lang="en-US" sz="4000" b="0" dirty="0" smtClean="0">
                   <a:solidFill>
                     <a:srgbClr val="FFFFFF"/>
                   </a:solidFill>
-                  <a:latin typeface="Calibri" charset="0"/>
-                  <a:ea typeface="ＭＳ Ｐゴシック" charset="-128"/>
-                  <a:cs typeface="ＭＳ Ｐゴシック" charset="-128"/>
+                  <a:latin typeface="Helvetica Neue" charset="0"/>
+                  <a:ea typeface="Helvetica Neue" charset="0"/>
+                  <a:cs typeface="Helvetica Neue" charset="0"/>
                 </a:rPr>
                 <a:t>Project Future Work</a:t>
               </a:r>
-              <a:endParaRPr lang="en-US" sz="4400" dirty="0">
+              <a:endParaRPr lang="en-US" sz="4400" b="0" dirty="0">
                 <a:solidFill>
                   <a:srgbClr val="FFFFFF"/>
                 </a:solidFill>
-                <a:latin typeface="Calibri" charset="0"/>
-                <a:ea typeface="ＭＳ Ｐゴシック" charset="-128"/>
-                <a:cs typeface="ＭＳ Ｐゴシック" charset="-128"/>
+                <a:latin typeface="Helvetica Neue" charset="0"/>
+                <a:ea typeface="Helvetica Neue" charset="0"/>
+                <a:cs typeface="Helvetica Neue" charset="0"/>
               </a:endParaRPr>
             </a:p>
           </p:txBody>
         </p:sp>
       </p:grpSp>
-      <p:pic>
-        <p:nvPicPr>
-          <p:cNvPr id="117" name="Picture 116" descr="dailyrange.eps"/>
-          <p:cNvPicPr>
-            <a:picLocks noChangeAspect="1"/>
-          </p:cNvPicPr>
-          <p:nvPr/>
-        </p:nvPicPr>
-        <p:blipFill>
-          <a:blip r:embed="rId23"/>
-          <a:stretch>
-            <a:fillRect/>
-          </a:stretch>
-        </p:blipFill>
-        <p:spPr>
-          <a:xfrm rot="5400000">
-            <a:off x="31501080" y="6349915"/>
-            <a:ext cx="2941320" cy="5135880"/>
-          </a:xfrm>
-          <a:prstGeom prst="rect">
-            <a:avLst/>
-          </a:prstGeom>
-        </p:spPr>
-      </p:pic>
-      <p:pic>
-        <p:nvPicPr>
-          <p:cNvPr id="118" name="Picture 117"/>
-          <p:cNvPicPr>
-            <a:picLocks noChangeAspect="1"/>
-          </p:cNvPicPr>
-          <p:nvPr/>
-        </p:nvPicPr>
-        <p:blipFill>
-          <a:blip r:embed="rId24"/>
-          <a:stretch>
-            <a:fillRect/>
-          </a:stretch>
-        </p:blipFill>
-        <p:spPr>
-          <a:xfrm>
-            <a:off x="24993600" y="7416715"/>
-            <a:ext cx="5582920" cy="3324860"/>
-          </a:xfrm>
-          <a:prstGeom prst="rect">
-            <a:avLst/>
-          </a:prstGeom>
-        </p:spPr>
-      </p:pic>
-      <p:graphicFrame>
-        <p:nvGraphicFramePr>
-          <p:cNvPr id="4098" name="Object 2"/>
-          <p:cNvGraphicFramePr>
-            <a:graphicFrameLocks noChangeAspect="1"/>
-          </p:cNvGraphicFramePr>
-          <p:nvPr>
-            <p:extLst>
-              <p:ext uri="{D42A27DB-BD31-4B8C-83A1-F6EECF244321}">
-                <p14:modId xmlns:p14="http://schemas.microsoft.com/office/powerpoint/2010/main" val="760829161"/>
-              </p:ext>
-            </p:extLst>
-          </p:nvPr>
-        </p:nvGraphicFramePr>
-        <p:xfrm>
-          <a:off x="26838275" y="16065500"/>
-          <a:ext cx="7346950" cy="4241800"/>
-        </p:xfrm>
-        <a:graphic>
-          <a:graphicData uri="http://schemas.openxmlformats.org/presentationml/2006/ole">
-            <mc:AlternateContent xmlns:mc="http://schemas.openxmlformats.org/markup-compatibility/2006">
-              <mc:Choice xmlns:v="urn:schemas-microsoft-com:vml" Requires="v">
-                <p:oleObj spid="_x0000_s4136" name="Equation" r:id="rId25" imgW="4927600" imgH="2844800" progId="Equation.3">
-                  <p:embed/>
-                </p:oleObj>
-              </mc:Choice>
-              <mc:Fallback>
-                <p:oleObj name="Equation" r:id="rId25" imgW="4927600" imgH="2844800" progId="Equation.3">
-                  <p:embed/>
-                  <p:pic>
-                    <p:nvPicPr>
-                      <p:cNvPr id="0" name="Picture 35"/>
-                      <p:cNvPicPr>
-                        <a:picLocks noChangeAspect="1" noChangeArrowheads="1"/>
-                      </p:cNvPicPr>
-                      <p:nvPr/>
-                    </p:nvPicPr>
-                    <p:blipFill>
-                      <a:blip r:embed="rId26">
-                        <a:extLst>
-                          <a:ext uri="{28A0092B-C50C-407E-A947-70E740481C1C}">
-                            <a14:useLocalDpi xmlns:a14="http://schemas.microsoft.com/office/drawing/2010/main" val="0"/>
-                          </a:ext>
-                        </a:extLst>
-                      </a:blip>
-                      <a:srcRect/>
-                      <a:stretch>
-                        <a:fillRect/>
-                      </a:stretch>
-                    </p:blipFill>
-                    <p:spPr bwMode="auto">
-                      <a:xfrm>
-                        <a:off x="26838275" y="16065500"/>
-                        <a:ext cx="7346950" cy="4241800"/>
-                      </a:xfrm>
-                      <a:prstGeom prst="rect">
-                        <a:avLst/>
-                      </a:prstGeom>
-                      <a:noFill/>
-                      <a:extLst>
-                        <a:ext uri="{909E8E84-426E-40DD-AFC4-6F175D3DCCD1}">
-                          <a14:hiddenFill xmlns:a14="http://schemas.microsoft.com/office/drawing/2010/main">
-                            <a:solidFill>
-                              <a:srgbClr val="FFFFFF"/>
-                            </a:solidFill>
-                          </a14:hiddenFill>
-                        </a:ext>
-                      </a:extLst>
-                    </p:spPr>
-                  </p:pic>
-                </p:oleObj>
-              </mc:Fallback>
-            </mc:AlternateContent>
-          </a:graphicData>
-        </a:graphic>
-      </p:graphicFrame>
-      <p:graphicFrame>
-        <p:nvGraphicFramePr>
-          <p:cNvPr id="4099" name="Object 3"/>
-          <p:cNvGraphicFramePr>
-            <a:graphicFrameLocks noChangeAspect="1"/>
-          </p:cNvGraphicFramePr>
-          <p:nvPr>
-            <p:extLst>
-              <p:ext uri="{D42A27DB-BD31-4B8C-83A1-F6EECF244321}">
-                <p14:modId xmlns:p14="http://schemas.microsoft.com/office/powerpoint/2010/main" val="3649919258"/>
-              </p:ext>
-            </p:extLst>
-          </p:nvPr>
-        </p:nvGraphicFramePr>
-        <p:xfrm>
-          <a:off x="25450800" y="16151677"/>
-          <a:ext cx="982663" cy="333375"/>
-        </p:xfrm>
-        <a:graphic>
-          <a:graphicData uri="http://schemas.openxmlformats.org/presentationml/2006/ole">
-            <mc:AlternateContent xmlns:mc="http://schemas.openxmlformats.org/markup-compatibility/2006">
-              <mc:Choice xmlns:v="urn:schemas-microsoft-com:vml" Requires="v">
-                <p:oleObj spid="_x0000_s4137" name="Equation" r:id="rId27" imgW="622300" imgH="177800" progId="Equation.3">
-                  <p:embed/>
-                </p:oleObj>
-              </mc:Choice>
-              <mc:Fallback>
-                <p:oleObj name="Equation" r:id="rId27" imgW="622300" imgH="177800" progId="Equation.3">
-                  <p:embed/>
-                  <p:pic>
-                    <p:nvPicPr>
-                      <p:cNvPr id="0" name="Picture 36"/>
-                      <p:cNvPicPr>
-                        <a:picLocks noChangeAspect="1" noChangeArrowheads="1"/>
-                      </p:cNvPicPr>
-                      <p:nvPr/>
-                    </p:nvPicPr>
-                    <p:blipFill>
-                      <a:blip r:embed="rId28">
-                        <a:extLst>
-                          <a:ext uri="{28A0092B-C50C-407E-A947-70E740481C1C}">
-                            <a14:useLocalDpi xmlns:a14="http://schemas.microsoft.com/office/drawing/2010/main" val="0"/>
-                          </a:ext>
-                        </a:extLst>
-                      </a:blip>
-                      <a:srcRect/>
-                      <a:stretch>
-                        <a:fillRect/>
-                      </a:stretch>
-                    </p:blipFill>
-                    <p:spPr bwMode="auto">
-                      <a:xfrm>
-                        <a:off x="25450800" y="16151677"/>
-                        <a:ext cx="982663" cy="333375"/>
-                      </a:xfrm>
-                      <a:prstGeom prst="rect">
-                        <a:avLst/>
-                      </a:prstGeom>
-                      <a:noFill/>
-                      <a:extLst>
-                        <a:ext uri="{909E8E84-426E-40DD-AFC4-6F175D3DCCD1}">
-                          <a14:hiddenFill xmlns:a14="http://schemas.microsoft.com/office/drawing/2010/main">
-                            <a:solidFill>
-                              <a:srgbClr val="FFFFFF"/>
-                            </a:solidFill>
-                          </a14:hiddenFill>
-                        </a:ext>
-                      </a:extLst>
-                    </p:spPr>
-                  </p:pic>
-                </p:oleObj>
-              </mc:Fallback>
-            </mc:AlternateContent>
-          </a:graphicData>
-        </a:graphic>
-      </p:graphicFrame>
-      <p:graphicFrame>
-        <p:nvGraphicFramePr>
-          <p:cNvPr id="4100" name="Object 4"/>
-          <p:cNvGraphicFramePr>
-            <a:graphicFrameLocks noChangeAspect="1"/>
-          </p:cNvGraphicFramePr>
-          <p:nvPr>
-            <p:extLst>
-              <p:ext uri="{D42A27DB-BD31-4B8C-83A1-F6EECF244321}">
-                <p14:modId xmlns:p14="http://schemas.microsoft.com/office/powerpoint/2010/main" val="1919146590"/>
-              </p:ext>
-            </p:extLst>
-          </p:nvPr>
-        </p:nvGraphicFramePr>
-        <p:xfrm>
-          <a:off x="25450800" y="16685077"/>
-          <a:ext cx="1214438" cy="1741488"/>
-        </p:xfrm>
-        <a:graphic>
-          <a:graphicData uri="http://schemas.openxmlformats.org/presentationml/2006/ole">
-            <mc:AlternateContent xmlns:mc="http://schemas.openxmlformats.org/markup-compatibility/2006">
-              <mc:Choice xmlns:v="urn:schemas-microsoft-com:vml" Requires="v">
-                <p:oleObj spid="_x0000_s4138" name="Equation" r:id="rId29" imgW="762000" imgH="1092200" progId="Equation.3">
-                  <p:embed/>
-                </p:oleObj>
-              </mc:Choice>
-              <mc:Fallback>
-                <p:oleObj name="Equation" r:id="rId29" imgW="762000" imgH="1092200" progId="Equation.3">
-                  <p:embed/>
-                  <p:pic>
-                    <p:nvPicPr>
-                      <p:cNvPr id="0" name="Picture 37"/>
-                      <p:cNvPicPr>
-                        <a:picLocks noChangeAspect="1" noChangeArrowheads="1"/>
-                      </p:cNvPicPr>
-                      <p:nvPr/>
-                    </p:nvPicPr>
-                    <p:blipFill>
-                      <a:blip r:embed="rId30">
-                        <a:extLst>
-                          <a:ext uri="{28A0092B-C50C-407E-A947-70E740481C1C}">
-                            <a14:useLocalDpi xmlns:a14="http://schemas.microsoft.com/office/drawing/2010/main" val="0"/>
-                          </a:ext>
-                        </a:extLst>
-                      </a:blip>
-                      <a:srcRect/>
-                      <a:stretch>
-                        <a:fillRect/>
-                      </a:stretch>
-                    </p:blipFill>
-                    <p:spPr bwMode="auto">
-                      <a:xfrm>
-                        <a:off x="25450800" y="16685077"/>
-                        <a:ext cx="1214438" cy="1741488"/>
-                      </a:xfrm>
-                      <a:prstGeom prst="rect">
-                        <a:avLst/>
-                      </a:prstGeom>
-                      <a:noFill/>
-                      <a:extLst>
-                        <a:ext uri="{909E8E84-426E-40DD-AFC4-6F175D3DCCD1}">
-                          <a14:hiddenFill xmlns:a14="http://schemas.microsoft.com/office/drawing/2010/main">
-                            <a:solidFill>
-                              <a:srgbClr val="FFFFFF"/>
-                            </a:solidFill>
-                          </a14:hiddenFill>
-                        </a:ext>
-                      </a:extLst>
-                    </p:spPr>
-                  </p:pic>
-                </p:oleObj>
-              </mc:Fallback>
-            </mc:AlternateContent>
-          </a:graphicData>
-        </a:graphic>
-      </p:graphicFrame>
-      <p:graphicFrame>
-        <p:nvGraphicFramePr>
-          <p:cNvPr id="4101" name="Object 5"/>
-          <p:cNvGraphicFramePr>
-            <a:graphicFrameLocks noChangeAspect="1"/>
-          </p:cNvGraphicFramePr>
-          <p:nvPr>
-            <p:extLst>
-              <p:ext uri="{D42A27DB-BD31-4B8C-83A1-F6EECF244321}">
-                <p14:modId xmlns:p14="http://schemas.microsoft.com/office/powerpoint/2010/main" val="1480771030"/>
-              </p:ext>
-            </p:extLst>
-          </p:nvPr>
-        </p:nvGraphicFramePr>
-        <p:xfrm>
-          <a:off x="25469850" y="18666277"/>
-          <a:ext cx="1174750" cy="1357313"/>
-        </p:xfrm>
-        <a:graphic>
-          <a:graphicData uri="http://schemas.openxmlformats.org/presentationml/2006/ole">
-            <mc:AlternateContent xmlns:mc="http://schemas.openxmlformats.org/markup-compatibility/2006">
-              <mc:Choice xmlns:v="urn:schemas-microsoft-com:vml" Requires="v">
-                <p:oleObj spid="_x0000_s4139" name="Equation" r:id="rId31" imgW="736600" imgH="850900" progId="Equation.3">
-                  <p:embed/>
-                </p:oleObj>
-              </mc:Choice>
-              <mc:Fallback>
-                <p:oleObj name="Equation" r:id="rId31" imgW="736600" imgH="850900" progId="Equation.3">
-                  <p:embed/>
-                  <p:pic>
-                    <p:nvPicPr>
-                      <p:cNvPr id="0" name="Picture 38"/>
-                      <p:cNvPicPr>
-                        <a:picLocks noChangeAspect="1" noChangeArrowheads="1"/>
-                      </p:cNvPicPr>
-                      <p:nvPr/>
-                    </p:nvPicPr>
-                    <p:blipFill>
-                      <a:blip r:embed="rId32">
-                        <a:extLst>
-                          <a:ext uri="{28A0092B-C50C-407E-A947-70E740481C1C}">
-                            <a14:useLocalDpi xmlns:a14="http://schemas.microsoft.com/office/drawing/2010/main" val="0"/>
-                          </a:ext>
-                        </a:extLst>
-                      </a:blip>
-                      <a:srcRect/>
-                      <a:stretch>
-                        <a:fillRect/>
-                      </a:stretch>
-                    </p:blipFill>
-                    <p:spPr bwMode="auto">
-                      <a:xfrm>
-                        <a:off x="25469850" y="18666277"/>
-                        <a:ext cx="1174750" cy="1357313"/>
-                      </a:xfrm>
-                      <a:prstGeom prst="rect">
-                        <a:avLst/>
-                      </a:prstGeom>
-                      <a:noFill/>
-                      <a:extLst>
-                        <a:ext uri="{909E8E84-426E-40DD-AFC4-6F175D3DCCD1}">
-                          <a14:hiddenFill xmlns:a14="http://schemas.microsoft.com/office/drawing/2010/main">
-                            <a:solidFill>
-                              <a:srgbClr val="FFFFFF"/>
-                            </a:solidFill>
-                          </a14:hiddenFill>
-                        </a:ext>
-                      </a:extLst>
-                    </p:spPr>
-                  </p:pic>
-                </p:oleObj>
-              </mc:Fallback>
-            </mc:AlternateContent>
-          </a:graphicData>
-        </a:graphic>
-      </p:graphicFrame>
       <p:grpSp>
         <p:nvGrpSpPr>
           <p:cNvPr id="120" name="Group 24"/>
@@ -6482,7 +2941,7 @@
           </p:cNvGrpSpPr>
           <p:nvPr>
             <p:custDataLst>
-              <p:tags r:id="rId11"/>
+              <p:tags r:id="rId10"/>
             </p:custDataLst>
           </p:nvPr>
         </p:nvGrpSpPr>
@@ -6543,14 +3002,494 @@
                 <a:defRPr/>
               </a:pPr>
               <a:r>
-                <a:rPr lang="en-US" sz="2800" b="0" dirty="0" smtClean="0">
+                <a:rPr lang="en-US" sz="2600" b="0" dirty="0" err="1" smtClean="0">
                   <a:solidFill>
                     <a:schemeClr val="tx1"/>
                   </a:solidFill>
-                  <a:latin typeface="Calibri" charset="0"/>
-                  <a:sym typeface="Wingdings" charset="2"/>
+                  <a:latin typeface="Helvetica Neue" charset="0"/>
+                  <a:ea typeface="Helvetica Neue" charset="0"/>
+                  <a:cs typeface="Helvetica Neue" charset="0"/>
                 </a:rPr>
-                <a:t>Sibren Isaacman et al. Human Mobility Modeling via Synthetic Call Detail Records." 10th Intl. Conf. on Mobile System, Applications, and Services (MobiSys 2012)</a:t>
+                <a:t>K.Chaudhuri</a:t>
+              </a:r>
+              <a:r>
+                <a:rPr lang="en-US" sz="2600" b="0" dirty="0" smtClean="0">
+                  <a:solidFill>
+                    <a:schemeClr val="tx1"/>
+                  </a:solidFill>
+                  <a:latin typeface="Helvetica Neue" charset="0"/>
+                  <a:ea typeface="Helvetica Neue" charset="0"/>
+                  <a:cs typeface="Helvetica Neue" charset="0"/>
+                </a:rPr>
+                <a:t> </a:t>
+              </a:r>
+              <a:r>
+                <a:rPr lang="en-US" sz="2600" b="0" dirty="0">
+                  <a:solidFill>
+                    <a:schemeClr val="tx1"/>
+                  </a:solidFill>
+                  <a:latin typeface="Helvetica Neue" charset="0"/>
+                  <a:ea typeface="Helvetica Neue" charset="0"/>
+                  <a:cs typeface="Helvetica Neue" charset="0"/>
+                </a:rPr>
+                <a:t>et </a:t>
+              </a:r>
+              <a:r>
+                <a:rPr lang="en-US" sz="2600" b="0" dirty="0" err="1">
+                  <a:solidFill>
+                    <a:schemeClr val="tx1"/>
+                  </a:solidFill>
+                  <a:latin typeface="Helvetica Neue" charset="0"/>
+                  <a:ea typeface="Helvetica Neue" charset="0"/>
+                  <a:cs typeface="Helvetica Neue" charset="0"/>
+                </a:rPr>
+                <a:t>al.,“On</a:t>
+              </a:r>
+              <a:r>
+                <a:rPr lang="en-US" sz="2600" b="0" dirty="0">
+                  <a:solidFill>
+                    <a:schemeClr val="tx1"/>
+                  </a:solidFill>
+                  <a:latin typeface="Helvetica Neue" charset="0"/>
+                  <a:ea typeface="Helvetica Neue" charset="0"/>
+                  <a:cs typeface="Helvetica Neue" charset="0"/>
+                </a:rPr>
+                <a:t> the complexity of the game of set,” 2003. </a:t>
+              </a:r>
+              <a:endParaRPr lang="en-US" sz="2600" b="0" dirty="0">
+                <a:solidFill>
+                  <a:schemeClr val="tx1"/>
+                </a:solidFill>
+                <a:latin typeface="Helvetica Neue" charset="0"/>
+                <a:ea typeface="Helvetica Neue" charset="0"/>
+                <a:cs typeface="Helvetica Neue" charset="0"/>
+                <a:sym typeface="Wingdings" charset="2"/>
+              </a:endParaRPr>
+            </a:p>
+            <a:p>
+              <a:pPr marL="742950" indent="-742950">
+                <a:buFont typeface="Wingdings" charset="2"/>
+                <a:buChar char="§"/>
+                <a:defRPr/>
+              </a:pPr>
+              <a:r>
+                <a:rPr lang="en-US" sz="2600" b="0" dirty="0" smtClean="0">
+                  <a:solidFill>
+                    <a:schemeClr val="tx1"/>
+                  </a:solidFill>
+                  <a:latin typeface="Helvetica Neue" charset="0"/>
+                  <a:ea typeface="Helvetica Neue" charset="0"/>
+                  <a:cs typeface="Helvetica Neue" charset="0"/>
+                </a:rPr>
+                <a:t>L</a:t>
+              </a:r>
+              <a:r>
+                <a:rPr lang="en-US" sz="2600" b="0" dirty="0">
+                  <a:solidFill>
+                    <a:schemeClr val="tx1"/>
+                  </a:solidFill>
+                  <a:latin typeface="Helvetica Neue" charset="0"/>
+                  <a:ea typeface="Helvetica Neue" charset="0"/>
+                  <a:cs typeface="Helvetica Neue" charset="0"/>
+                </a:rPr>
+                <a:t>. De </a:t>
+              </a:r>
+              <a:r>
+                <a:rPr lang="en-US" sz="2600" b="0" dirty="0" err="1">
+                  <a:solidFill>
+                    <a:schemeClr val="tx1"/>
+                  </a:solidFill>
+                  <a:latin typeface="Helvetica Neue" charset="0"/>
+                  <a:ea typeface="Helvetica Neue" charset="0"/>
+                  <a:cs typeface="Helvetica Neue" charset="0"/>
+                </a:rPr>
+                <a:t>Moura</a:t>
+              </a:r>
+              <a:r>
+                <a:rPr lang="en-US" sz="2600" b="0" dirty="0">
+                  <a:solidFill>
+                    <a:schemeClr val="tx1"/>
+                  </a:solidFill>
+                  <a:latin typeface="Helvetica Neue" charset="0"/>
+                  <a:ea typeface="Helvetica Neue" charset="0"/>
+                  <a:cs typeface="Helvetica Neue" charset="0"/>
+                </a:rPr>
+                <a:t> and N. </a:t>
+              </a:r>
+              <a:r>
+                <a:rPr lang="en-US" sz="2600" b="0" dirty="0" err="1">
+                  <a:solidFill>
+                    <a:schemeClr val="tx1"/>
+                  </a:solidFill>
+                  <a:latin typeface="Helvetica Neue" charset="0"/>
+                  <a:ea typeface="Helvetica Neue" charset="0"/>
+                  <a:cs typeface="Helvetica Neue" charset="0"/>
+                </a:rPr>
+                <a:t>Bjørner</a:t>
+              </a:r>
+              <a:r>
+                <a:rPr lang="en-US" sz="2600" b="0" dirty="0">
+                  <a:solidFill>
+                    <a:schemeClr val="tx1"/>
+                  </a:solidFill>
+                  <a:latin typeface="Helvetica Neue" charset="0"/>
+                  <a:ea typeface="Helvetica Neue" charset="0"/>
+                  <a:cs typeface="Helvetica Neue" charset="0"/>
+                </a:rPr>
+                <a:t>, “</a:t>
+              </a:r>
+              <a:r>
+                <a:rPr lang="en-US" sz="2600" b="0" dirty="0" err="1">
+                  <a:solidFill>
+                    <a:schemeClr val="tx1"/>
+                  </a:solidFill>
+                  <a:latin typeface="Helvetica Neue" charset="0"/>
+                  <a:ea typeface="Helvetica Neue" charset="0"/>
+                  <a:cs typeface="Helvetica Neue" charset="0"/>
+                </a:rPr>
+                <a:t>Satisfiability</a:t>
+              </a:r>
+              <a:r>
+                <a:rPr lang="en-US" sz="2600" b="0" dirty="0">
+                  <a:solidFill>
+                    <a:schemeClr val="tx1"/>
+                  </a:solidFill>
+                  <a:latin typeface="Helvetica Neue" charset="0"/>
+                  <a:ea typeface="Helvetica Neue" charset="0"/>
+                  <a:cs typeface="Helvetica Neue" charset="0"/>
+                </a:rPr>
+                <a:t> modulo theories: Introduction and applications,” </a:t>
+              </a:r>
+              <a:r>
+                <a:rPr lang="en-US" sz="2600" b="0" dirty="0" err="1">
+                  <a:solidFill>
+                    <a:schemeClr val="tx1"/>
+                  </a:solidFill>
+                  <a:latin typeface="Helvetica Neue" charset="0"/>
+                  <a:ea typeface="Helvetica Neue" charset="0"/>
+                  <a:cs typeface="Helvetica Neue" charset="0"/>
+                </a:rPr>
+                <a:t>Commun</a:t>
+              </a:r>
+              <a:r>
+                <a:rPr lang="en-US" sz="2600" b="0" dirty="0">
+                  <a:solidFill>
+                    <a:schemeClr val="tx1"/>
+                  </a:solidFill>
+                  <a:latin typeface="Helvetica Neue" charset="0"/>
+                  <a:ea typeface="Helvetica Neue" charset="0"/>
+                  <a:cs typeface="Helvetica Neue" charset="0"/>
+                </a:rPr>
+                <a:t>. ACM, </a:t>
+              </a:r>
+              <a:r>
+                <a:rPr lang="en-US" sz="2600" b="0" dirty="0" smtClean="0">
+                  <a:solidFill>
+                    <a:schemeClr val="tx1"/>
+                  </a:solidFill>
+                  <a:latin typeface="Helvetica Neue" charset="0"/>
+                  <a:ea typeface="Helvetica Neue" charset="0"/>
+                  <a:cs typeface="Helvetica Neue" charset="0"/>
+                </a:rPr>
+                <a:t>vol</a:t>
+              </a:r>
+              <a:r>
+                <a:rPr lang="en-US" sz="2600" b="0" dirty="0">
+                  <a:solidFill>
+                    <a:schemeClr val="tx1"/>
+                  </a:solidFill>
+                  <a:latin typeface="Helvetica Neue" charset="0"/>
+                  <a:ea typeface="Helvetica Neue" charset="0"/>
+                  <a:cs typeface="Helvetica Neue" charset="0"/>
+                </a:rPr>
+                <a:t>. 54, no. 9, pp. 69–77, Sep. 2011. </a:t>
+              </a:r>
+              <a:endParaRPr lang="en-US" sz="2600" b="0" dirty="0" smtClean="0">
+                <a:solidFill>
+                  <a:schemeClr val="tx1"/>
+                </a:solidFill>
+                <a:latin typeface="Helvetica Neue" charset="0"/>
+                <a:ea typeface="Helvetica Neue" charset="0"/>
+                <a:cs typeface="Helvetica Neue" charset="0"/>
+              </a:endParaRPr>
+            </a:p>
+            <a:p>
+              <a:pPr marL="742950" indent="-742950">
+                <a:buFont typeface="Wingdings" charset="2"/>
+                <a:buChar char="§"/>
+                <a:defRPr/>
+              </a:pPr>
+              <a:r>
+                <a:rPr lang="en-US" sz="2600" b="0" dirty="0" smtClean="0">
+                  <a:solidFill>
+                    <a:schemeClr val="tx1"/>
+                  </a:solidFill>
+                  <a:latin typeface="Helvetica Neue" charset="0"/>
+                  <a:ea typeface="Helvetica Neue" charset="0"/>
+                  <a:cs typeface="Helvetica Neue" charset="0"/>
+                </a:rPr>
+                <a:t>S.Nolte</a:t>
+              </a:r>
+              <a:r>
+                <a:rPr lang="en-US" sz="2600" b="0" dirty="0">
+                  <a:solidFill>
+                    <a:schemeClr val="tx1"/>
+                  </a:solidFill>
+                  <a:latin typeface="Helvetica Neue" charset="0"/>
+                  <a:ea typeface="Helvetica Neue" charset="0"/>
+                  <a:cs typeface="Helvetica Neue" charset="0"/>
+                </a:rPr>
+                <a:t>,“</a:t>
+              </a:r>
+              <a:r>
+                <a:rPr lang="en-US" sz="2600" b="0" dirty="0" err="1" smtClean="0">
+                  <a:solidFill>
+                    <a:schemeClr val="tx1"/>
+                  </a:solidFill>
+                  <a:latin typeface="Helvetica Neue" charset="0"/>
+                  <a:ea typeface="Helvetica Neue" charset="0"/>
+                  <a:cs typeface="Helvetica Neue" charset="0"/>
+                </a:rPr>
+                <a:t>Javascript</a:t>
+              </a:r>
+              <a:r>
+                <a:rPr lang="en-US" sz="2600" b="0" dirty="0" smtClean="0">
+                  <a:solidFill>
+                    <a:schemeClr val="tx1"/>
+                  </a:solidFill>
+                  <a:latin typeface="Helvetica Neue" charset="0"/>
+                  <a:ea typeface="Helvetica Neue" charset="0"/>
+                  <a:cs typeface="Helvetica Neue" charset="0"/>
+                </a:rPr>
+                <a:t> set </a:t>
+              </a:r>
+              <a:r>
+                <a:rPr lang="en-US" sz="2600" b="0" dirty="0" err="1" smtClean="0">
+                  <a:solidFill>
+                    <a:schemeClr val="tx1"/>
+                  </a:solidFill>
+                  <a:latin typeface="Helvetica Neue" charset="0"/>
+                  <a:ea typeface="Helvetica Neue" charset="0"/>
+                  <a:cs typeface="Helvetica Neue" charset="0"/>
+                </a:rPr>
+                <a:t>gamesolver</a:t>
+              </a:r>
+              <a:r>
+                <a:rPr lang="en-US" sz="2600" b="0" dirty="0">
+                  <a:solidFill>
+                    <a:schemeClr val="tx1"/>
+                  </a:solidFill>
+                  <a:latin typeface="Helvetica Neue" charset="0"/>
+                  <a:ea typeface="Helvetica Neue" charset="0"/>
+                  <a:cs typeface="Helvetica Neue" charset="0"/>
+                </a:rPr>
+                <a:t>.” </a:t>
+              </a:r>
+              <a:endParaRPr lang="en-US" sz="2600" b="0" dirty="0" smtClean="0">
+                <a:solidFill>
+                  <a:schemeClr val="tx1"/>
+                </a:solidFill>
+                <a:latin typeface="Helvetica Neue" charset="0"/>
+                <a:ea typeface="Helvetica Neue" charset="0"/>
+                <a:cs typeface="Helvetica Neue" charset="0"/>
+              </a:endParaRPr>
+            </a:p>
+            <a:p>
+              <a:pPr marL="742950" indent="-742950">
+                <a:buFont typeface="Wingdings" charset="2"/>
+                <a:buChar char="§"/>
+                <a:defRPr/>
+              </a:pPr>
+              <a:r>
+                <a:rPr lang="en-US" sz="2600" b="0" dirty="0" smtClean="0">
+                  <a:solidFill>
+                    <a:schemeClr val="tx1"/>
+                  </a:solidFill>
+                  <a:latin typeface="Helvetica Neue" charset="0"/>
+                  <a:ea typeface="Helvetica Neue" charset="0"/>
+                  <a:cs typeface="Helvetica Neue" charset="0"/>
+                </a:rPr>
+                <a:t>P</a:t>
+              </a:r>
+              <a:r>
+                <a:rPr lang="en-US" sz="2600" b="0" dirty="0">
+                  <a:solidFill>
+                    <a:schemeClr val="tx1"/>
+                  </a:solidFill>
+                  <a:latin typeface="Helvetica Neue" charset="0"/>
+                  <a:ea typeface="Helvetica Neue" charset="0"/>
+                  <a:cs typeface="Helvetica Neue" charset="0"/>
+                </a:rPr>
+                <a:t>. </a:t>
+              </a:r>
+              <a:r>
+                <a:rPr lang="en-US" sz="2600" b="0" dirty="0" err="1">
+                  <a:solidFill>
+                    <a:schemeClr val="tx1"/>
+                  </a:solidFill>
+                  <a:latin typeface="Helvetica Neue" charset="0"/>
+                  <a:ea typeface="Helvetica Neue" charset="0"/>
+                  <a:cs typeface="Helvetica Neue" charset="0"/>
+                </a:rPr>
+                <a:t>Norvig</a:t>
+              </a:r>
+              <a:r>
+                <a:rPr lang="en-US" sz="2600" b="0" dirty="0">
+                  <a:solidFill>
+                    <a:schemeClr val="tx1"/>
+                  </a:solidFill>
+                  <a:latin typeface="Helvetica Neue" charset="0"/>
+                  <a:ea typeface="Helvetica Neue" charset="0"/>
+                  <a:cs typeface="Helvetica Neue" charset="0"/>
+                </a:rPr>
+                <a:t>, “The odds of finding a set in the card game </a:t>
+              </a:r>
+              <a:r>
+                <a:rPr lang="en-US" sz="2600" b="0" dirty="0" err="1">
+                  <a:solidFill>
+                    <a:schemeClr val="tx1"/>
+                  </a:solidFill>
+                  <a:latin typeface="Helvetica Neue" charset="0"/>
+                  <a:ea typeface="Helvetica Neue" charset="0"/>
+                  <a:cs typeface="Helvetica Neue" charset="0"/>
+                </a:rPr>
+                <a:t>set⃝R</a:t>
+              </a:r>
+              <a:r>
+                <a:rPr lang="en-US" sz="2600" b="0" dirty="0">
+                  <a:solidFill>
+                    <a:schemeClr val="tx1"/>
+                  </a:solidFill>
+                  <a:latin typeface="Helvetica Neue" charset="0"/>
+                  <a:ea typeface="Helvetica Neue" charset="0"/>
+                  <a:cs typeface="Helvetica Neue" charset="0"/>
+                </a:rPr>
+                <a:t> ,” 2017. </a:t>
+              </a:r>
+              <a:endParaRPr lang="en-US" sz="2600" b="0" dirty="0" smtClean="0">
+                <a:solidFill>
+                  <a:schemeClr val="tx1"/>
+                </a:solidFill>
+                <a:latin typeface="Helvetica Neue" charset="0"/>
+                <a:ea typeface="Helvetica Neue" charset="0"/>
+                <a:cs typeface="Helvetica Neue" charset="0"/>
+              </a:endParaRPr>
+            </a:p>
+            <a:p>
+              <a:pPr marL="742950" indent="-742950">
+                <a:buFont typeface="Wingdings" charset="2"/>
+                <a:buChar char="§"/>
+                <a:defRPr/>
+              </a:pPr>
+              <a:r>
+                <a:rPr lang="en-US" sz="2600" b="0" dirty="0" smtClean="0">
+                  <a:solidFill>
+                    <a:schemeClr val="tx1"/>
+                  </a:solidFill>
+                  <a:latin typeface="Helvetica Neue" charset="0"/>
+                  <a:ea typeface="Helvetica Neue" charset="0"/>
+                  <a:cs typeface="Helvetica Neue" charset="0"/>
+                </a:rPr>
+                <a:t>F</a:t>
+              </a:r>
+              <a:r>
+                <a:rPr lang="en-US" sz="2600" b="0" dirty="0">
+                  <a:solidFill>
+                    <a:schemeClr val="tx1"/>
+                  </a:solidFill>
+                  <a:latin typeface="Helvetica Neue" charset="0"/>
+                  <a:ea typeface="Helvetica Neue" charset="0"/>
+                  <a:cs typeface="Helvetica Neue" charset="0"/>
+                </a:rPr>
+                <a:t>. S. M. </a:t>
+              </a:r>
+              <a:r>
+                <a:rPr lang="en-US" sz="2600" b="0" dirty="0" err="1">
+                  <a:solidFill>
+                    <a:schemeClr val="tx1"/>
+                  </a:solidFill>
+                  <a:latin typeface="Helvetica Neue" charset="0"/>
+                  <a:ea typeface="Helvetica Neue" charset="0"/>
+                  <a:cs typeface="Helvetica Neue" charset="0"/>
+                </a:rPr>
+                <a:t>Jorquera</a:t>
+              </a:r>
+              <a:r>
+                <a:rPr lang="en-US" sz="2600" b="0" dirty="0">
+                  <a:solidFill>
+                    <a:schemeClr val="tx1"/>
+                  </a:solidFill>
+                  <a:latin typeface="Helvetica Neue" charset="0"/>
+                  <a:ea typeface="Helvetica Neue" charset="0"/>
+                  <a:cs typeface="Helvetica Neue" charset="0"/>
+                </a:rPr>
+                <a:t> and A. </a:t>
+              </a:r>
+              <a:r>
+                <a:rPr lang="en-US" sz="2600" b="0" dirty="0" err="1">
+                  <a:solidFill>
+                    <a:schemeClr val="tx1"/>
+                  </a:solidFill>
+                  <a:latin typeface="Helvetica Neue" charset="0"/>
+                  <a:ea typeface="Helvetica Neue" charset="0"/>
+                  <a:cs typeface="Helvetica Neue" charset="0"/>
+                </a:rPr>
+                <a:t>Legge</a:t>
+              </a:r>
+              <a:r>
+                <a:rPr lang="en-US" sz="2600" b="0" dirty="0">
+                  <a:solidFill>
+                    <a:schemeClr val="tx1"/>
+                  </a:solidFill>
+                  <a:latin typeface="Helvetica Neue" charset="0"/>
+                  <a:ea typeface="Helvetica Neue" charset="0"/>
+                  <a:cs typeface="Helvetica Neue" charset="0"/>
+                </a:rPr>
+                <a:t>, “</a:t>
+              </a:r>
+              <a:r>
+                <a:rPr lang="en-US" sz="2600" b="0" dirty="0" err="1">
+                  <a:solidFill>
+                    <a:schemeClr val="tx1"/>
+                  </a:solidFill>
+                  <a:latin typeface="Helvetica Neue" charset="0"/>
+                  <a:ea typeface="Helvetica Neue" charset="0"/>
+                  <a:cs typeface="Helvetica Neue" charset="0"/>
+                </a:rPr>
+                <a:t>Set⃝R</a:t>
+              </a:r>
+              <a:r>
+                <a:rPr lang="en-US" sz="2600" b="0" dirty="0">
+                  <a:solidFill>
+                    <a:schemeClr val="tx1"/>
+                  </a:solidFill>
+                  <a:latin typeface="Helvetica Neue" charset="0"/>
+                  <a:ea typeface="Helvetica Neue" charset="0"/>
+                  <a:cs typeface="Helvetica Neue" charset="0"/>
+                </a:rPr>
+                <a:t> card game solver using image processing techniques on smart-phone </a:t>
+              </a:r>
+              <a:r>
+                <a:rPr lang="en-US" sz="2600" b="0" dirty="0" smtClean="0">
+                  <a:solidFill>
+                    <a:schemeClr val="tx1"/>
+                  </a:solidFill>
+                  <a:latin typeface="Helvetica Neue" charset="0"/>
+                  <a:ea typeface="Helvetica Neue" charset="0"/>
+                  <a:cs typeface="Helvetica Neue" charset="0"/>
+                </a:rPr>
+                <a:t>photos</a:t>
+              </a:r>
+              <a:r>
+                <a:rPr lang="en-US" sz="2600" b="0" dirty="0">
+                  <a:solidFill>
+                    <a:schemeClr val="tx1"/>
+                  </a:solidFill>
+                  <a:latin typeface="Helvetica Neue" charset="0"/>
+                  <a:ea typeface="Helvetica Neue" charset="0"/>
+                  <a:cs typeface="Helvetica Neue" charset="0"/>
+                </a:rPr>
+                <a:t>,” 2013. </a:t>
               </a:r>
             </a:p>
             <a:p>
@@ -6560,14 +3499,59 @@
                 <a:defRPr/>
               </a:pPr>
               <a:r>
-                <a:rPr lang="en-US" sz="2800" b="0" dirty="0" smtClean="0">
+                <a:rPr lang="en-US" sz="2600" b="0" dirty="0">
                   <a:solidFill>
                     <a:schemeClr val="tx1"/>
                   </a:solidFill>
-                  <a:latin typeface="Calibri" charset="0"/>
-                  <a:sym typeface="Wingdings" charset="2"/>
+                  <a:latin typeface="Helvetica Neue" charset="0"/>
+                  <a:ea typeface="Helvetica Neue" charset="0"/>
+                  <a:cs typeface="Helvetica Neue" charset="0"/>
                 </a:rPr>
-                <a:t>Ozlem Bilgir Yetim and Margaret Martonosi. "Adaptive Usage of Cellular and WiFi Bandwidth: An Optimal Scheduling Formulation (Short Paper).” 7th ACM Intl. Workshop on Challenged Networks (CHANTS 2012)</a:t>
+                <a:t>S. </a:t>
+              </a:r>
+              <a:r>
+                <a:rPr lang="en-US" sz="2600" b="0" dirty="0" err="1">
+                  <a:solidFill>
+                    <a:schemeClr val="tx1"/>
+                  </a:solidFill>
+                  <a:latin typeface="Helvetica Neue" charset="0"/>
+                  <a:ea typeface="Helvetica Neue" charset="0"/>
+                  <a:cs typeface="Helvetica Neue" charset="0"/>
+                </a:rPr>
+                <a:t>Russel</a:t>
+              </a:r>
+              <a:r>
+                <a:rPr lang="en-US" sz="2600" b="0" dirty="0">
+                  <a:solidFill>
+                    <a:schemeClr val="tx1"/>
+                  </a:solidFill>
+                  <a:latin typeface="Helvetica Neue" charset="0"/>
+                  <a:ea typeface="Helvetica Neue" charset="0"/>
+                  <a:cs typeface="Helvetica Neue" charset="0"/>
+                </a:rPr>
+                <a:t> and P. </a:t>
+              </a:r>
+              <a:r>
+                <a:rPr lang="en-US" sz="2600" b="0" dirty="0" err="1">
+                  <a:solidFill>
+                    <a:schemeClr val="tx1"/>
+                  </a:solidFill>
+                  <a:latin typeface="Helvetica Neue" charset="0"/>
+                  <a:ea typeface="Helvetica Neue" charset="0"/>
+                  <a:cs typeface="Helvetica Neue" charset="0"/>
+                </a:rPr>
+                <a:t>Norvig</a:t>
+              </a:r>
+              <a:r>
+                <a:rPr lang="en-US" sz="2600" b="0" dirty="0">
+                  <a:solidFill>
+                    <a:schemeClr val="tx1"/>
+                  </a:solidFill>
+                  <a:latin typeface="Helvetica Neue" charset="0"/>
+                  <a:ea typeface="Helvetica Neue" charset="0"/>
+                  <a:cs typeface="Helvetica Neue" charset="0"/>
+                </a:rPr>
+                <a:t>, Artificial Intelligence: A Modern Approach, 2nd ed. Prentice Hall, 2002. </a:t>
               </a:r>
             </a:p>
             <a:p>
@@ -6576,38 +3560,13 @@
                 <a:buChar char="§"/>
                 <a:defRPr/>
               </a:pPr>
-              <a:r>
-                <a:rPr lang="en-US" sz="2800" b="0" dirty="0">
-                  <a:solidFill>
-                    <a:schemeClr val="tx1"/>
-                  </a:solidFill>
-                  <a:latin typeface="Calibri" charset="0"/>
-                  <a:sym typeface="Wingdings" charset="2"/>
-                </a:rPr>
-                <a:t>Frank Mokaya, Aveek Purohit, Pei Zhang, “Invited Paper: SensorFly: Flying Sensor Network for Indoor Situational Awareness in a Disaster”, The Wireless Personal Multimedia Communications Symposium (WPMC’12) Sep. </a:t>
-              </a:r>
-              <a:r>
-                <a:rPr lang="en-US" sz="2800" b="0" dirty="0" smtClean="0">
-                  <a:solidFill>
-                    <a:schemeClr val="tx1"/>
-                  </a:solidFill>
-                  <a:latin typeface="Calibri" charset="0"/>
-                  <a:sym typeface="Wingdings" charset="2"/>
-                </a:rPr>
-                <a:t>2012</a:t>
-              </a:r>
-            </a:p>
-            <a:p>
-              <a:pPr marL="742950" indent="-742950">
-                <a:buFont typeface="Wingdings" charset="2"/>
-                <a:buChar char="§"/>
-                <a:defRPr/>
-              </a:pPr>
-              <a:endParaRPr lang="en-US" sz="2600" dirty="0" smtClean="0">
+              <a:endParaRPr lang="en-US" sz="2600" b="0" dirty="0" smtClean="0">
                 <a:solidFill>
                   <a:schemeClr val="tx1"/>
                 </a:solidFill>
-                <a:latin typeface="Calibri" charset="0"/>
+                <a:latin typeface="Helvetica Neue" charset="0"/>
+                <a:ea typeface="Helvetica Neue" charset="0"/>
+                <a:cs typeface="Helvetica Neue" charset="0"/>
                 <a:sym typeface="Wingdings" charset="2"/>
               </a:endParaRPr>
             </a:p>
@@ -6661,23 +3620,23 @@
             <a:lstStyle/>
             <a:p>
               <a:r>
-                <a:rPr lang="en-US" sz="4000" dirty="0" smtClean="0">
+                <a:rPr lang="en-US" sz="4400" b="0" dirty="0" smtClean="0">
                   <a:solidFill>
                     <a:srgbClr val="FFFFFF"/>
                   </a:solidFill>
-                  <a:latin typeface="Calibri" charset="0"/>
-                  <a:ea typeface="ＭＳ Ｐゴシック" charset="-128"/>
-                  <a:cs typeface="ＭＳ Ｐゴシック" charset="-128"/>
+                  <a:latin typeface="Helvetica Neue" charset="0"/>
+                  <a:ea typeface="Helvetica Neue" charset="0"/>
+                  <a:cs typeface="Helvetica Neue" charset="0"/>
                 </a:rPr>
-                <a:t>Publications</a:t>
+                <a:t>References</a:t>
               </a:r>
-              <a:endParaRPr lang="en-US" sz="4400" dirty="0">
+              <a:endParaRPr lang="en-US" sz="4400" b="0" dirty="0">
                 <a:solidFill>
                   <a:srgbClr val="FFFFFF"/>
                 </a:solidFill>
-                <a:latin typeface="Calibri" charset="0"/>
-                <a:ea typeface="ＭＳ Ｐゴシック" charset="-128"/>
-                <a:cs typeface="ＭＳ Ｐゴシック" charset="-128"/>
+                <a:latin typeface="Helvetica Neue" charset="0"/>
+                <a:ea typeface="Helvetica Neue" charset="0"/>
+                <a:cs typeface="Helvetica Neue" charset="0"/>
               </a:endParaRPr>
             </a:p>
           </p:txBody>
@@ -6685,38 +3644,55 @@
       </p:grpSp>
       <p:pic>
         <p:nvPicPr>
-          <p:cNvPr id="125" name="Picture 124"/>
+          <p:cNvPr id="4142" name="Picture 46" descr="mage result for princeton university logo"/>
+          <p:cNvPicPr>
+            <a:picLocks noChangeAspect="1" noChangeArrowheads="1"/>
+          </p:cNvPicPr>
+          <p:nvPr/>
+        </p:nvPicPr>
+        <p:blipFill>
+          <a:blip r:embed="rId14">
+            <a:extLst>
+              <a:ext uri="{28A0092B-C50C-407E-A947-70E740481C1C}">
+                <a14:useLocalDpi xmlns:a14="http://schemas.microsoft.com/office/drawing/2010/main" val="0"/>
+              </a:ext>
+            </a:extLst>
+          </a:blip>
+          <a:srcRect/>
+          <a:stretch>
+            <a:fillRect/>
+          </a:stretch>
+        </p:blipFill>
+        <p:spPr bwMode="auto">
+          <a:xfrm>
+            <a:off x="2514441" y="808890"/>
+            <a:ext cx="1699219" cy="2149811"/>
+          </a:xfrm>
+          <a:prstGeom prst="rect">
+            <a:avLst/>
+          </a:prstGeom>
+          <a:noFill/>
+          <a:extLst>
+            <a:ext uri="{909E8E84-426E-40DD-AFC4-6F175D3DCCD1}">
+              <a14:hiddenFill xmlns:a14="http://schemas.microsoft.com/office/drawing/2010/main">
+                <a:solidFill>
+                  <a:srgbClr val="FFFFFF"/>
+                </a:solidFill>
+              </a14:hiddenFill>
+            </a:ext>
+          </a:extLst>
+        </p:spPr>
+      </p:pic>
+      <p:pic>
+        <p:nvPicPr>
+          <p:cNvPr id="3" name="Picture 2"/>
           <p:cNvPicPr>
             <a:picLocks noChangeAspect="1"/>
           </p:cNvPicPr>
           <p:nvPr/>
         </p:nvPicPr>
         <p:blipFill>
-          <a:blip r:embed="rId33"/>
-          <a:stretch>
-            <a:fillRect/>
-          </a:stretch>
-        </p:blipFill>
-        <p:spPr>
-          <a:xfrm>
-            <a:off x="1541780" y="1183640"/>
-            <a:ext cx="3335020" cy="1254760"/>
-          </a:xfrm>
-          <a:prstGeom prst="rect">
-            <a:avLst/>
-          </a:prstGeom>
-        </p:spPr>
-      </p:pic>
-      <p:pic>
-        <p:nvPicPr>
-          <p:cNvPr id="2" name="Picture 1" descr="CMU_logo_stack_red.png"/>
-          <p:cNvPicPr>
-            <a:picLocks noChangeAspect="1"/>
-          </p:cNvPicPr>
-          <p:nvPr/>
-        </p:nvPicPr>
-        <p:blipFill>
-          <a:blip r:embed="rId34">
+          <a:blip r:embed="rId15">
             <a:extLst>
               <a:ext uri="{28A0092B-C50C-407E-A947-70E740481C1C}">
                 <a14:useLocalDpi xmlns:a14="http://schemas.microsoft.com/office/drawing/2010/main" val="0"/>
@@ -6729,14 +3705,2028 @@
         </p:blipFill>
         <p:spPr>
           <a:xfrm>
-            <a:off x="31493730" y="889745"/>
-            <a:ext cx="2700791" cy="1752895"/>
+            <a:off x="928035" y="5084637"/>
+            <a:ext cx="10762301" cy="4397263"/>
           </a:xfrm>
           <a:prstGeom prst="rect">
             <a:avLst/>
           </a:prstGeom>
         </p:spPr>
       </p:pic>
+      <p:pic>
+        <p:nvPicPr>
+          <p:cNvPr id="4" name="Picture 3"/>
+          <p:cNvPicPr>
+            <a:picLocks noChangeAspect="1"/>
+          </p:cNvPicPr>
+          <p:nvPr/>
+        </p:nvPicPr>
+        <p:blipFill>
+          <a:blip r:embed="rId16">
+            <a:extLst>
+              <a:ext uri="{28A0092B-C50C-407E-A947-70E740481C1C}">
+                <a14:useLocalDpi xmlns:a14="http://schemas.microsoft.com/office/drawing/2010/main" val="0"/>
+              </a:ext>
+            </a:extLst>
+          </a:blip>
+          <a:stretch>
+            <a:fillRect/>
+          </a:stretch>
+        </p:blipFill>
+        <p:spPr>
+          <a:xfrm>
+            <a:off x="1767183" y="15913140"/>
+            <a:ext cx="8464830" cy="4986003"/>
+          </a:xfrm>
+          <a:prstGeom prst="rect">
+            <a:avLst/>
+          </a:prstGeom>
+        </p:spPr>
+      </p:pic>
+      <p:sp>
+        <p:nvSpPr>
+          <p:cNvPr id="5" name="TextBox 4"/>
+          <p:cNvSpPr txBox="1"/>
+          <p:nvPr/>
+        </p:nvSpPr>
+        <p:spPr>
+          <a:xfrm>
+            <a:off x="3249673" y="11266992"/>
+            <a:ext cx="6982340" cy="461665"/>
+          </a:xfrm>
+          <a:prstGeom prst="rect">
+            <a:avLst/>
+          </a:prstGeom>
+          <a:noFill/>
+        </p:spPr>
+        <p:txBody>
+          <a:bodyPr wrap="square" rtlCol="0">
+            <a:spAutoFit/>
+          </a:bodyPr>
+          <a:lstStyle/>
+          <a:p>
+            <a:r>
+              <a:rPr lang="en-US" b="0" dirty="0" err="1" smtClean="0">
+                <a:latin typeface="Helvetica Neue" charset="0"/>
+                <a:ea typeface="Helvetica Neue" charset="0"/>
+                <a:cs typeface="Helvetica Neue" charset="0"/>
+              </a:rPr>
+              <a:t>Chadhuri</a:t>
+            </a:r>
+            <a:r>
+              <a:rPr lang="en-US" b="0" dirty="0" smtClean="0">
+                <a:latin typeface="Helvetica Neue" charset="0"/>
+                <a:ea typeface="Helvetica Neue" charset="0"/>
+                <a:cs typeface="Helvetica Neue" charset="0"/>
+              </a:rPr>
+              <a:t> et al (2003) NP Completeness Proof</a:t>
+            </a:r>
+            <a:endParaRPr lang="en-US" b="0" dirty="0">
+              <a:latin typeface="Helvetica Neue" charset="0"/>
+              <a:ea typeface="Helvetica Neue" charset="0"/>
+              <a:cs typeface="Helvetica Neue" charset="0"/>
+            </a:endParaRPr>
+          </a:p>
+        </p:txBody>
+      </p:sp>
+      <p:sp>
+        <p:nvSpPr>
+          <p:cNvPr id="89" name="TextBox 88"/>
+          <p:cNvSpPr txBox="1"/>
+          <p:nvPr/>
+        </p:nvSpPr>
+        <p:spPr>
+          <a:xfrm>
+            <a:off x="1262470" y="21001920"/>
+            <a:ext cx="6982340" cy="830997"/>
+          </a:xfrm>
+          <a:prstGeom prst="rect">
+            <a:avLst/>
+          </a:prstGeom>
+          <a:noFill/>
+        </p:spPr>
+        <p:txBody>
+          <a:bodyPr wrap="square" rtlCol="0">
+            <a:spAutoFit/>
+          </a:bodyPr>
+          <a:lstStyle/>
+          <a:p>
+            <a:r>
+              <a:rPr lang="en-US" b="0" dirty="0" smtClean="0">
+                <a:latin typeface="Helvetica Neue" charset="0"/>
+                <a:ea typeface="Helvetica Neue" charset="0"/>
+                <a:cs typeface="Helvetica Neue" charset="0"/>
+              </a:rPr>
+              <a:t>Image Processing Applications</a:t>
+            </a:r>
+          </a:p>
+          <a:p>
+            <a:r>
+              <a:rPr lang="en-US" b="0" dirty="0" smtClean="0">
+                <a:latin typeface="Helvetica Neue" charset="0"/>
+                <a:ea typeface="Helvetica Neue" charset="0"/>
+                <a:cs typeface="Helvetica Neue" charset="0"/>
+              </a:rPr>
+              <a:t>Limitation: All Use the Brute Force Solution</a:t>
+            </a:r>
+            <a:endParaRPr lang="en-US" b="0" dirty="0">
+              <a:latin typeface="Helvetica Neue" charset="0"/>
+              <a:ea typeface="Helvetica Neue" charset="0"/>
+              <a:cs typeface="Helvetica Neue" charset="0"/>
+            </a:endParaRPr>
+          </a:p>
+        </p:txBody>
+      </p:sp>
+      <p:sp>
+        <p:nvSpPr>
+          <p:cNvPr id="90" name="TextBox 89"/>
+          <p:cNvSpPr txBox="1"/>
+          <p:nvPr/>
+        </p:nvSpPr>
+        <p:spPr>
+          <a:xfrm>
+            <a:off x="926378" y="23785893"/>
+            <a:ext cx="10720243" cy="2677656"/>
+          </a:xfrm>
+          <a:prstGeom prst="rect">
+            <a:avLst/>
+          </a:prstGeom>
+          <a:noFill/>
+        </p:spPr>
+        <p:txBody>
+          <a:bodyPr wrap="square" rtlCol="0">
+            <a:spAutoFit/>
+          </a:bodyPr>
+          <a:lstStyle/>
+          <a:p>
+            <a:pPr marL="457200" indent="-457200">
+              <a:buFont typeface="Arial" charset="0"/>
+              <a:buChar char="•"/>
+            </a:pPr>
+            <a:r>
+              <a:rPr lang="en-US" sz="2800" b="0" dirty="0" smtClean="0">
+                <a:latin typeface="Helvetica Neue" charset="0"/>
+                <a:ea typeface="Helvetica Neue" charset="0"/>
+                <a:cs typeface="Helvetica Neue" charset="0"/>
+              </a:rPr>
+              <a:t>Deck with cards that have v values and p properties</a:t>
+            </a:r>
+          </a:p>
+          <a:p>
+            <a:pPr marL="457200" indent="-457200">
+              <a:buFont typeface="Arial" charset="0"/>
+              <a:buChar char="•"/>
+            </a:pPr>
+            <a:r>
+              <a:rPr lang="en-US" sz="2800" b="0" dirty="0" smtClean="0">
+                <a:latin typeface="Helvetica Neue" charset="0"/>
+                <a:ea typeface="Helvetica Neue" charset="0"/>
+                <a:cs typeface="Helvetica Neue" charset="0"/>
+              </a:rPr>
+              <a:t>Total of </a:t>
+            </a:r>
+            <a:r>
+              <a:rPr lang="en-US" sz="2800" b="0" dirty="0" err="1" smtClean="0">
+                <a:latin typeface="Helvetica Neue" charset="0"/>
+                <a:ea typeface="Helvetica Neue" charset="0"/>
+                <a:cs typeface="Helvetica Neue" charset="0"/>
+              </a:rPr>
+              <a:t>v</a:t>
+            </a:r>
+            <a:r>
+              <a:rPr lang="en-US" sz="2800" b="0" baseline="30000" dirty="0" err="1" smtClean="0">
+                <a:latin typeface="Helvetica Neue" charset="0"/>
+                <a:ea typeface="Helvetica Neue" charset="0"/>
+                <a:cs typeface="Helvetica Neue" charset="0"/>
+              </a:rPr>
+              <a:t>p</a:t>
+            </a:r>
+            <a:r>
+              <a:rPr lang="en-US" sz="2800" b="0" dirty="0" smtClean="0">
+                <a:latin typeface="Helvetica Neue" charset="0"/>
+                <a:ea typeface="Helvetica Neue" charset="0"/>
+                <a:cs typeface="Helvetica Neue" charset="0"/>
+              </a:rPr>
+              <a:t> cards</a:t>
+            </a:r>
+          </a:p>
+          <a:p>
+            <a:pPr marL="457200" indent="-457200">
+              <a:buFont typeface="Arial" charset="0"/>
+              <a:buChar char="•"/>
+            </a:pPr>
+            <a:r>
+              <a:rPr lang="en-US" sz="2800" b="0" dirty="0" smtClean="0">
+                <a:latin typeface="Helvetica Neue" charset="0"/>
+                <a:ea typeface="Helvetica Neue" charset="0"/>
+                <a:cs typeface="Helvetica Neue" charset="0"/>
+              </a:rPr>
+              <a:t>Initial Board is v*p cards</a:t>
+            </a:r>
+          </a:p>
+          <a:p>
+            <a:pPr marL="457200" indent="-457200">
+              <a:buFont typeface="Arial" charset="0"/>
+              <a:buChar char="•"/>
+            </a:pPr>
+            <a:r>
+              <a:rPr lang="en-US" sz="2800" b="0" dirty="0" smtClean="0">
+                <a:latin typeface="Helvetica Neue" charset="0"/>
+                <a:ea typeface="Helvetica Neue" charset="0"/>
+                <a:cs typeface="Helvetica Neue" charset="0"/>
+              </a:rPr>
+              <a:t>Find n sets of v cards each</a:t>
+            </a:r>
+          </a:p>
+          <a:p>
+            <a:pPr marL="457200" indent="-457200">
+              <a:buFont typeface="Arial" charset="0"/>
+              <a:buChar char="•"/>
+            </a:pPr>
+            <a:r>
+              <a:rPr lang="en-US" sz="2800" b="0" dirty="0" smtClean="0">
+                <a:latin typeface="Helvetica Neue" charset="0"/>
+                <a:ea typeface="Helvetica Neue" charset="0"/>
+                <a:cs typeface="Helvetica Neue" charset="0"/>
+              </a:rPr>
+              <a:t>Remove v cards</a:t>
+            </a:r>
+          </a:p>
+          <a:p>
+            <a:pPr marL="457200" indent="-457200">
+              <a:buFont typeface="Arial" charset="0"/>
+              <a:buChar char="•"/>
+            </a:pPr>
+            <a:r>
+              <a:rPr lang="en-US" sz="2800" b="0" dirty="0" smtClean="0">
+                <a:latin typeface="Helvetica Neue" charset="0"/>
+                <a:ea typeface="Helvetica Neue" charset="0"/>
+                <a:cs typeface="Helvetica Neue" charset="0"/>
+              </a:rPr>
+              <a:t>Add v cards</a:t>
+            </a:r>
+          </a:p>
+        </p:txBody>
+      </p:sp>
+      <p:pic>
+        <p:nvPicPr>
+          <p:cNvPr id="88" name="Picture 4" descr="mage result for SMT SOlver">
+            <a:hlinkClick r:id="rId17"/>
+          </p:cNvPr>
+          <p:cNvPicPr>
+            <a:picLocks noChangeAspect="1" noChangeArrowheads="1"/>
+          </p:cNvPicPr>
+          <p:nvPr/>
+        </p:nvPicPr>
+        <p:blipFill>
+          <a:blip r:embed="rId18">
+            <a:extLst>
+              <a:ext uri="{28A0092B-C50C-407E-A947-70E740481C1C}">
+                <a14:useLocalDpi xmlns:a14="http://schemas.microsoft.com/office/drawing/2010/main" val="0"/>
+              </a:ext>
+            </a:extLst>
+          </a:blip>
+          <a:srcRect/>
+          <a:stretch>
+            <a:fillRect/>
+          </a:stretch>
+        </p:blipFill>
+        <p:spPr bwMode="auto">
+          <a:xfrm>
+            <a:off x="17000549" y="5821917"/>
+            <a:ext cx="7244983" cy="2445324"/>
+          </a:xfrm>
+          <a:prstGeom prst="rect">
+            <a:avLst/>
+          </a:prstGeom>
+          <a:noFill/>
+          <a:extLst>
+            <a:ext uri="{909E8E84-426E-40DD-AFC4-6F175D3DCCD1}">
+              <a14:hiddenFill xmlns:a14="http://schemas.microsoft.com/office/drawing/2010/main">
+                <a:solidFill>
+                  <a:srgbClr val="FFFFFF"/>
+                </a:solidFill>
+              </a14:hiddenFill>
+            </a:ext>
+          </a:extLst>
+        </p:spPr>
+      </p:pic>
+      <p:pic>
+        <p:nvPicPr>
+          <p:cNvPr id="91" name="Picture 2" descr="iven two cards, there is only one possible card that forms a valid set."/>
+          <p:cNvPicPr>
+            <a:picLocks noChangeAspect="1" noChangeArrowheads="1"/>
+          </p:cNvPicPr>
+          <p:nvPr/>
+        </p:nvPicPr>
+        <p:blipFill>
+          <a:blip r:embed="rId19">
+            <a:extLst>
+              <a:ext uri="{28A0092B-C50C-407E-A947-70E740481C1C}">
+                <a14:useLocalDpi xmlns:a14="http://schemas.microsoft.com/office/drawing/2010/main" val="0"/>
+              </a:ext>
+            </a:extLst>
+          </a:blip>
+          <a:srcRect/>
+          <a:stretch>
+            <a:fillRect/>
+          </a:stretch>
+        </p:blipFill>
+        <p:spPr bwMode="auto">
+          <a:xfrm>
+            <a:off x="18282641" y="9471902"/>
+            <a:ext cx="5526355" cy="3232918"/>
+          </a:xfrm>
+          <a:prstGeom prst="rect">
+            <a:avLst/>
+          </a:prstGeom>
+          <a:noFill/>
+          <a:extLst>
+            <a:ext uri="{909E8E84-426E-40DD-AFC4-6F175D3DCCD1}">
+              <a14:hiddenFill xmlns:a14="http://schemas.microsoft.com/office/drawing/2010/main">
+                <a:solidFill>
+                  <a:srgbClr val="FFFFFF"/>
+                </a:solidFill>
+              </a14:hiddenFill>
+            </a:ext>
+          </a:extLst>
+        </p:spPr>
+      </p:pic>
+      <p:sp>
+        <p:nvSpPr>
+          <p:cNvPr id="92" name="Rectangle 91"/>
+          <p:cNvSpPr/>
+          <p:nvPr/>
+        </p:nvSpPr>
+        <p:spPr>
+          <a:xfrm>
+            <a:off x="14320338" y="22335195"/>
+            <a:ext cx="954107" cy="923330"/>
+          </a:xfrm>
+          <a:prstGeom prst="rect">
+            <a:avLst/>
+          </a:prstGeom>
+          <a:noFill/>
+        </p:spPr>
+        <p:txBody>
+          <a:bodyPr wrap="none" lIns="91440" tIns="45720" rIns="91440" bIns="45720">
+            <a:spAutoFit/>
+          </a:bodyPr>
+          <a:lstStyle/>
+          <a:p>
+            <a:pPr algn="ctr"/>
+            <a:r>
+              <a:rPr lang="en-US" sz="5400" b="0" cap="none" spc="0" dirty="0" smtClean="0">
+                <a:ln w="0"/>
+                <a:solidFill>
+                  <a:schemeClr val="accent1"/>
+                </a:solidFill>
+              </a:rPr>
+              <a:t>Z3</a:t>
+            </a:r>
+            <a:endParaRPr lang="en-US" sz="5400" b="0" cap="none" spc="0" dirty="0">
+              <a:ln w="0"/>
+              <a:solidFill>
+                <a:schemeClr val="accent1"/>
+              </a:solidFill>
+            </a:endParaRPr>
+          </a:p>
+        </p:txBody>
+      </p:sp>
+      <p:pic>
+        <p:nvPicPr>
+          <p:cNvPr id="93" name="Picture 92"/>
+          <p:cNvPicPr>
+            <a:picLocks noChangeAspect="1"/>
+          </p:cNvPicPr>
+          <p:nvPr/>
+        </p:nvPicPr>
+        <p:blipFill>
+          <a:blip r:embed="rId20">
+            <a:extLst>
+              <a:ext uri="{28A0092B-C50C-407E-A947-70E740481C1C}">
+                <a14:useLocalDpi xmlns:a14="http://schemas.microsoft.com/office/drawing/2010/main" val="0"/>
+              </a:ext>
+            </a:extLst>
+          </a:blip>
+          <a:stretch>
+            <a:fillRect/>
+          </a:stretch>
+        </p:blipFill>
+        <p:spPr>
+          <a:xfrm>
+            <a:off x="18025742" y="21449337"/>
+            <a:ext cx="5410200" cy="2768600"/>
+          </a:xfrm>
+          <a:prstGeom prst="rect">
+            <a:avLst/>
+          </a:prstGeom>
+        </p:spPr>
+      </p:pic>
+      <p:grpSp>
+        <p:nvGrpSpPr>
+          <p:cNvPr id="94" name="Group 24"/>
+          <p:cNvGrpSpPr>
+            <a:grpSpLocks/>
+          </p:cNvGrpSpPr>
+          <p:nvPr>
+            <p:custDataLst>
+              <p:tags r:id="rId11"/>
+            </p:custDataLst>
+          </p:nvPr>
+        </p:nvGrpSpPr>
+        <p:grpSpPr bwMode="auto">
+          <a:xfrm>
+            <a:off x="12275598" y="13812337"/>
+            <a:ext cx="11987341" cy="5057815"/>
+            <a:chOff x="990600" y="4021622"/>
+            <a:chExt cx="9601201" cy="3702485"/>
+          </a:xfrm>
+        </p:grpSpPr>
+        <p:sp>
+          <p:nvSpPr>
+            <p:cNvPr id="95" name="Rectangle 94"/>
+            <p:cNvSpPr/>
+            <p:nvPr/>
+          </p:nvSpPr>
+          <p:spPr>
+            <a:xfrm>
+              <a:off x="990600" y="4422859"/>
+              <a:ext cx="9601201" cy="3301248"/>
+            </a:xfrm>
+            <a:prstGeom prst="rect">
+              <a:avLst/>
+            </a:prstGeom>
+            <a:solidFill>
+              <a:schemeClr val="bg1"/>
+            </a:solidFill>
+            <a:ln>
+              <a:solidFill>
+                <a:srgbClr val="A23027"/>
+              </a:solidFill>
+            </a:ln>
+          </p:spPr>
+          <p:style>
+            <a:lnRef idx="2">
+              <a:schemeClr val="accent1">
+                <a:shade val="50000"/>
+              </a:schemeClr>
+            </a:lnRef>
+            <a:fillRef idx="1">
+              <a:schemeClr val="accent1"/>
+            </a:fillRef>
+            <a:effectRef idx="0">
+              <a:schemeClr val="accent1"/>
+            </a:effectRef>
+            <a:fontRef idx="minor">
+              <a:schemeClr val="lt1"/>
+            </a:fontRef>
+          </p:style>
+          <p:txBody>
+            <a:bodyPr anchor="t">
+              <a:prstTxWarp prst="textNoShape">
+                <a:avLst/>
+              </a:prstTxWarp>
+            </a:bodyPr>
+            <a:lstStyle/>
+            <a:p>
+              <a:pPr marL="742950" indent="-742950">
+                <a:buFont typeface="Wingdings" charset="2"/>
+                <a:buChar char="§"/>
+              </a:pPr>
+              <a:endParaRPr lang="en-US" sz="3600" b="0" dirty="0">
+                <a:solidFill>
+                  <a:schemeClr val="tx1"/>
+                </a:solidFill>
+                <a:latin typeface="Calibri" charset="0"/>
+                <a:ea typeface="ＭＳ Ｐゴシック" charset="-128"/>
+                <a:cs typeface="ＭＳ Ｐゴシック" charset="-128"/>
+                <a:sym typeface="Wingdings" charset="2"/>
+              </a:endParaRPr>
+            </a:p>
+          </p:txBody>
+        </p:sp>
+        <p:sp>
+          <p:nvSpPr>
+            <p:cNvPr id="96" name="Rectangle 95"/>
+            <p:cNvSpPr/>
+            <p:nvPr/>
+          </p:nvSpPr>
+          <p:spPr>
+            <a:xfrm>
+              <a:off x="990600" y="4021622"/>
+              <a:ext cx="9601201" cy="394679"/>
+            </a:xfrm>
+            <a:prstGeom prst="rect">
+              <a:avLst/>
+            </a:prstGeom>
+            <a:solidFill>
+              <a:srgbClr val="A23027"/>
+            </a:solidFill>
+            <a:ln>
+              <a:solidFill>
+                <a:srgbClr val="A23027"/>
+              </a:solidFill>
+            </a:ln>
+          </p:spPr>
+          <p:style>
+            <a:lnRef idx="2">
+              <a:schemeClr val="accent1">
+                <a:shade val="50000"/>
+              </a:schemeClr>
+            </a:lnRef>
+            <a:fillRef idx="1">
+              <a:schemeClr val="accent1"/>
+            </a:fillRef>
+            <a:effectRef idx="0">
+              <a:schemeClr val="accent1"/>
+            </a:effectRef>
+            <a:fontRef idx="minor">
+              <a:schemeClr val="lt1"/>
+            </a:fontRef>
+          </p:style>
+          <p:txBody>
+            <a:bodyPr anchor="ctr">
+              <a:prstTxWarp prst="textNoShape">
+                <a:avLst/>
+              </a:prstTxWarp>
+            </a:bodyPr>
+            <a:lstStyle/>
+            <a:p>
+              <a:r>
+                <a:rPr lang="en-US" sz="4400" b="0" dirty="0" smtClean="0">
+                  <a:solidFill>
+                    <a:srgbClr val="FFFFFF"/>
+                  </a:solidFill>
+                  <a:latin typeface="Calibri" charset="0"/>
+                  <a:ea typeface="ＭＳ Ｐゴシック" charset="-128"/>
+                  <a:cs typeface="ＭＳ Ｐゴシック" charset="-128"/>
+                </a:rPr>
+                <a:t>Reduction to SMT</a:t>
+              </a:r>
+              <a:endParaRPr lang="en-US" sz="4400" b="0" dirty="0">
+                <a:solidFill>
+                  <a:srgbClr val="FFFFFF"/>
+                </a:solidFill>
+                <a:latin typeface="Calibri" charset="0"/>
+                <a:ea typeface="ＭＳ Ｐゴシック" charset="-128"/>
+                <a:cs typeface="ＭＳ Ｐゴシック" charset="-128"/>
+              </a:endParaRPr>
+            </a:p>
+          </p:txBody>
+        </p:sp>
+      </p:grpSp>
+      <p:sp>
+        <p:nvSpPr>
+          <p:cNvPr id="97" name="TextBox 96"/>
+          <p:cNvSpPr txBox="1"/>
+          <p:nvPr/>
+        </p:nvSpPr>
+        <p:spPr>
+          <a:xfrm>
+            <a:off x="18689130" y="14937333"/>
+            <a:ext cx="5205862" cy="3046988"/>
+          </a:xfrm>
+          <a:prstGeom prst="rect">
+            <a:avLst/>
+          </a:prstGeom>
+          <a:noFill/>
+        </p:spPr>
+        <p:txBody>
+          <a:bodyPr wrap="square" rtlCol="0">
+            <a:spAutoFit/>
+          </a:bodyPr>
+          <a:lstStyle/>
+          <a:p>
+            <a:pPr algn="ctr"/>
+            <a:r>
+              <a:rPr lang="en-US" b="0" dirty="0" smtClean="0">
+                <a:latin typeface="Helvetica Neue" charset="0"/>
+                <a:ea typeface="Helvetica Neue" charset="0"/>
+                <a:cs typeface="Helvetica Neue" charset="0"/>
+              </a:rPr>
+              <a:t>Constraints</a:t>
+            </a:r>
+          </a:p>
+          <a:p>
+            <a:pPr marL="342900" indent="-342900">
+              <a:buFont typeface="Arial" charset="0"/>
+              <a:buChar char="•"/>
+            </a:pPr>
+            <a:endParaRPr lang="en-US" sz="2400" b="0" dirty="0" smtClean="0">
+              <a:latin typeface="Helvetica Neue" charset="0"/>
+              <a:ea typeface="Helvetica Neue" charset="0"/>
+              <a:cs typeface="Helvetica Neue" charset="0"/>
+            </a:endParaRPr>
+          </a:p>
+          <a:p>
+            <a:pPr marL="342900" indent="-342900">
+              <a:buFont typeface="Arial" charset="0"/>
+              <a:buChar char="•"/>
+            </a:pPr>
+            <a:r>
+              <a:rPr lang="en-US" sz="2400" b="0" dirty="0" smtClean="0">
+                <a:latin typeface="Helvetica Neue" charset="0"/>
+                <a:ea typeface="Helvetica Neue" charset="0"/>
+                <a:cs typeface="Helvetica Neue" charset="0"/>
+              </a:rPr>
+              <a:t>All Different or All Same</a:t>
+            </a:r>
+          </a:p>
+          <a:p>
+            <a:pPr marL="342900" indent="-342900">
+              <a:buFont typeface="Arial" charset="0"/>
+              <a:buChar char="•"/>
+            </a:pPr>
+            <a:r>
+              <a:rPr lang="en-US" sz="2400" b="0" dirty="0" smtClean="0">
+                <a:latin typeface="Helvetica Neue" charset="0"/>
+                <a:ea typeface="Helvetica Neue" charset="0"/>
+                <a:cs typeface="Helvetica Neue" charset="0"/>
+              </a:rPr>
+              <a:t>Cards from the Board</a:t>
+            </a:r>
+          </a:p>
+          <a:p>
+            <a:pPr marL="342900" indent="-342900">
+              <a:buFont typeface="Arial" charset="0"/>
+              <a:buChar char="•"/>
+            </a:pPr>
+            <a:r>
+              <a:rPr lang="en-US" sz="2400" b="0" dirty="0" smtClean="0">
+                <a:latin typeface="Helvetica Neue" charset="0"/>
+                <a:ea typeface="Helvetica Neue" charset="0"/>
+                <a:cs typeface="Helvetica Neue" charset="0"/>
+              </a:rPr>
+              <a:t>Distinct Cards</a:t>
+            </a:r>
+          </a:p>
+          <a:p>
+            <a:pPr marL="342900" indent="-342900">
+              <a:buFont typeface="Arial" charset="0"/>
+              <a:buChar char="•"/>
+            </a:pPr>
+            <a:r>
+              <a:rPr lang="en-US" sz="2400" b="0" dirty="0" smtClean="0">
+                <a:latin typeface="Helvetica Neue" charset="0"/>
+                <a:ea typeface="Helvetica Neue" charset="0"/>
+                <a:cs typeface="Helvetica Neue" charset="0"/>
+              </a:rPr>
+              <a:t>Symmetry Breaking</a:t>
+            </a:r>
+          </a:p>
+          <a:p>
+            <a:pPr marL="342900" indent="-342900">
+              <a:buFont typeface="Arial" charset="0"/>
+              <a:buChar char="•"/>
+            </a:pPr>
+            <a:r>
+              <a:rPr lang="en-US" sz="2400" b="0" dirty="0" smtClean="0">
+                <a:latin typeface="Helvetica Neue" charset="0"/>
+                <a:ea typeface="Helvetica Neue" charset="0"/>
+                <a:cs typeface="Helvetica Neue" charset="0"/>
+              </a:rPr>
+              <a:t>Not Any Deleted Card</a:t>
+            </a:r>
+          </a:p>
+          <a:p>
+            <a:pPr marL="342900" indent="-342900">
+              <a:buFont typeface="Arial" charset="0"/>
+              <a:buChar char="•"/>
+            </a:pPr>
+            <a:endParaRPr lang="en-US" sz="2400" b="0" dirty="0">
+              <a:latin typeface="Helvetica Neue" charset="0"/>
+              <a:ea typeface="Helvetica Neue" charset="0"/>
+              <a:cs typeface="Helvetica Neue" charset="0"/>
+            </a:endParaRPr>
+          </a:p>
+        </p:txBody>
+      </p:sp>
+      <p:pic>
+        <p:nvPicPr>
+          <p:cNvPr id="98" name="Picture 97"/>
+          <p:cNvPicPr>
+            <a:picLocks noChangeAspect="1"/>
+          </p:cNvPicPr>
+          <p:nvPr/>
+        </p:nvPicPr>
+        <p:blipFill>
+          <a:blip r:embed="rId21"/>
+          <a:stretch>
+            <a:fillRect/>
+          </a:stretch>
+        </p:blipFill>
+        <p:spPr>
+          <a:xfrm>
+            <a:off x="13120405" y="15180201"/>
+            <a:ext cx="4124535" cy="2890555"/>
+          </a:xfrm>
+          <a:prstGeom prst="rect">
+            <a:avLst/>
+          </a:prstGeom>
+        </p:spPr>
+      </p:pic>
+      <p:pic>
+        <p:nvPicPr>
+          <p:cNvPr id="2" name="Picture 1"/>
+          <p:cNvPicPr>
+            <a:picLocks noChangeAspect="1"/>
+          </p:cNvPicPr>
+          <p:nvPr/>
+        </p:nvPicPr>
+        <p:blipFill>
+          <a:blip r:embed="rId22">
+            <a:extLst>
+              <a:ext uri="{28A0092B-C50C-407E-A947-70E740481C1C}">
+                <a14:useLocalDpi xmlns:a14="http://schemas.microsoft.com/office/drawing/2010/main" val="0"/>
+              </a:ext>
+            </a:extLst>
+          </a:blip>
+          <a:stretch>
+            <a:fillRect/>
+          </a:stretch>
+        </p:blipFill>
+        <p:spPr>
+          <a:xfrm>
+            <a:off x="24919425" y="6649049"/>
+            <a:ext cx="5056405" cy="3792304"/>
+          </a:xfrm>
+          <a:prstGeom prst="rect">
+            <a:avLst/>
+          </a:prstGeom>
+        </p:spPr>
+      </p:pic>
+      <p:pic>
+        <p:nvPicPr>
+          <p:cNvPr id="7" name="Picture 6"/>
+          <p:cNvPicPr>
+            <a:picLocks noChangeAspect="1"/>
+          </p:cNvPicPr>
+          <p:nvPr/>
+        </p:nvPicPr>
+        <p:blipFill>
+          <a:blip r:embed="rId23">
+            <a:extLst>
+              <a:ext uri="{28A0092B-C50C-407E-A947-70E740481C1C}">
+                <a14:useLocalDpi xmlns:a14="http://schemas.microsoft.com/office/drawing/2010/main" val="0"/>
+              </a:ext>
+            </a:extLst>
+          </a:blip>
+          <a:stretch>
+            <a:fillRect/>
+          </a:stretch>
+        </p:blipFill>
+        <p:spPr>
+          <a:xfrm>
+            <a:off x="29980733" y="11897181"/>
+            <a:ext cx="5442202" cy="4081652"/>
+          </a:xfrm>
+          <a:prstGeom prst="rect">
+            <a:avLst/>
+          </a:prstGeom>
+        </p:spPr>
+      </p:pic>
+      <p:pic>
+        <p:nvPicPr>
+          <p:cNvPr id="10" name="Picture 9"/>
+          <p:cNvPicPr>
+            <a:picLocks noChangeAspect="1"/>
+          </p:cNvPicPr>
+          <p:nvPr/>
+        </p:nvPicPr>
+        <p:blipFill>
+          <a:blip r:embed="rId24">
+            <a:extLst>
+              <a:ext uri="{28A0092B-C50C-407E-A947-70E740481C1C}">
+                <a14:useLocalDpi xmlns:a14="http://schemas.microsoft.com/office/drawing/2010/main" val="0"/>
+              </a:ext>
+            </a:extLst>
+          </a:blip>
+          <a:stretch>
+            <a:fillRect/>
+          </a:stretch>
+        </p:blipFill>
+        <p:spPr>
+          <a:xfrm>
+            <a:off x="30110457" y="6642189"/>
+            <a:ext cx="5102128" cy="3826596"/>
+          </a:xfrm>
+          <a:prstGeom prst="rect">
+            <a:avLst/>
+          </a:prstGeom>
+        </p:spPr>
+      </p:pic>
+      <p:pic>
+        <p:nvPicPr>
+          <p:cNvPr id="11" name="Picture 10"/>
+          <p:cNvPicPr>
+            <a:picLocks noChangeAspect="1"/>
+          </p:cNvPicPr>
+          <p:nvPr/>
+        </p:nvPicPr>
+        <p:blipFill>
+          <a:blip r:embed="rId25">
+            <a:extLst>
+              <a:ext uri="{28A0092B-C50C-407E-A947-70E740481C1C}">
+                <a14:useLocalDpi xmlns:a14="http://schemas.microsoft.com/office/drawing/2010/main" val="0"/>
+              </a:ext>
+            </a:extLst>
+          </a:blip>
+          <a:stretch>
+            <a:fillRect/>
+          </a:stretch>
+        </p:blipFill>
+        <p:spPr>
+          <a:xfrm>
+            <a:off x="24938603" y="11943238"/>
+            <a:ext cx="5317383" cy="3988037"/>
+          </a:xfrm>
+          <a:prstGeom prst="rect">
+            <a:avLst/>
+          </a:prstGeom>
+        </p:spPr>
+      </p:pic>
+      <p:sp>
+        <p:nvSpPr>
+          <p:cNvPr id="101" name="Rectangle 100"/>
+          <p:cNvSpPr/>
+          <p:nvPr/>
+        </p:nvSpPr>
+        <p:spPr>
+          <a:xfrm>
+            <a:off x="25687500" y="6295596"/>
+            <a:ext cx="4019690" cy="584775"/>
+          </a:xfrm>
+          <a:prstGeom prst="rect">
+            <a:avLst/>
+          </a:prstGeom>
+        </p:spPr>
+        <p:style>
+          <a:lnRef idx="2">
+            <a:schemeClr val="dk1"/>
+          </a:lnRef>
+          <a:fillRef idx="1">
+            <a:schemeClr val="lt1"/>
+          </a:fillRef>
+          <a:effectRef idx="0">
+            <a:schemeClr val="dk1"/>
+          </a:effectRef>
+          <a:fontRef idx="minor">
+            <a:schemeClr val="dk1"/>
+          </a:fontRef>
+        </p:style>
+        <p:txBody>
+          <a:bodyPr wrap="none" lIns="91440" tIns="45720" rIns="91440" bIns="45720">
+            <a:spAutoFit/>
+          </a:bodyPr>
+          <a:lstStyle/>
+          <a:p>
+            <a:pPr algn="ctr"/>
+            <a:r>
+              <a:rPr lang="en-US" sz="3200" b="0" dirty="0">
+                <a:ln w="0">
+                  <a:noFill/>
+                </a:ln>
+                <a:solidFill>
+                  <a:schemeClr val="tx1"/>
+                </a:solidFill>
+                <a:latin typeface="Helvetica Neue" charset="0"/>
+                <a:ea typeface="Helvetica Neue" charset="0"/>
+                <a:cs typeface="Helvetica Neue" charset="0"/>
+              </a:rPr>
+              <a:t>4</a:t>
+            </a:r>
+            <a:r>
+              <a:rPr lang="en-US" sz="3200" b="0" cap="none" spc="0" dirty="0" smtClean="0">
+                <a:ln w="0">
+                  <a:noFill/>
+                </a:ln>
+                <a:solidFill>
+                  <a:schemeClr val="tx1"/>
+                </a:solidFill>
+                <a:latin typeface="Helvetica Neue" charset="0"/>
+                <a:ea typeface="Helvetica Neue" charset="0"/>
+                <a:cs typeface="Helvetica Neue" charset="0"/>
+              </a:rPr>
+              <a:t> Properties, 10 Sets</a:t>
+            </a:r>
+          </a:p>
+        </p:txBody>
+      </p:sp>
+      <p:sp>
+        <p:nvSpPr>
+          <p:cNvPr id="102" name="Rectangle 101"/>
+          <p:cNvSpPr/>
+          <p:nvPr/>
+        </p:nvSpPr>
+        <p:spPr>
+          <a:xfrm>
+            <a:off x="30936810" y="6276186"/>
+            <a:ext cx="3464283" cy="584775"/>
+          </a:xfrm>
+          <a:prstGeom prst="rect">
+            <a:avLst/>
+          </a:prstGeom>
+        </p:spPr>
+        <p:style>
+          <a:lnRef idx="2">
+            <a:schemeClr val="dk1"/>
+          </a:lnRef>
+          <a:fillRef idx="1">
+            <a:schemeClr val="lt1"/>
+          </a:fillRef>
+          <a:effectRef idx="0">
+            <a:schemeClr val="dk1"/>
+          </a:effectRef>
+          <a:fontRef idx="minor">
+            <a:schemeClr val="dk1"/>
+          </a:fontRef>
+        </p:style>
+        <p:txBody>
+          <a:bodyPr wrap="none" lIns="91440" tIns="45720" rIns="91440" bIns="45720">
+            <a:spAutoFit/>
+          </a:bodyPr>
+          <a:lstStyle/>
+          <a:p>
+            <a:pPr algn="ctr"/>
+            <a:r>
+              <a:rPr lang="en-US" sz="3200" b="0" dirty="0" smtClean="0">
+                <a:ln w="0">
+                  <a:noFill/>
+                </a:ln>
+                <a:solidFill>
+                  <a:schemeClr val="tx1"/>
+                </a:solidFill>
+                <a:latin typeface="Helvetica Neue" charset="0"/>
+                <a:ea typeface="Helvetica Neue" charset="0"/>
+                <a:cs typeface="Helvetica Neue" charset="0"/>
+              </a:rPr>
+              <a:t>4</a:t>
+            </a:r>
+            <a:r>
+              <a:rPr lang="en-US" sz="3200" b="0" cap="none" spc="0" dirty="0" smtClean="0">
+                <a:ln w="0">
+                  <a:noFill/>
+                </a:ln>
+                <a:solidFill>
+                  <a:schemeClr val="tx1"/>
+                </a:solidFill>
+                <a:latin typeface="Helvetica Neue" charset="0"/>
+                <a:ea typeface="Helvetica Neue" charset="0"/>
+                <a:cs typeface="Helvetica Neue" charset="0"/>
+              </a:rPr>
+              <a:t> Values, </a:t>
+            </a:r>
+            <a:r>
+              <a:rPr lang="en-US" sz="3200" b="0" dirty="0" smtClean="0">
+                <a:ln w="0">
+                  <a:noFill/>
+                </a:ln>
+                <a:solidFill>
+                  <a:schemeClr val="tx1"/>
+                </a:solidFill>
+                <a:latin typeface="Helvetica Neue" charset="0"/>
+                <a:ea typeface="Helvetica Neue" charset="0"/>
+                <a:cs typeface="Helvetica Neue" charset="0"/>
+              </a:rPr>
+              <a:t>10</a:t>
+            </a:r>
+            <a:r>
+              <a:rPr lang="en-US" sz="3200" b="0" cap="none" spc="0" dirty="0" smtClean="0">
+                <a:ln w="0">
+                  <a:noFill/>
+                </a:ln>
+                <a:solidFill>
+                  <a:schemeClr val="tx1"/>
+                </a:solidFill>
+                <a:latin typeface="Helvetica Neue" charset="0"/>
+                <a:ea typeface="Helvetica Neue" charset="0"/>
+                <a:cs typeface="Helvetica Neue" charset="0"/>
+              </a:rPr>
+              <a:t> Sets</a:t>
+            </a:r>
+          </a:p>
+        </p:txBody>
+      </p:sp>
+      <p:sp>
+        <p:nvSpPr>
+          <p:cNvPr id="103" name="Rectangle 102"/>
+          <p:cNvSpPr/>
+          <p:nvPr/>
+        </p:nvSpPr>
+        <p:spPr>
+          <a:xfrm>
+            <a:off x="25599101" y="11607592"/>
+            <a:ext cx="4019690" cy="584775"/>
+          </a:xfrm>
+          <a:prstGeom prst="rect">
+            <a:avLst/>
+          </a:prstGeom>
+        </p:spPr>
+        <p:style>
+          <a:lnRef idx="2">
+            <a:schemeClr val="dk1"/>
+          </a:lnRef>
+          <a:fillRef idx="1">
+            <a:schemeClr val="lt1"/>
+          </a:fillRef>
+          <a:effectRef idx="0">
+            <a:schemeClr val="dk1"/>
+          </a:effectRef>
+          <a:fontRef idx="minor">
+            <a:schemeClr val="dk1"/>
+          </a:fontRef>
+        </p:style>
+        <p:txBody>
+          <a:bodyPr wrap="none" lIns="91440" tIns="45720" rIns="91440" bIns="45720">
+            <a:spAutoFit/>
+          </a:bodyPr>
+          <a:lstStyle/>
+          <a:p>
+            <a:pPr algn="ctr"/>
+            <a:r>
+              <a:rPr lang="en-US" sz="3200" b="0" cap="none" spc="0" dirty="0" smtClean="0">
+                <a:ln w="0">
+                  <a:noFill/>
+                </a:ln>
+                <a:solidFill>
+                  <a:schemeClr val="tx1"/>
+                </a:solidFill>
+                <a:latin typeface="Helvetica Neue" charset="0"/>
+                <a:ea typeface="Helvetica Neue" charset="0"/>
+                <a:cs typeface="Helvetica Neue" charset="0"/>
+              </a:rPr>
+              <a:t>4 Properties, 10 Sets</a:t>
+            </a:r>
+          </a:p>
+        </p:txBody>
+      </p:sp>
+      <p:sp>
+        <p:nvSpPr>
+          <p:cNvPr id="104" name="Rectangle 103"/>
+          <p:cNvSpPr/>
+          <p:nvPr/>
+        </p:nvSpPr>
+        <p:spPr>
+          <a:xfrm>
+            <a:off x="30959048" y="11580069"/>
+            <a:ext cx="3464283" cy="584775"/>
+          </a:xfrm>
+          <a:prstGeom prst="rect">
+            <a:avLst/>
+          </a:prstGeom>
+        </p:spPr>
+        <p:style>
+          <a:lnRef idx="2">
+            <a:schemeClr val="dk1"/>
+          </a:lnRef>
+          <a:fillRef idx="1">
+            <a:schemeClr val="lt1"/>
+          </a:fillRef>
+          <a:effectRef idx="0">
+            <a:schemeClr val="dk1"/>
+          </a:effectRef>
+          <a:fontRef idx="minor">
+            <a:schemeClr val="dk1"/>
+          </a:fontRef>
+        </p:style>
+        <p:txBody>
+          <a:bodyPr wrap="none" lIns="91440" tIns="45720" rIns="91440" bIns="45720">
+            <a:spAutoFit/>
+          </a:bodyPr>
+          <a:lstStyle/>
+          <a:p>
+            <a:pPr algn="ctr"/>
+            <a:r>
+              <a:rPr lang="en-US" sz="3200" b="0" cap="none" spc="0" dirty="0" smtClean="0">
+                <a:ln w="0">
+                  <a:noFill/>
+                </a:ln>
+                <a:solidFill>
+                  <a:schemeClr val="tx1"/>
+                </a:solidFill>
+                <a:latin typeface="Helvetica Neue" charset="0"/>
+                <a:ea typeface="Helvetica Neue" charset="0"/>
+                <a:cs typeface="Helvetica Neue" charset="0"/>
+              </a:rPr>
+              <a:t>4 Values, 10 Sets</a:t>
+            </a:r>
+          </a:p>
+        </p:txBody>
+      </p:sp>
+      <p:sp>
+        <p:nvSpPr>
+          <p:cNvPr id="105" name="TextBox 104"/>
+          <p:cNvSpPr txBox="1"/>
+          <p:nvPr/>
+        </p:nvSpPr>
+        <p:spPr>
+          <a:xfrm>
+            <a:off x="25075814" y="16976355"/>
+            <a:ext cx="10814385" cy="2246769"/>
+          </a:xfrm>
+          <a:prstGeom prst="rect">
+            <a:avLst/>
+          </a:prstGeom>
+          <a:noFill/>
+        </p:spPr>
+        <p:txBody>
+          <a:bodyPr wrap="square" rtlCol="0">
+            <a:spAutoFit/>
+          </a:bodyPr>
+          <a:lstStyle/>
+          <a:p>
+            <a:pPr marL="457200" indent="-457200">
+              <a:buFont typeface="Arial" charset="0"/>
+              <a:buChar char="•"/>
+            </a:pPr>
+            <a:r>
+              <a:rPr lang="en-US" sz="2800" b="0" dirty="0" smtClean="0">
+                <a:latin typeface="Helvetica Neue" charset="0"/>
+                <a:ea typeface="Helvetica Neue" charset="0"/>
+                <a:cs typeface="Helvetica Neue" charset="0"/>
+              </a:rPr>
+              <a:t>SMT Solver with Symmetry Breaking becomes an Efficient Solution</a:t>
+            </a:r>
+          </a:p>
+          <a:p>
+            <a:pPr marL="457200" indent="-457200">
+              <a:buFont typeface="Arial" charset="0"/>
+              <a:buChar char="•"/>
+            </a:pPr>
+            <a:r>
+              <a:rPr lang="en-US" sz="2800" b="0" dirty="0" smtClean="0">
+                <a:latin typeface="Helvetica Neue" charset="0"/>
+                <a:ea typeface="Helvetica Neue" charset="0"/>
+                <a:cs typeface="Helvetica Neue" charset="0"/>
+              </a:rPr>
+              <a:t>Threshold at which the SMT Solver becomes faster than the Dynamic Algorithm </a:t>
+            </a:r>
+          </a:p>
+          <a:p>
+            <a:pPr marL="342900" indent="-342900">
+              <a:buFont typeface="Arial" charset="0"/>
+              <a:buChar char="•"/>
+            </a:pPr>
+            <a:endParaRPr lang="en-US" sz="2800" b="0" dirty="0">
+              <a:latin typeface="Helvetica Neue" charset="0"/>
+              <a:ea typeface="Helvetica Neue" charset="0"/>
+              <a:cs typeface="Helvetica Neue" charset="0"/>
+            </a:endParaRPr>
+          </a:p>
+        </p:txBody>
+      </p:sp>
+      <p:sp>
+        <p:nvSpPr>
+          <p:cNvPr id="106" name="TextBox 105"/>
+          <p:cNvSpPr txBox="1"/>
+          <p:nvPr/>
+        </p:nvSpPr>
+        <p:spPr>
+          <a:xfrm>
+            <a:off x="12655275" y="6556965"/>
+            <a:ext cx="5411342" cy="830997"/>
+          </a:xfrm>
+          <a:prstGeom prst="rect">
+            <a:avLst/>
+          </a:prstGeom>
+          <a:noFill/>
+        </p:spPr>
+        <p:txBody>
+          <a:bodyPr wrap="square" rtlCol="0">
+            <a:spAutoFit/>
+          </a:bodyPr>
+          <a:lstStyle/>
+          <a:p>
+            <a:pPr marL="342900" indent="-342900">
+              <a:buFont typeface="Arial" charset="0"/>
+              <a:buChar char="•"/>
+            </a:pPr>
+            <a:r>
+              <a:rPr lang="en-US" b="0" dirty="0" smtClean="0">
+                <a:latin typeface="Helvetica Neue" charset="0"/>
+                <a:ea typeface="Helvetica Neue" charset="0"/>
+                <a:cs typeface="Helvetica Neue" charset="0"/>
+              </a:rPr>
+              <a:t>SMT Solver’s are Efficient</a:t>
+            </a:r>
+          </a:p>
+          <a:p>
+            <a:pPr marL="342900" indent="-342900">
+              <a:buFont typeface="Arial" charset="0"/>
+              <a:buChar char="•"/>
+            </a:pPr>
+            <a:r>
+              <a:rPr lang="en-US" b="0" dirty="0" smtClean="0">
+                <a:latin typeface="Helvetica Neue" charset="0"/>
+                <a:ea typeface="Helvetica Neue" charset="0"/>
+                <a:cs typeface="Helvetica Neue" charset="0"/>
+              </a:rPr>
+              <a:t>Systematic Search</a:t>
+            </a:r>
+            <a:endParaRPr lang="en-US" b="0" dirty="0">
+              <a:latin typeface="Helvetica Neue" charset="0"/>
+              <a:ea typeface="Helvetica Neue" charset="0"/>
+              <a:cs typeface="Helvetica Neue" charset="0"/>
+            </a:endParaRPr>
+          </a:p>
+        </p:txBody>
+      </p:sp>
+      <p:sp>
+        <p:nvSpPr>
+          <p:cNvPr id="107" name="TextBox 106"/>
+          <p:cNvSpPr txBox="1"/>
+          <p:nvPr/>
+        </p:nvSpPr>
+        <p:spPr>
+          <a:xfrm>
+            <a:off x="12655275" y="10224785"/>
+            <a:ext cx="5768827" cy="1569660"/>
+          </a:xfrm>
+          <a:prstGeom prst="rect">
+            <a:avLst/>
+          </a:prstGeom>
+          <a:noFill/>
+        </p:spPr>
+        <p:txBody>
+          <a:bodyPr wrap="square" rtlCol="0">
+            <a:spAutoFit/>
+          </a:bodyPr>
+          <a:lstStyle/>
+          <a:p>
+            <a:pPr marL="342900" indent="-342900">
+              <a:buFont typeface="Arial" charset="0"/>
+              <a:buChar char="•"/>
+            </a:pPr>
+            <a:r>
+              <a:rPr lang="en-US" b="0" dirty="0" smtClean="0">
+                <a:latin typeface="Helvetica Neue" charset="0"/>
+                <a:ea typeface="Helvetica Neue" charset="0"/>
+                <a:cs typeface="Helvetica Neue" charset="0"/>
+              </a:rPr>
+              <a:t>Probability of a Set decreases as the game is played</a:t>
+            </a:r>
+          </a:p>
+          <a:p>
+            <a:pPr marL="342900" indent="-342900">
+              <a:buFont typeface="Arial" charset="0"/>
+              <a:buChar char="•"/>
+            </a:pPr>
+            <a:r>
+              <a:rPr lang="en-US" b="0" dirty="0" smtClean="0">
+                <a:latin typeface="Helvetica Neue" charset="0"/>
+                <a:ea typeface="Helvetica Neue" charset="0"/>
+                <a:cs typeface="Helvetica Neue" charset="0"/>
+              </a:rPr>
+              <a:t>Build off of previous knowledge of the board</a:t>
+            </a:r>
+            <a:endParaRPr lang="en-US" b="0" dirty="0">
+              <a:latin typeface="Helvetica Neue" charset="0"/>
+              <a:ea typeface="Helvetica Neue" charset="0"/>
+              <a:cs typeface="Helvetica Neue" charset="0"/>
+            </a:endParaRPr>
+          </a:p>
+        </p:txBody>
+      </p:sp>
+      <p:sp>
+        <p:nvSpPr>
+          <p:cNvPr id="109" name="TextBox 108"/>
+          <p:cNvSpPr txBox="1"/>
+          <p:nvPr/>
+        </p:nvSpPr>
+        <p:spPr>
+          <a:xfrm>
+            <a:off x="13151930" y="14967356"/>
+            <a:ext cx="6982340" cy="461665"/>
+          </a:xfrm>
+          <a:prstGeom prst="rect">
+            <a:avLst/>
+          </a:prstGeom>
+          <a:noFill/>
+        </p:spPr>
+        <p:txBody>
+          <a:bodyPr wrap="square" rtlCol="0">
+            <a:spAutoFit/>
+          </a:bodyPr>
+          <a:lstStyle/>
+          <a:p>
+            <a:r>
+              <a:rPr lang="en-US" b="0" dirty="0" smtClean="0">
+                <a:latin typeface="Helvetica Neue" charset="0"/>
+                <a:ea typeface="Helvetica Neue" charset="0"/>
+                <a:cs typeface="Helvetica Neue" charset="0"/>
+              </a:rPr>
+              <a:t>Satisfying Set of </a:t>
+            </a:r>
+            <a:r>
+              <a:rPr lang="en-US" b="0" smtClean="0">
+                <a:latin typeface="Helvetica Neue" charset="0"/>
+                <a:ea typeface="Helvetica Neue" charset="0"/>
+                <a:cs typeface="Helvetica Neue" charset="0"/>
+              </a:rPr>
+              <a:t>v*p variables</a:t>
+            </a:r>
+            <a:endParaRPr lang="en-US" b="0" dirty="0">
+              <a:latin typeface="Helvetica Neue" charset="0"/>
+              <a:ea typeface="Helvetica Neue" charset="0"/>
+              <a:cs typeface="Helvetica Neue" charset="0"/>
+            </a:endParaRPr>
+          </a:p>
+        </p:txBody>
+      </p:sp>
+      <p:sp>
+        <p:nvSpPr>
+          <p:cNvPr id="110" name="TextBox 109"/>
+          <p:cNvSpPr txBox="1"/>
+          <p:nvPr/>
+        </p:nvSpPr>
+        <p:spPr>
+          <a:xfrm>
+            <a:off x="19113512" y="24221266"/>
+            <a:ext cx="4882313" cy="1200329"/>
+          </a:xfrm>
+          <a:prstGeom prst="rect">
+            <a:avLst/>
+          </a:prstGeom>
+          <a:noFill/>
+        </p:spPr>
+        <p:txBody>
+          <a:bodyPr wrap="square" rtlCol="0">
+            <a:spAutoFit/>
+          </a:bodyPr>
+          <a:lstStyle/>
+          <a:p>
+            <a:pPr marL="457200" indent="-457200">
+              <a:buFont typeface="Arial" charset="0"/>
+              <a:buChar char="•"/>
+            </a:pPr>
+            <a:r>
+              <a:rPr lang="en-US" b="0" dirty="0" smtClean="0">
+                <a:latin typeface="Helvetica Neue" charset="0"/>
+                <a:ea typeface="Helvetica Neue" charset="0"/>
+                <a:cs typeface="Helvetica Neue" charset="0"/>
+              </a:rPr>
+              <a:t>Store All Partial Sets</a:t>
+            </a:r>
+          </a:p>
+          <a:p>
+            <a:pPr marL="457200" indent="-457200">
+              <a:buFont typeface="Arial" charset="0"/>
+              <a:buChar char="•"/>
+            </a:pPr>
+            <a:r>
+              <a:rPr lang="en-US" b="0" dirty="0" smtClean="0">
+                <a:latin typeface="Helvetica Neue" charset="0"/>
+                <a:ea typeface="Helvetica Neue" charset="0"/>
+                <a:cs typeface="Helvetica Neue" charset="0"/>
+              </a:rPr>
+              <a:t>Quick Complete Dictionary if Missing One Card</a:t>
+            </a:r>
+            <a:endParaRPr lang="en-US" b="0" dirty="0">
+              <a:latin typeface="Helvetica Neue" charset="0"/>
+              <a:ea typeface="Helvetica Neue" charset="0"/>
+              <a:cs typeface="Helvetica Neue" charset="0"/>
+            </a:endParaRPr>
+          </a:p>
+        </p:txBody>
+      </p:sp>
+      <p:sp>
+        <p:nvSpPr>
+          <p:cNvPr id="111" name="TextBox 110"/>
+          <p:cNvSpPr txBox="1"/>
+          <p:nvPr/>
+        </p:nvSpPr>
+        <p:spPr>
+          <a:xfrm>
+            <a:off x="12398508" y="23875449"/>
+            <a:ext cx="6631511" cy="1200329"/>
+          </a:xfrm>
+          <a:prstGeom prst="rect">
+            <a:avLst/>
+          </a:prstGeom>
+          <a:noFill/>
+        </p:spPr>
+        <p:txBody>
+          <a:bodyPr wrap="square" rtlCol="0">
+            <a:spAutoFit/>
+          </a:bodyPr>
+          <a:lstStyle/>
+          <a:p>
+            <a:pPr marL="457200" indent="-457200">
+              <a:buFont typeface="Arial" charset="0"/>
+              <a:buChar char="•"/>
+            </a:pPr>
+            <a:r>
+              <a:rPr lang="en-US" b="0" dirty="0" smtClean="0">
+                <a:latin typeface="Helvetica Neue" charset="0"/>
+                <a:ea typeface="Helvetica Neue" charset="0"/>
+                <a:cs typeface="Helvetica Neue" charset="0"/>
+              </a:rPr>
+              <a:t>Symmetry Breaking </a:t>
+            </a:r>
+          </a:p>
+          <a:p>
+            <a:pPr marL="457200" indent="-457200">
+              <a:buFont typeface="Arial" charset="0"/>
+              <a:buChar char="•"/>
+            </a:pPr>
+            <a:r>
+              <a:rPr lang="en-US" b="0" dirty="0" smtClean="0">
+                <a:latin typeface="Helvetica Neue" charset="0"/>
+                <a:ea typeface="Helvetica Neue" charset="0"/>
+                <a:cs typeface="Helvetica Neue" charset="0"/>
+              </a:rPr>
+              <a:t>Relative Sorted =  C</a:t>
+            </a:r>
+            <a:r>
+              <a:rPr lang="en-US" b="0" baseline="-25000" dirty="0" smtClean="0">
+                <a:latin typeface="Helvetica Neue" charset="0"/>
+                <a:ea typeface="Helvetica Neue" charset="0"/>
+                <a:cs typeface="Helvetica Neue" charset="0"/>
+              </a:rPr>
+              <a:t>1</a:t>
+            </a:r>
+            <a:r>
+              <a:rPr lang="en-US" b="0" dirty="0" smtClean="0">
+                <a:latin typeface="Helvetica Neue" charset="0"/>
+                <a:ea typeface="Helvetica Neue" charset="0"/>
+                <a:cs typeface="Helvetica Neue" charset="0"/>
+              </a:rPr>
+              <a:t> &lt; C</a:t>
+            </a:r>
+            <a:r>
+              <a:rPr lang="en-US" b="0" baseline="-25000" dirty="0" smtClean="0">
+                <a:latin typeface="Helvetica Neue" charset="0"/>
+                <a:ea typeface="Helvetica Neue" charset="0"/>
+                <a:cs typeface="Helvetica Neue" charset="0"/>
+              </a:rPr>
+              <a:t>2</a:t>
+            </a:r>
+            <a:r>
+              <a:rPr lang="en-US" b="0" dirty="0" smtClean="0">
+                <a:latin typeface="Helvetica Neue" charset="0"/>
+                <a:ea typeface="Helvetica Neue" charset="0"/>
+                <a:cs typeface="Helvetica Neue" charset="0"/>
+              </a:rPr>
+              <a:t> &lt; </a:t>
+            </a:r>
+            <a:r>
+              <a:rPr lang="mr-IN" b="0" dirty="0" smtClean="0">
+                <a:latin typeface="Helvetica Neue" charset="0"/>
+                <a:ea typeface="Helvetica Neue" charset="0"/>
+                <a:cs typeface="Helvetica Neue" charset="0"/>
+              </a:rPr>
+              <a:t>…</a:t>
+            </a:r>
+            <a:r>
+              <a:rPr lang="en-US" b="0" dirty="0" smtClean="0">
+                <a:latin typeface="Helvetica Neue" charset="0"/>
+                <a:ea typeface="Helvetica Neue" charset="0"/>
+                <a:cs typeface="Helvetica Neue" charset="0"/>
+              </a:rPr>
+              <a:t> &lt; </a:t>
+            </a:r>
+            <a:r>
+              <a:rPr lang="en-US" b="0" dirty="0" err="1" smtClean="0">
+                <a:latin typeface="Helvetica Neue" charset="0"/>
+                <a:ea typeface="Helvetica Neue" charset="0"/>
+                <a:cs typeface="Helvetica Neue" charset="0"/>
+              </a:rPr>
+              <a:t>C</a:t>
+            </a:r>
+            <a:r>
+              <a:rPr lang="en-US" b="0" baseline="-25000" dirty="0" err="1">
+                <a:latin typeface="Helvetica Neue" charset="0"/>
+                <a:ea typeface="Helvetica Neue" charset="0"/>
+                <a:cs typeface="Helvetica Neue" charset="0"/>
+              </a:rPr>
+              <a:t>v</a:t>
+            </a:r>
+            <a:endParaRPr lang="en-US" b="0" baseline="-25000" dirty="0" smtClean="0">
+              <a:latin typeface="Helvetica Neue" charset="0"/>
+              <a:ea typeface="Helvetica Neue" charset="0"/>
+              <a:cs typeface="Helvetica Neue" charset="0"/>
+            </a:endParaRPr>
+          </a:p>
+          <a:p>
+            <a:pPr marL="457200" indent="-457200">
+              <a:buFont typeface="Arial" charset="0"/>
+              <a:buChar char="•"/>
+            </a:pPr>
+            <a:r>
+              <a:rPr lang="en-US" b="0" dirty="0" smtClean="0">
+                <a:latin typeface="Helvetica Neue" charset="0"/>
+                <a:ea typeface="Helvetica Neue" charset="0"/>
+                <a:cs typeface="Helvetica Neue" charset="0"/>
+              </a:rPr>
+              <a:t>Rigid Sorted = C</a:t>
+            </a:r>
+            <a:r>
+              <a:rPr lang="en-US" b="0" baseline="-25000" dirty="0" smtClean="0">
+                <a:latin typeface="Helvetica Neue" charset="0"/>
+                <a:ea typeface="Helvetica Neue" charset="0"/>
+                <a:cs typeface="Helvetica Neue" charset="0"/>
+              </a:rPr>
+              <a:t>1 </a:t>
+            </a:r>
+            <a:r>
+              <a:rPr lang="en-US" b="0" dirty="0" smtClean="0">
+                <a:latin typeface="Helvetica Neue" charset="0"/>
+                <a:ea typeface="Helvetica Neue" charset="0"/>
+                <a:cs typeface="Helvetica Neue" charset="0"/>
+              </a:rPr>
+              <a:t>= 0, C</a:t>
+            </a:r>
+            <a:r>
+              <a:rPr lang="en-US" b="0" baseline="-25000" dirty="0" smtClean="0">
+                <a:latin typeface="Helvetica Neue" charset="0"/>
+                <a:ea typeface="Helvetica Neue" charset="0"/>
+                <a:cs typeface="Helvetica Neue" charset="0"/>
+              </a:rPr>
+              <a:t>2</a:t>
+            </a:r>
+            <a:r>
+              <a:rPr lang="en-US" b="0" dirty="0" smtClean="0">
+                <a:latin typeface="Helvetica Neue" charset="0"/>
+                <a:ea typeface="Helvetica Neue" charset="0"/>
+                <a:cs typeface="Helvetica Neue" charset="0"/>
+              </a:rPr>
+              <a:t> = 1, </a:t>
+            </a:r>
+            <a:r>
+              <a:rPr lang="mr-IN" b="0" dirty="0" smtClean="0">
+                <a:latin typeface="Helvetica Neue" charset="0"/>
+                <a:ea typeface="Helvetica Neue" charset="0"/>
+                <a:cs typeface="Helvetica Neue" charset="0"/>
+              </a:rPr>
+              <a:t>…</a:t>
+            </a:r>
+            <a:r>
+              <a:rPr lang="en-US" b="0" dirty="0" smtClean="0">
+                <a:latin typeface="Helvetica Neue" charset="0"/>
+                <a:ea typeface="Helvetica Neue" charset="0"/>
+                <a:cs typeface="Helvetica Neue" charset="0"/>
+              </a:rPr>
+              <a:t> </a:t>
+            </a:r>
+            <a:r>
+              <a:rPr lang="en-US" b="0" dirty="0" err="1" smtClean="0">
+                <a:latin typeface="Helvetica Neue" charset="0"/>
+                <a:ea typeface="Helvetica Neue" charset="0"/>
+                <a:cs typeface="Helvetica Neue" charset="0"/>
+              </a:rPr>
+              <a:t>C</a:t>
+            </a:r>
+            <a:r>
+              <a:rPr lang="en-US" b="0" baseline="-25000" dirty="0" err="1" smtClean="0">
+                <a:latin typeface="Helvetica Neue" charset="0"/>
+                <a:ea typeface="Helvetica Neue" charset="0"/>
+                <a:cs typeface="Helvetica Neue" charset="0"/>
+              </a:rPr>
+              <a:t>v</a:t>
+            </a:r>
+            <a:r>
+              <a:rPr lang="en-US" b="0" baseline="-25000" dirty="0" smtClean="0">
+                <a:latin typeface="Helvetica Neue" charset="0"/>
+                <a:ea typeface="Helvetica Neue" charset="0"/>
+                <a:cs typeface="Helvetica Neue" charset="0"/>
+              </a:rPr>
+              <a:t> </a:t>
+            </a:r>
+            <a:r>
+              <a:rPr lang="en-US" b="0" dirty="0" smtClean="0">
+                <a:latin typeface="Helvetica Neue" charset="0"/>
+                <a:ea typeface="Helvetica Neue" charset="0"/>
+                <a:cs typeface="Helvetica Neue" charset="0"/>
+              </a:rPr>
+              <a:t>= v-1</a:t>
+            </a:r>
+            <a:endParaRPr lang="en-US" b="0" dirty="0">
+              <a:latin typeface="Helvetica Neue" charset="0"/>
+              <a:ea typeface="Helvetica Neue" charset="0"/>
+              <a:cs typeface="Helvetica Neue" charset="0"/>
+            </a:endParaRPr>
+          </a:p>
+        </p:txBody>
+      </p:sp>
+      <p:sp>
+        <p:nvSpPr>
+          <p:cNvPr id="119" name="Rectangle 118"/>
+          <p:cNvSpPr/>
+          <p:nvPr/>
+        </p:nvSpPr>
+        <p:spPr>
+          <a:xfrm>
+            <a:off x="26772189" y="5477338"/>
+            <a:ext cx="6967612" cy="584775"/>
+          </a:xfrm>
+          <a:prstGeom prst="rect">
+            <a:avLst/>
+          </a:prstGeom>
+        </p:spPr>
+        <p:style>
+          <a:lnRef idx="2">
+            <a:schemeClr val="dk1"/>
+          </a:lnRef>
+          <a:fillRef idx="1">
+            <a:schemeClr val="lt1"/>
+          </a:fillRef>
+          <a:effectRef idx="0">
+            <a:schemeClr val="dk1"/>
+          </a:effectRef>
+          <a:fontRef idx="minor">
+            <a:schemeClr val="dk1"/>
+          </a:fontRef>
+        </p:style>
+        <p:txBody>
+          <a:bodyPr wrap="none" lIns="91440" tIns="45720" rIns="91440" bIns="45720">
+            <a:spAutoFit/>
+          </a:bodyPr>
+          <a:lstStyle/>
+          <a:p>
+            <a:pPr algn="ctr"/>
+            <a:r>
+              <a:rPr lang="en-US" sz="3200" b="0" cap="none" spc="0" dirty="0" smtClean="0">
+                <a:ln w="0">
+                  <a:noFill/>
+                </a:ln>
+                <a:solidFill>
+                  <a:schemeClr val="tx1"/>
+                </a:solidFill>
+                <a:latin typeface="Helvetica Neue" charset="0"/>
+                <a:ea typeface="Helvetica Neue" charset="0"/>
+                <a:cs typeface="Helvetica Neue" charset="0"/>
+              </a:rPr>
+              <a:t>SMT Symmetry Breaking Constraints</a:t>
+            </a:r>
+          </a:p>
+        </p:txBody>
+      </p:sp>
+      <p:sp>
+        <p:nvSpPr>
+          <p:cNvPr id="123" name="Rectangle 122"/>
+          <p:cNvSpPr/>
+          <p:nvPr/>
+        </p:nvSpPr>
+        <p:spPr>
+          <a:xfrm>
+            <a:off x="27675810" y="10748767"/>
+            <a:ext cx="5160387" cy="584775"/>
+          </a:xfrm>
+          <a:prstGeom prst="rect">
+            <a:avLst/>
+          </a:prstGeom>
+        </p:spPr>
+        <p:style>
+          <a:lnRef idx="2">
+            <a:schemeClr val="dk1"/>
+          </a:lnRef>
+          <a:fillRef idx="1">
+            <a:schemeClr val="lt1"/>
+          </a:fillRef>
+          <a:effectRef idx="0">
+            <a:schemeClr val="dk1"/>
+          </a:effectRef>
+          <a:fontRef idx="minor">
+            <a:schemeClr val="dk1"/>
+          </a:fontRef>
+        </p:style>
+        <p:txBody>
+          <a:bodyPr wrap="none" lIns="91440" tIns="45720" rIns="91440" bIns="45720">
+            <a:spAutoFit/>
+          </a:bodyPr>
+          <a:lstStyle/>
+          <a:p>
+            <a:pPr algn="ctr"/>
+            <a:r>
+              <a:rPr lang="en-US" sz="3200" b="0" cap="none" spc="0" dirty="0" smtClean="0">
+                <a:ln w="0">
+                  <a:noFill/>
+                </a:ln>
+                <a:solidFill>
+                  <a:schemeClr val="tx1"/>
+                </a:solidFill>
+                <a:latin typeface="Helvetica Neue" charset="0"/>
+                <a:ea typeface="Helvetica Neue" charset="0"/>
+                <a:cs typeface="Helvetica Neue" charset="0"/>
+              </a:rPr>
+              <a:t>SMT vs Dynamic Algorithm</a:t>
+            </a:r>
+          </a:p>
+        </p:txBody>
+      </p:sp>
+      <p:pic>
+        <p:nvPicPr>
+          <p:cNvPr id="124" name="Picture 123"/>
+          <p:cNvPicPr>
+            <a:picLocks noChangeAspect="1"/>
+          </p:cNvPicPr>
+          <p:nvPr/>
+        </p:nvPicPr>
+        <p:blipFill>
+          <a:blip r:embed="rId26"/>
+          <a:stretch>
+            <a:fillRect/>
+          </a:stretch>
+        </p:blipFill>
+        <p:spPr>
+          <a:xfrm>
+            <a:off x="3617000" y="12371287"/>
+            <a:ext cx="5118100" cy="2146300"/>
+          </a:xfrm>
+          <a:prstGeom prst="rect">
+            <a:avLst/>
+          </a:prstGeom>
+        </p:spPr>
+      </p:pic>
+      <p:sp>
+        <p:nvSpPr>
+          <p:cNvPr id="126" name="TextBox 125"/>
+          <p:cNvSpPr txBox="1"/>
+          <p:nvPr/>
+        </p:nvSpPr>
+        <p:spPr>
+          <a:xfrm>
+            <a:off x="2514441" y="12046310"/>
+            <a:ext cx="6761772" cy="461665"/>
+          </a:xfrm>
+          <a:prstGeom prst="rect">
+            <a:avLst/>
+          </a:prstGeom>
+          <a:noFill/>
+        </p:spPr>
+        <p:txBody>
+          <a:bodyPr wrap="square" rtlCol="0">
+            <a:spAutoFit/>
+          </a:bodyPr>
+          <a:lstStyle/>
+          <a:p>
+            <a:r>
+              <a:rPr lang="en-US" b="0" dirty="0" smtClean="0">
+                <a:latin typeface="Helvetica Neue" charset="0"/>
+                <a:ea typeface="Helvetica Neue" charset="0"/>
+                <a:cs typeface="Helvetica Neue" charset="0"/>
+              </a:rPr>
+              <a:t>Perfect Dimensional Matching</a:t>
+            </a:r>
+            <a:endParaRPr lang="en-US" b="0" dirty="0">
+              <a:latin typeface="Helvetica Neue" charset="0"/>
+              <a:ea typeface="Helvetica Neue" charset="0"/>
+              <a:cs typeface="Helvetica Neue" charset="0"/>
+            </a:endParaRPr>
+          </a:p>
+        </p:txBody>
+      </p:sp>
+      <p:sp>
+        <p:nvSpPr>
+          <p:cNvPr id="127" name="TextBox 126"/>
+          <p:cNvSpPr txBox="1"/>
+          <p:nvPr/>
+        </p:nvSpPr>
+        <p:spPr>
+          <a:xfrm>
+            <a:off x="3617000" y="15401094"/>
+            <a:ext cx="6982340" cy="461665"/>
+          </a:xfrm>
+          <a:prstGeom prst="rect">
+            <a:avLst/>
+          </a:prstGeom>
+          <a:noFill/>
+        </p:spPr>
+        <p:txBody>
+          <a:bodyPr wrap="square" rtlCol="0">
+            <a:spAutoFit/>
+          </a:bodyPr>
+          <a:lstStyle/>
+          <a:p>
+            <a:r>
+              <a:rPr lang="en-US" b="0" dirty="0" smtClean="0">
+                <a:latin typeface="Helvetica Neue" charset="0"/>
+                <a:ea typeface="Helvetica Neue" charset="0"/>
+                <a:cs typeface="Helvetica Neue" charset="0"/>
+              </a:rPr>
+              <a:t>JavaScript Set Game Solver by S. Nolte</a:t>
+            </a:r>
+            <a:endParaRPr lang="en-US" b="0" dirty="0">
+              <a:latin typeface="Helvetica Neue" charset="0"/>
+              <a:ea typeface="Helvetica Neue" charset="0"/>
+              <a:cs typeface="Helvetica Neue" charset="0"/>
+            </a:endParaRPr>
+          </a:p>
+        </p:txBody>
+      </p:sp>
+      <p:sp>
+        <p:nvSpPr>
+          <p:cNvPr id="128" name="Rectangle 127"/>
+          <p:cNvSpPr/>
+          <p:nvPr/>
+        </p:nvSpPr>
+        <p:spPr>
+          <a:xfrm>
+            <a:off x="16894307" y="5363469"/>
+            <a:ext cx="2311851" cy="584775"/>
+          </a:xfrm>
+          <a:prstGeom prst="rect">
+            <a:avLst/>
+          </a:prstGeom>
+        </p:spPr>
+        <p:style>
+          <a:lnRef idx="2">
+            <a:schemeClr val="dk1"/>
+          </a:lnRef>
+          <a:fillRef idx="1">
+            <a:schemeClr val="lt1"/>
+          </a:fillRef>
+          <a:effectRef idx="0">
+            <a:schemeClr val="dk1"/>
+          </a:effectRef>
+          <a:fontRef idx="minor">
+            <a:schemeClr val="dk1"/>
+          </a:fontRef>
+        </p:style>
+        <p:txBody>
+          <a:bodyPr wrap="none" lIns="91440" tIns="45720" rIns="91440" bIns="45720">
+            <a:spAutoFit/>
+          </a:bodyPr>
+          <a:lstStyle/>
+          <a:p>
+            <a:pPr algn="ctr"/>
+            <a:r>
+              <a:rPr lang="en-US" sz="3200" b="0" cap="none" spc="0" dirty="0" smtClean="0">
+                <a:ln w="0">
+                  <a:noFill/>
+                </a:ln>
+                <a:solidFill>
+                  <a:schemeClr val="tx1"/>
+                </a:solidFill>
+                <a:latin typeface="Helvetica Neue" charset="0"/>
+                <a:ea typeface="Helvetica Neue" charset="0"/>
+                <a:cs typeface="Helvetica Neue" charset="0"/>
+              </a:rPr>
+              <a:t>SMT Solver</a:t>
+            </a:r>
+          </a:p>
+        </p:txBody>
+      </p:sp>
+      <p:sp>
+        <p:nvSpPr>
+          <p:cNvPr id="129" name="Rectangle 128"/>
+          <p:cNvSpPr/>
+          <p:nvPr/>
+        </p:nvSpPr>
+        <p:spPr>
+          <a:xfrm>
+            <a:off x="16384711" y="8805210"/>
+            <a:ext cx="3663182" cy="584775"/>
+          </a:xfrm>
+          <a:prstGeom prst="rect">
+            <a:avLst/>
+          </a:prstGeom>
+        </p:spPr>
+        <p:style>
+          <a:lnRef idx="2">
+            <a:schemeClr val="dk1"/>
+          </a:lnRef>
+          <a:fillRef idx="1">
+            <a:schemeClr val="lt1"/>
+          </a:fillRef>
+          <a:effectRef idx="0">
+            <a:schemeClr val="dk1"/>
+          </a:effectRef>
+          <a:fontRef idx="minor">
+            <a:schemeClr val="dk1"/>
+          </a:fontRef>
+        </p:style>
+        <p:txBody>
+          <a:bodyPr wrap="none" lIns="91440" tIns="45720" rIns="91440" bIns="45720">
+            <a:spAutoFit/>
+          </a:bodyPr>
+          <a:lstStyle/>
+          <a:p>
+            <a:pPr algn="ctr"/>
+            <a:r>
+              <a:rPr lang="en-US" sz="3200" b="0" cap="none" spc="0" dirty="0" smtClean="0">
+                <a:ln w="0">
+                  <a:noFill/>
+                </a:ln>
+                <a:solidFill>
+                  <a:schemeClr val="tx1"/>
+                </a:solidFill>
+                <a:latin typeface="Helvetica Neue" charset="0"/>
+                <a:ea typeface="Helvetica Neue" charset="0"/>
+                <a:cs typeface="Helvetica Neue" charset="0"/>
+              </a:rPr>
+              <a:t>Dynamic Algorithm</a:t>
+            </a:r>
+          </a:p>
+        </p:txBody>
+      </p:sp>
+      <p:sp>
+        <p:nvSpPr>
+          <p:cNvPr id="130" name="Rectangle 129"/>
+          <p:cNvSpPr/>
+          <p:nvPr/>
+        </p:nvSpPr>
+        <p:spPr>
+          <a:xfrm>
+            <a:off x="13641467" y="20595274"/>
+            <a:ext cx="2311851" cy="584775"/>
+          </a:xfrm>
+          <a:prstGeom prst="rect">
+            <a:avLst/>
+          </a:prstGeom>
+        </p:spPr>
+        <p:style>
+          <a:lnRef idx="2">
+            <a:schemeClr val="dk1"/>
+          </a:lnRef>
+          <a:fillRef idx="1">
+            <a:schemeClr val="lt1"/>
+          </a:fillRef>
+          <a:effectRef idx="0">
+            <a:schemeClr val="dk1"/>
+          </a:effectRef>
+          <a:fontRef idx="minor">
+            <a:schemeClr val="dk1"/>
+          </a:fontRef>
+        </p:style>
+        <p:txBody>
+          <a:bodyPr wrap="none" lIns="91440" tIns="45720" rIns="91440" bIns="45720">
+            <a:spAutoFit/>
+          </a:bodyPr>
+          <a:lstStyle/>
+          <a:p>
+            <a:pPr algn="ctr"/>
+            <a:r>
+              <a:rPr lang="en-US" sz="3200" b="0" cap="none" spc="0" dirty="0" smtClean="0">
+                <a:ln w="0">
+                  <a:noFill/>
+                </a:ln>
+                <a:solidFill>
+                  <a:schemeClr val="tx1"/>
+                </a:solidFill>
+                <a:latin typeface="Helvetica Neue" charset="0"/>
+                <a:ea typeface="Helvetica Neue" charset="0"/>
+                <a:cs typeface="Helvetica Neue" charset="0"/>
+              </a:rPr>
+              <a:t>SMT Solver</a:t>
+            </a:r>
+          </a:p>
+        </p:txBody>
+      </p:sp>
+      <p:sp>
+        <p:nvSpPr>
+          <p:cNvPr id="131" name="Rectangle 130"/>
+          <p:cNvSpPr/>
+          <p:nvPr/>
+        </p:nvSpPr>
+        <p:spPr>
+          <a:xfrm>
+            <a:off x="18933393" y="20606756"/>
+            <a:ext cx="3663182" cy="584775"/>
+          </a:xfrm>
+          <a:prstGeom prst="rect">
+            <a:avLst/>
+          </a:prstGeom>
+        </p:spPr>
+        <p:style>
+          <a:lnRef idx="2">
+            <a:schemeClr val="dk1"/>
+          </a:lnRef>
+          <a:fillRef idx="1">
+            <a:schemeClr val="lt1"/>
+          </a:fillRef>
+          <a:effectRef idx="0">
+            <a:schemeClr val="dk1"/>
+          </a:effectRef>
+          <a:fontRef idx="minor">
+            <a:schemeClr val="dk1"/>
+          </a:fontRef>
+        </p:style>
+        <p:txBody>
+          <a:bodyPr wrap="none" lIns="91440" tIns="45720" rIns="91440" bIns="45720">
+            <a:spAutoFit/>
+          </a:bodyPr>
+          <a:lstStyle/>
+          <a:p>
+            <a:pPr algn="ctr"/>
+            <a:r>
+              <a:rPr lang="en-US" sz="3200" b="0" cap="none" spc="0" dirty="0" smtClean="0">
+                <a:ln w="0">
+                  <a:noFill/>
+                </a:ln>
+                <a:solidFill>
+                  <a:schemeClr val="tx1"/>
+                </a:solidFill>
+                <a:latin typeface="Helvetica Neue" charset="0"/>
+                <a:ea typeface="Helvetica Neue" charset="0"/>
+                <a:cs typeface="Helvetica Neue" charset="0"/>
+              </a:rPr>
+              <a:t>Dynamic Algorithm</a:t>
+            </a:r>
+          </a:p>
+        </p:txBody>
+      </p:sp>
     </p:spTree>
   </p:cSld>
   <p:clrMapOvr>
